--- a/editable_outputs/predefined_layout.pptx
+++ b/editable_outputs/predefined_layout.pptx
@@ -3162,20 +3162,19 @@
         </p:nvSpPr>
         <p:spPr>
           <a:xfrm>
-            <a:off x="5181600" y="30480"/>
-            <a:ext cx="457200" cy="146050"/>
-          </a:xfrm>
-          <a:prstGeom prst="rect">
-            <a:avLst/>
-          </a:prstGeom>
-          <a:noFill/>
-        </p:spPr>
-        <p:txBody>
-          <a:bodyPr wrap="none">
-            <a:spAutoFit/>
-          </a:bodyPr>
-          <a:lstStyle/>
-          <a:p/>
+            <a:off x="5397500" y="31750"/>
+            <a:ext cx="914400" cy="292100"/>
+          </a:xfrm>
+          <a:prstGeom prst="rect">
+            <a:avLst/>
+          </a:prstGeom>
+          <a:noFill/>
+        </p:spPr>
+        <p:txBody>
+          <a:bodyPr wrap="none" anchor="ctr">
+            <a:spAutoFit/>
+          </a:bodyPr>
+          <a:lstStyle/>
           <a:p>
             <a:pPr>
               <a:defRPr sz="1000"/>
@@ -3194,20 +3193,19 @@
         </p:nvSpPr>
         <p:spPr>
           <a:xfrm>
-            <a:off x="5547360" y="25400"/>
-            <a:ext cx="203200" cy="165100"/>
-          </a:xfrm>
-          <a:prstGeom prst="rect">
-            <a:avLst/>
-          </a:prstGeom>
-          <a:noFill/>
-        </p:spPr>
-        <p:txBody>
-          <a:bodyPr wrap="none">
-            <a:spAutoFit/>
-          </a:bodyPr>
-          <a:lstStyle/>
-          <a:p/>
+            <a:off x="5778500" y="26458"/>
+            <a:ext cx="406400" cy="330200"/>
+          </a:xfrm>
+          <a:prstGeom prst="rect">
+            <a:avLst/>
+          </a:prstGeom>
+          <a:noFill/>
+        </p:spPr>
+        <p:txBody>
+          <a:bodyPr wrap="none" anchor="ctr">
+            <a:spAutoFit/>
+          </a:bodyPr>
+          <a:lstStyle/>
           <a:p>
             <a:pPr>
               <a:defRPr sz="1000"/>
@@ -3226,20 +3224,19 @@
         </p:nvSpPr>
         <p:spPr>
           <a:xfrm>
-            <a:off x="5709920" y="30480"/>
-            <a:ext cx="482600" cy="146050"/>
-          </a:xfrm>
-          <a:prstGeom prst="rect">
-            <a:avLst/>
-          </a:prstGeom>
-          <a:noFill/>
-        </p:spPr>
-        <p:txBody>
-          <a:bodyPr wrap="none">
-            <a:spAutoFit/>
-          </a:bodyPr>
-          <a:lstStyle/>
-          <a:p/>
+            <a:off x="5947833" y="31750"/>
+            <a:ext cx="965200" cy="292100"/>
+          </a:xfrm>
+          <a:prstGeom prst="rect">
+            <a:avLst/>
+          </a:prstGeom>
+          <a:noFill/>
+        </p:spPr>
+        <p:txBody>
+          <a:bodyPr wrap="none" anchor="ctr">
+            <a:spAutoFit/>
+          </a:bodyPr>
+          <a:lstStyle/>
           <a:p>
             <a:pPr>
               <a:defRPr sz="1000"/>
@@ -3258,20 +3255,19 @@
         </p:nvSpPr>
         <p:spPr>
           <a:xfrm>
-            <a:off x="4673600" y="198120"/>
-            <a:ext cx="501650" cy="114300"/>
-          </a:xfrm>
-          <a:prstGeom prst="rect">
-            <a:avLst/>
-          </a:prstGeom>
-          <a:noFill/>
-        </p:spPr>
-        <p:txBody>
-          <a:bodyPr wrap="none">
-            <a:spAutoFit/>
-          </a:bodyPr>
-          <a:lstStyle/>
-          <a:p/>
+            <a:off x="4868333" y="206375"/>
+            <a:ext cx="1003300" cy="228600"/>
+          </a:xfrm>
+          <a:prstGeom prst="rect">
+            <a:avLst/>
+          </a:prstGeom>
+          <a:noFill/>
+        </p:spPr>
+        <p:txBody>
+          <a:bodyPr wrap="none" anchor="ctr">
+            <a:spAutoFit/>
+          </a:bodyPr>
+          <a:lstStyle/>
           <a:p>
             <a:pPr>
               <a:defRPr sz="1000"/>
@@ -3290,20 +3286,19 @@
         </p:nvSpPr>
         <p:spPr>
           <a:xfrm>
-            <a:off x="5090160" y="182880"/>
-            <a:ext cx="393700" cy="146050"/>
-          </a:xfrm>
-          <a:prstGeom prst="rect">
-            <a:avLst/>
-          </a:prstGeom>
-          <a:noFill/>
-        </p:spPr>
-        <p:txBody>
-          <a:bodyPr wrap="none">
-            <a:spAutoFit/>
-          </a:bodyPr>
-          <a:lstStyle/>
-          <a:p/>
+            <a:off x="5302250" y="190500"/>
+            <a:ext cx="787400" cy="292100"/>
+          </a:xfrm>
+          <a:prstGeom prst="rect">
+            <a:avLst/>
+          </a:prstGeom>
+          <a:noFill/>
+        </p:spPr>
+        <p:txBody>
+          <a:bodyPr wrap="none" anchor="ctr">
+            <a:spAutoFit/>
+          </a:bodyPr>
+          <a:lstStyle/>
           <a:p>
             <a:pPr>
               <a:defRPr sz="1000"/>
@@ -3322,20 +3317,19 @@
         </p:nvSpPr>
         <p:spPr>
           <a:xfrm>
-            <a:off x="5410200" y="198120"/>
-            <a:ext cx="425450" cy="114300"/>
-          </a:xfrm>
-          <a:prstGeom prst="rect">
-            <a:avLst/>
-          </a:prstGeom>
-          <a:noFill/>
-        </p:spPr>
-        <p:txBody>
-          <a:bodyPr wrap="none">
-            <a:spAutoFit/>
-          </a:bodyPr>
-          <a:lstStyle/>
-          <a:p/>
+            <a:off x="5635625" y="206375"/>
+            <a:ext cx="850900" cy="228600"/>
+          </a:xfrm>
+          <a:prstGeom prst="rect">
+            <a:avLst/>
+          </a:prstGeom>
+          <a:noFill/>
+        </p:spPr>
+        <p:txBody>
+          <a:bodyPr wrap="none" anchor="ctr">
+            <a:spAutoFit/>
+          </a:bodyPr>
+          <a:lstStyle/>
           <a:p>
             <a:pPr>
               <a:defRPr sz="1000"/>
@@ -3354,20 +3348,19 @@
         </p:nvSpPr>
         <p:spPr>
           <a:xfrm>
-            <a:off x="5765800" y="187960"/>
-            <a:ext cx="400050" cy="158750"/>
-          </a:xfrm>
-          <a:prstGeom prst="rect">
-            <a:avLst/>
-          </a:prstGeom>
-          <a:noFill/>
-        </p:spPr>
-        <p:txBody>
-          <a:bodyPr wrap="none">
-            <a:spAutoFit/>
-          </a:bodyPr>
-          <a:lstStyle/>
-          <a:p/>
+            <a:off x="6006041" y="195791"/>
+            <a:ext cx="800100" cy="317500"/>
+          </a:xfrm>
+          <a:prstGeom prst="rect">
+            <a:avLst/>
+          </a:prstGeom>
+          <a:noFill/>
+        </p:spPr>
+        <p:txBody>
+          <a:bodyPr wrap="none" anchor="ctr">
+            <a:spAutoFit/>
+          </a:bodyPr>
+          <a:lstStyle/>
           <a:p>
             <a:pPr>
               <a:defRPr sz="1000"/>
@@ -3386,20 +3379,19 @@
         </p:nvSpPr>
         <p:spPr>
           <a:xfrm>
-            <a:off x="4866640" y="492759"/>
-            <a:ext cx="247650" cy="158750"/>
-          </a:xfrm>
-          <a:prstGeom prst="rect">
-            <a:avLst/>
-          </a:prstGeom>
-          <a:noFill/>
-        </p:spPr>
-        <p:txBody>
-          <a:bodyPr wrap="none">
-            <a:spAutoFit/>
-          </a:bodyPr>
-          <a:lstStyle/>
-          <a:p/>
+            <a:off x="5069416" y="513291"/>
+            <a:ext cx="495300" cy="317500"/>
+          </a:xfrm>
+          <a:prstGeom prst="rect">
+            <a:avLst/>
+          </a:prstGeom>
+          <a:noFill/>
+        </p:spPr>
+        <p:txBody>
+          <a:bodyPr wrap="none" anchor="ctr">
+            <a:spAutoFit/>
+          </a:bodyPr>
+          <a:lstStyle/>
           <a:p>
             <a:pPr>
               <a:defRPr sz="1000"/>
@@ -3418,20 +3410,19 @@
         </p:nvSpPr>
         <p:spPr>
           <a:xfrm>
-            <a:off x="5064760" y="513080"/>
-            <a:ext cx="539750" cy="114300"/>
-          </a:xfrm>
-          <a:prstGeom prst="rect">
-            <a:avLst/>
-          </a:prstGeom>
-          <a:noFill/>
-        </p:spPr>
-        <p:txBody>
-          <a:bodyPr wrap="none">
-            <a:spAutoFit/>
-          </a:bodyPr>
-          <a:lstStyle/>
-          <a:p/>
+            <a:off x="5275791" y="534458"/>
+            <a:ext cx="1079500" cy="228600"/>
+          </a:xfrm>
+          <a:prstGeom prst="rect">
+            <a:avLst/>
+          </a:prstGeom>
+          <a:noFill/>
+        </p:spPr>
+        <p:txBody>
+          <a:bodyPr wrap="none" anchor="ctr">
+            <a:spAutoFit/>
+          </a:bodyPr>
+          <a:lstStyle/>
           <a:p>
             <a:pPr>
               <a:defRPr sz="1000"/>
@@ -3450,20 +3441,19 @@
         </p:nvSpPr>
         <p:spPr>
           <a:xfrm>
-            <a:off x="5496560" y="502920"/>
-            <a:ext cx="171450" cy="139700"/>
-          </a:xfrm>
-          <a:prstGeom prst="rect">
-            <a:avLst/>
-          </a:prstGeom>
-          <a:noFill/>
-        </p:spPr>
-        <p:txBody>
-          <a:bodyPr wrap="none">
-            <a:spAutoFit/>
-          </a:bodyPr>
-          <a:lstStyle/>
-          <a:p/>
+            <a:off x="5725583" y="523875"/>
+            <a:ext cx="342900" cy="279400"/>
+          </a:xfrm>
+          <a:prstGeom prst="rect">
+            <a:avLst/>
+          </a:prstGeom>
+          <a:noFill/>
+        </p:spPr>
+        <p:txBody>
+          <a:bodyPr wrap="none" anchor="ctr">
+            <a:spAutoFit/>
+          </a:bodyPr>
+          <a:lstStyle/>
           <a:p>
             <a:pPr>
               <a:defRPr sz="1000"/>
@@ -3482,20 +3472,19 @@
         </p:nvSpPr>
         <p:spPr>
           <a:xfrm>
-            <a:off x="5633720" y="513080"/>
-            <a:ext cx="539750" cy="114300"/>
-          </a:xfrm>
-          <a:prstGeom prst="rect">
-            <a:avLst/>
-          </a:prstGeom>
-          <a:noFill/>
-        </p:spPr>
-        <p:txBody>
-          <a:bodyPr wrap="none">
-            <a:spAutoFit/>
-          </a:bodyPr>
-          <a:lstStyle/>
-          <a:p/>
+            <a:off x="5868458" y="534458"/>
+            <a:ext cx="1079500" cy="228600"/>
+          </a:xfrm>
+          <a:prstGeom prst="rect">
+            <a:avLst/>
+          </a:prstGeom>
+          <a:noFill/>
+        </p:spPr>
+        <p:txBody>
+          <a:bodyPr wrap="none" anchor="ctr">
+            <a:spAutoFit/>
+          </a:bodyPr>
+          <a:lstStyle/>
           <a:p>
             <a:pPr>
               <a:defRPr sz="1000"/>
@@ -3514,20 +3503,19 @@
         </p:nvSpPr>
         <p:spPr>
           <a:xfrm>
-            <a:off x="5582920" y="304800"/>
-            <a:ext cx="406400" cy="107950"/>
-          </a:xfrm>
-          <a:prstGeom prst="rect">
-            <a:avLst/>
-          </a:prstGeom>
-          <a:noFill/>
-        </p:spPr>
-        <p:txBody>
-          <a:bodyPr wrap="none">
-            <a:spAutoFit/>
-          </a:bodyPr>
-          <a:lstStyle/>
-          <a:p/>
+            <a:off x="5815541" y="317500"/>
+            <a:ext cx="812800" cy="215900"/>
+          </a:xfrm>
+          <a:prstGeom prst="rect">
+            <a:avLst/>
+          </a:prstGeom>
+          <a:noFill/>
+        </p:spPr>
+        <p:txBody>
+          <a:bodyPr wrap="none" anchor="ctr">
+            <a:spAutoFit/>
+          </a:bodyPr>
+          <a:lstStyle/>
           <a:p>
             <a:pPr>
               <a:defRPr sz="1000"/>
@@ -3546,20 +3534,19 @@
         </p:nvSpPr>
         <p:spPr>
           <a:xfrm>
-            <a:off x="5923280" y="299720"/>
-            <a:ext cx="234950" cy="127000"/>
-          </a:xfrm>
-          <a:prstGeom prst="rect">
-            <a:avLst/>
-          </a:prstGeom>
-          <a:noFill/>
-        </p:spPr>
-        <p:txBody>
-          <a:bodyPr wrap="none">
-            <a:spAutoFit/>
-          </a:bodyPr>
-          <a:lstStyle/>
-          <a:p/>
+            <a:off x="6170083" y="312208"/>
+            <a:ext cx="469900" cy="254000"/>
+          </a:xfrm>
+          <a:prstGeom prst="rect">
+            <a:avLst/>
+          </a:prstGeom>
+          <a:noFill/>
+        </p:spPr>
+        <p:txBody>
+          <a:bodyPr wrap="none" anchor="ctr">
+            <a:spAutoFit/>
+          </a:bodyPr>
+          <a:lstStyle/>
           <a:p>
             <a:pPr>
               <a:defRPr sz="1000"/>
@@ -3578,20 +3565,19 @@
         </p:nvSpPr>
         <p:spPr>
           <a:xfrm>
-            <a:off x="5623560" y="650240"/>
-            <a:ext cx="558800" cy="152400"/>
-          </a:xfrm>
-          <a:prstGeom prst="rect">
-            <a:avLst/>
-          </a:prstGeom>
-          <a:noFill/>
-        </p:spPr>
-        <p:txBody>
-          <a:bodyPr wrap="none">
-            <a:spAutoFit/>
-          </a:bodyPr>
-          <a:lstStyle/>
-          <a:p/>
+            <a:off x="5857875" y="677333"/>
+            <a:ext cx="1117600" cy="304800"/>
+          </a:xfrm>
+          <a:prstGeom prst="rect">
+            <a:avLst/>
+          </a:prstGeom>
+          <a:noFill/>
+        </p:spPr>
+        <p:txBody>
+          <a:bodyPr wrap="none" anchor="ctr">
+            <a:spAutoFit/>
+          </a:bodyPr>
+          <a:lstStyle/>
           <a:p>
             <a:pPr>
               <a:defRPr sz="1000"/>
@@ -3610,20 +3596,19 @@
         </p:nvSpPr>
         <p:spPr>
           <a:xfrm>
-            <a:off x="5593080" y="817880"/>
-            <a:ext cx="590550" cy="114300"/>
-          </a:xfrm>
-          <a:prstGeom prst="rect">
-            <a:avLst/>
-          </a:prstGeom>
-          <a:noFill/>
-        </p:spPr>
-        <p:txBody>
-          <a:bodyPr wrap="none">
-            <a:spAutoFit/>
-          </a:bodyPr>
-          <a:lstStyle/>
-          <a:p/>
+            <a:off x="5826125" y="851958"/>
+            <a:ext cx="1181100" cy="228600"/>
+          </a:xfrm>
+          <a:prstGeom prst="rect">
+            <a:avLst/>
+          </a:prstGeom>
+          <a:noFill/>
+        </p:spPr>
+        <p:txBody>
+          <a:bodyPr wrap="none" anchor="ctr">
+            <a:spAutoFit/>
+          </a:bodyPr>
+          <a:lstStyle/>
           <a:p>
             <a:pPr>
               <a:defRPr sz="1000"/>
@@ -3642,20 +3627,19 @@
         </p:nvSpPr>
         <p:spPr>
           <a:xfrm>
-            <a:off x="5679440" y="965200"/>
-            <a:ext cx="469900" cy="120650"/>
-          </a:xfrm>
-          <a:prstGeom prst="rect">
-            <a:avLst/>
-          </a:prstGeom>
-          <a:noFill/>
-        </p:spPr>
-        <p:txBody>
-          <a:bodyPr wrap="none">
-            <a:spAutoFit/>
-          </a:bodyPr>
-          <a:lstStyle/>
-          <a:p/>
+            <a:off x="5916083" y="1005416"/>
+            <a:ext cx="939800" cy="241300"/>
+          </a:xfrm>
+          <a:prstGeom prst="rect">
+            <a:avLst/>
+          </a:prstGeom>
+          <a:noFill/>
+        </p:spPr>
+        <p:txBody>
+          <a:bodyPr wrap="none" anchor="ctr">
+            <a:spAutoFit/>
+          </a:bodyPr>
+          <a:lstStyle/>
           <a:p>
             <a:pPr>
               <a:defRPr sz="1000"/>
@@ -3674,20 +3658,19 @@
         </p:nvSpPr>
         <p:spPr>
           <a:xfrm>
-            <a:off x="5354320" y="1117600"/>
-            <a:ext cx="876300" cy="133350"/>
-          </a:xfrm>
-          <a:prstGeom prst="rect">
-            <a:avLst/>
-          </a:prstGeom>
-          <a:noFill/>
-        </p:spPr>
-        <p:txBody>
-          <a:bodyPr wrap="none">
-            <a:spAutoFit/>
-          </a:bodyPr>
-          <a:lstStyle/>
-          <a:p/>
+            <a:off x="5577416" y="1164166"/>
+            <a:ext cx="1752600" cy="266700"/>
+          </a:xfrm>
+          <a:prstGeom prst="rect">
+            <a:avLst/>
+          </a:prstGeom>
+          <a:noFill/>
+        </p:spPr>
+        <p:txBody>
+          <a:bodyPr wrap="none" anchor="ctr">
+            <a:spAutoFit/>
+          </a:bodyPr>
+          <a:lstStyle/>
           <a:p>
             <a:pPr>
               <a:defRPr sz="1000"/>
@@ -3706,20 +3689,19 @@
         </p:nvSpPr>
         <p:spPr>
           <a:xfrm>
-            <a:off x="5130800" y="1259840"/>
-            <a:ext cx="234950" cy="152400"/>
-          </a:xfrm>
-          <a:prstGeom prst="rect">
-            <a:avLst/>
-          </a:prstGeom>
-          <a:noFill/>
-        </p:spPr>
-        <p:txBody>
-          <a:bodyPr wrap="none">
-            <a:spAutoFit/>
-          </a:bodyPr>
-          <a:lstStyle/>
-          <a:p/>
+            <a:off x="5344583" y="1312333"/>
+            <a:ext cx="469900" cy="304800"/>
+          </a:xfrm>
+          <a:prstGeom prst="rect">
+            <a:avLst/>
+          </a:prstGeom>
+          <a:noFill/>
+        </p:spPr>
+        <p:txBody>
+          <a:bodyPr wrap="none" anchor="ctr">
+            <a:spAutoFit/>
+          </a:bodyPr>
+          <a:lstStyle/>
           <a:p>
             <a:pPr>
               <a:defRPr sz="1000"/>
@@ -3738,20 +3720,19 @@
         </p:nvSpPr>
         <p:spPr>
           <a:xfrm>
-            <a:off x="5303520" y="1264920"/>
-            <a:ext cx="215900" cy="146050"/>
-          </a:xfrm>
-          <a:prstGeom prst="rect">
-            <a:avLst/>
-          </a:prstGeom>
-          <a:noFill/>
-        </p:spPr>
-        <p:txBody>
-          <a:bodyPr wrap="none">
-            <a:spAutoFit/>
-          </a:bodyPr>
-          <a:lstStyle/>
-          <a:p/>
+            <a:off x="5524500" y="1317625"/>
+            <a:ext cx="431800" cy="292100"/>
+          </a:xfrm>
+          <a:prstGeom prst="rect">
+            <a:avLst/>
+          </a:prstGeom>
+          <a:noFill/>
+        </p:spPr>
+        <p:txBody>
+          <a:bodyPr wrap="none" anchor="ctr">
+            <a:spAutoFit/>
+          </a:bodyPr>
+          <a:lstStyle/>
           <a:p>
             <a:pPr>
               <a:defRPr sz="1000"/>
@@ -3770,20 +3751,19 @@
         </p:nvSpPr>
         <p:spPr>
           <a:xfrm>
-            <a:off x="5466080" y="1275080"/>
-            <a:ext cx="660400" cy="114300"/>
-          </a:xfrm>
-          <a:prstGeom prst="rect">
-            <a:avLst/>
-          </a:prstGeom>
-          <a:noFill/>
-        </p:spPr>
-        <p:txBody>
-          <a:bodyPr wrap="none">
-            <a:spAutoFit/>
-          </a:bodyPr>
-          <a:lstStyle/>
-          <a:p/>
+            <a:off x="5693833" y="1328208"/>
+            <a:ext cx="1320800" cy="228600"/>
+          </a:xfrm>
+          <a:prstGeom prst="rect">
+            <a:avLst/>
+          </a:prstGeom>
+          <a:noFill/>
+        </p:spPr>
+        <p:txBody>
+          <a:bodyPr wrap="none" anchor="ctr">
+            <a:spAutoFit/>
+          </a:bodyPr>
+          <a:lstStyle/>
           <a:p>
             <a:pPr>
               <a:defRPr sz="1000"/>
@@ -3802,20 +3782,19 @@
         </p:nvSpPr>
         <p:spPr>
           <a:xfrm>
-            <a:off x="5984240" y="1275080"/>
-            <a:ext cx="107950" cy="114300"/>
-          </a:xfrm>
-          <a:prstGeom prst="rect">
-            <a:avLst/>
-          </a:prstGeom>
-          <a:noFill/>
-        </p:spPr>
-        <p:txBody>
-          <a:bodyPr wrap="none">
-            <a:spAutoFit/>
-          </a:bodyPr>
-          <a:lstStyle/>
-          <a:p/>
+            <a:off x="6233583" y="1328208"/>
+            <a:ext cx="215900" cy="228600"/>
+          </a:xfrm>
+          <a:prstGeom prst="rect">
+            <a:avLst/>
+          </a:prstGeom>
+          <a:noFill/>
+        </p:spPr>
+        <p:txBody>
+          <a:bodyPr wrap="none" anchor="ctr">
+            <a:spAutoFit/>
+          </a:bodyPr>
+          <a:lstStyle/>
           <a:p>
             <a:pPr>
               <a:defRPr sz="1000"/>
@@ -3834,20 +3813,19 @@
         </p:nvSpPr>
         <p:spPr>
           <a:xfrm>
-            <a:off x="3235960" y="513080"/>
-            <a:ext cx="374650" cy="114300"/>
-          </a:xfrm>
-          <a:prstGeom prst="rect">
-            <a:avLst/>
-          </a:prstGeom>
-          <a:noFill/>
-        </p:spPr>
-        <p:txBody>
-          <a:bodyPr wrap="none">
-            <a:spAutoFit/>
-          </a:bodyPr>
-          <a:lstStyle/>
-          <a:p/>
+            <a:off x="3370791" y="534458"/>
+            <a:ext cx="749300" cy="228600"/>
+          </a:xfrm>
+          <a:prstGeom prst="rect">
+            <a:avLst/>
+          </a:prstGeom>
+          <a:noFill/>
+        </p:spPr>
+        <p:txBody>
+          <a:bodyPr wrap="none" anchor="ctr">
+            <a:spAutoFit/>
+          </a:bodyPr>
+          <a:lstStyle/>
           <a:p>
             <a:pPr>
               <a:defRPr sz="1000"/>
@@ -3866,20 +3844,19 @@
         </p:nvSpPr>
         <p:spPr>
           <a:xfrm>
-            <a:off x="3220720" y="650240"/>
-            <a:ext cx="330200" cy="152400"/>
-          </a:xfrm>
-          <a:prstGeom prst="rect">
-            <a:avLst/>
-          </a:prstGeom>
-          <a:noFill/>
-        </p:spPr>
-        <p:txBody>
-          <a:bodyPr wrap="none">
-            <a:spAutoFit/>
-          </a:bodyPr>
-          <a:lstStyle/>
-          <a:p/>
+            <a:off x="3354916" y="677333"/>
+            <a:ext cx="660400" cy="304800"/>
+          </a:xfrm>
+          <a:prstGeom prst="rect">
+            <a:avLst/>
+          </a:prstGeom>
+          <a:noFill/>
+        </p:spPr>
+        <p:txBody>
+          <a:bodyPr wrap="none" anchor="ctr">
+            <a:spAutoFit/>
+          </a:bodyPr>
+          <a:lstStyle/>
           <a:p>
             <a:pPr>
               <a:defRPr sz="1000"/>
@@ -3898,20 +3875,19 @@
         </p:nvSpPr>
         <p:spPr>
           <a:xfrm>
-            <a:off x="3469640" y="660400"/>
-            <a:ext cx="158750" cy="139700"/>
-          </a:xfrm>
-          <a:prstGeom prst="rect">
-            <a:avLst/>
-          </a:prstGeom>
-          <a:noFill/>
-        </p:spPr>
-        <p:txBody>
-          <a:bodyPr wrap="none">
-            <a:spAutoFit/>
-          </a:bodyPr>
-          <a:lstStyle/>
-          <a:p/>
+            <a:off x="3614208" y="687916"/>
+            <a:ext cx="317500" cy="279400"/>
+          </a:xfrm>
+          <a:prstGeom prst="rect">
+            <a:avLst/>
+          </a:prstGeom>
+          <a:noFill/>
+        </p:spPr>
+        <p:txBody>
+          <a:bodyPr wrap="none" anchor="ctr">
+            <a:spAutoFit/>
+          </a:bodyPr>
+          <a:lstStyle/>
           <a:p>
             <a:pPr>
               <a:defRPr sz="1000"/>
@@ -3930,20 +3906,19 @@
         </p:nvSpPr>
         <p:spPr>
           <a:xfrm>
-            <a:off x="3596640" y="660400"/>
-            <a:ext cx="285750" cy="139700"/>
-          </a:xfrm>
-          <a:prstGeom prst="rect">
-            <a:avLst/>
-          </a:prstGeom>
-          <a:noFill/>
-        </p:spPr>
-        <p:txBody>
-          <a:bodyPr wrap="none">
-            <a:spAutoFit/>
-          </a:bodyPr>
-          <a:lstStyle/>
-          <a:p/>
+            <a:off x="3746500" y="687916"/>
+            <a:ext cx="571500" cy="279400"/>
+          </a:xfrm>
+          <a:prstGeom prst="rect">
+            <a:avLst/>
+          </a:prstGeom>
+          <a:noFill/>
+        </p:spPr>
+        <p:txBody>
+          <a:bodyPr wrap="none" anchor="ctr">
+            <a:spAutoFit/>
+          </a:bodyPr>
+          <a:lstStyle/>
           <a:p>
             <a:pPr>
               <a:defRPr sz="1000"/>
@@ -3962,20 +3937,19 @@
         </p:nvSpPr>
         <p:spPr>
           <a:xfrm>
-            <a:off x="3220720" y="807720"/>
-            <a:ext cx="215900" cy="152400"/>
-          </a:xfrm>
-          <a:prstGeom prst="rect">
-            <a:avLst/>
-          </a:prstGeom>
-          <a:noFill/>
-        </p:spPr>
-        <p:txBody>
-          <a:bodyPr wrap="none">
-            <a:spAutoFit/>
-          </a:bodyPr>
-          <a:lstStyle/>
-          <a:p/>
+            <a:off x="3354916" y="841375"/>
+            <a:ext cx="431800" cy="304800"/>
+          </a:xfrm>
+          <a:prstGeom prst="rect">
+            <a:avLst/>
+          </a:prstGeom>
+          <a:noFill/>
+        </p:spPr>
+        <p:txBody>
+          <a:bodyPr wrap="none" anchor="ctr">
+            <a:spAutoFit/>
+          </a:bodyPr>
+          <a:lstStyle/>
           <a:p>
             <a:pPr>
               <a:defRPr sz="1000"/>
@@ -3994,20 +3968,19 @@
         </p:nvSpPr>
         <p:spPr>
           <a:xfrm>
-            <a:off x="3368040" y="807720"/>
-            <a:ext cx="158750" cy="139700"/>
-          </a:xfrm>
-          <a:prstGeom prst="rect">
-            <a:avLst/>
-          </a:prstGeom>
-          <a:noFill/>
-        </p:spPr>
-        <p:txBody>
-          <a:bodyPr wrap="none">
-            <a:spAutoFit/>
-          </a:bodyPr>
-          <a:lstStyle/>
-          <a:p/>
+            <a:off x="3508375" y="841375"/>
+            <a:ext cx="317500" cy="279400"/>
+          </a:xfrm>
+          <a:prstGeom prst="rect">
+            <a:avLst/>
+          </a:prstGeom>
+          <a:noFill/>
+        </p:spPr>
+        <p:txBody>
+          <a:bodyPr wrap="none" anchor="ctr">
+            <a:spAutoFit/>
+          </a:bodyPr>
+          <a:lstStyle/>
           <a:p>
             <a:pPr>
               <a:defRPr sz="1000"/>
@@ -4026,20 +3999,19 @@
         </p:nvSpPr>
         <p:spPr>
           <a:xfrm>
-            <a:off x="3495040" y="817880"/>
-            <a:ext cx="349250" cy="114300"/>
-          </a:xfrm>
-          <a:prstGeom prst="rect">
-            <a:avLst/>
-          </a:prstGeom>
-          <a:noFill/>
-        </p:spPr>
-        <p:txBody>
-          <a:bodyPr wrap="none">
-            <a:spAutoFit/>
-          </a:bodyPr>
-          <a:lstStyle/>
-          <a:p/>
+            <a:off x="3640666" y="851958"/>
+            <a:ext cx="698500" cy="228600"/>
+          </a:xfrm>
+          <a:prstGeom prst="rect">
+            <a:avLst/>
+          </a:prstGeom>
+          <a:noFill/>
+        </p:spPr>
+        <p:txBody>
+          <a:bodyPr wrap="none" anchor="ctr">
+            <a:spAutoFit/>
+          </a:bodyPr>
+          <a:lstStyle/>
           <a:p>
             <a:pPr>
               <a:defRPr sz="1000"/>
@@ -4058,20 +4030,19 @@
         </p:nvSpPr>
         <p:spPr>
           <a:xfrm>
-            <a:off x="3220720" y="960119"/>
-            <a:ext cx="215900" cy="146050"/>
-          </a:xfrm>
-          <a:prstGeom prst="rect">
-            <a:avLst/>
-          </a:prstGeom>
-          <a:noFill/>
-        </p:spPr>
-        <p:txBody>
-          <a:bodyPr wrap="none">
-            <a:spAutoFit/>
-          </a:bodyPr>
-          <a:lstStyle/>
-          <a:p/>
+            <a:off x="3354916" y="1000125"/>
+            <a:ext cx="431800" cy="292100"/>
+          </a:xfrm>
+          <a:prstGeom prst="rect">
+            <a:avLst/>
+          </a:prstGeom>
+          <a:noFill/>
+        </p:spPr>
+        <p:txBody>
+          <a:bodyPr wrap="none" anchor="ctr">
+            <a:spAutoFit/>
+          </a:bodyPr>
+          <a:lstStyle/>
           <a:p>
             <a:pPr>
               <a:defRPr sz="1000"/>
@@ -4090,20 +4061,19 @@
         </p:nvSpPr>
         <p:spPr>
           <a:xfrm>
-            <a:off x="3368040" y="960119"/>
-            <a:ext cx="158750" cy="146050"/>
-          </a:xfrm>
-          <a:prstGeom prst="rect">
-            <a:avLst/>
-          </a:prstGeom>
-          <a:noFill/>
-        </p:spPr>
-        <p:txBody>
-          <a:bodyPr wrap="none">
-            <a:spAutoFit/>
-          </a:bodyPr>
-          <a:lstStyle/>
-          <a:p/>
+            <a:off x="3508375" y="1000125"/>
+            <a:ext cx="317500" cy="292100"/>
+          </a:xfrm>
+          <a:prstGeom prst="rect">
+            <a:avLst/>
+          </a:prstGeom>
+          <a:noFill/>
+        </p:spPr>
+        <p:txBody>
+          <a:bodyPr wrap="none" anchor="ctr">
+            <a:spAutoFit/>
+          </a:bodyPr>
+          <a:lstStyle/>
           <a:p>
             <a:pPr>
               <a:defRPr sz="1000"/>
@@ -4122,20 +4092,19 @@
         </p:nvSpPr>
         <p:spPr>
           <a:xfrm>
-            <a:off x="3484879" y="960119"/>
-            <a:ext cx="361950" cy="146050"/>
-          </a:xfrm>
-          <a:prstGeom prst="rect">
-            <a:avLst/>
-          </a:prstGeom>
-          <a:noFill/>
-        </p:spPr>
-        <p:txBody>
-          <a:bodyPr wrap="none">
-            <a:spAutoFit/>
-          </a:bodyPr>
-          <a:lstStyle/>
-          <a:p/>
+            <a:off x="3630083" y="1000125"/>
+            <a:ext cx="723900" cy="292100"/>
+          </a:xfrm>
+          <a:prstGeom prst="rect">
+            <a:avLst/>
+          </a:prstGeom>
+          <a:noFill/>
+        </p:spPr>
+        <p:txBody>
+          <a:bodyPr wrap="none" anchor="ctr">
+            <a:spAutoFit/>
+          </a:bodyPr>
+          <a:lstStyle/>
           <a:p>
             <a:pPr>
               <a:defRPr sz="1000"/>
@@ -4154,20 +4123,19 @@
         </p:nvSpPr>
         <p:spPr>
           <a:xfrm>
-            <a:off x="3220720" y="1107440"/>
-            <a:ext cx="311150" cy="158750"/>
-          </a:xfrm>
-          <a:prstGeom prst="rect">
-            <a:avLst/>
-          </a:prstGeom>
-          <a:noFill/>
-        </p:spPr>
-        <p:txBody>
-          <a:bodyPr wrap="none">
-            <a:spAutoFit/>
-          </a:bodyPr>
-          <a:lstStyle/>
-          <a:p/>
+            <a:off x="3354916" y="1153583"/>
+            <a:ext cx="622300" cy="317500"/>
+          </a:xfrm>
+          <a:prstGeom prst="rect">
+            <a:avLst/>
+          </a:prstGeom>
+          <a:noFill/>
+        </p:spPr>
+        <p:txBody>
+          <a:bodyPr wrap="none" anchor="ctr">
+            <a:spAutoFit/>
+          </a:bodyPr>
+          <a:lstStyle/>
           <a:p>
             <a:pPr>
               <a:defRPr sz="1000"/>
@@ -4186,20 +4154,19 @@
         </p:nvSpPr>
         <p:spPr>
           <a:xfrm>
-            <a:off x="3210560" y="1259840"/>
-            <a:ext cx="228600" cy="165100"/>
-          </a:xfrm>
-          <a:prstGeom prst="rect">
-            <a:avLst/>
-          </a:prstGeom>
-          <a:noFill/>
-        </p:spPr>
-        <p:txBody>
-          <a:bodyPr wrap="none">
-            <a:spAutoFit/>
-          </a:bodyPr>
-          <a:lstStyle/>
-          <a:p/>
+            <a:off x="3344333" y="1312333"/>
+            <a:ext cx="457200" cy="330200"/>
+          </a:xfrm>
+          <a:prstGeom prst="rect">
+            <a:avLst/>
+          </a:prstGeom>
+          <a:noFill/>
+        </p:spPr>
+        <p:txBody>
+          <a:bodyPr wrap="none" anchor="ctr">
+            <a:spAutoFit/>
+          </a:bodyPr>
+          <a:lstStyle/>
           <a:p>
             <a:pPr>
               <a:defRPr sz="1000"/>
@@ -4218,20 +4185,19 @@
         </p:nvSpPr>
         <p:spPr>
           <a:xfrm>
-            <a:off x="3368040" y="1264920"/>
-            <a:ext cx="381000" cy="146050"/>
-          </a:xfrm>
-          <a:prstGeom prst="rect">
-            <a:avLst/>
-          </a:prstGeom>
-          <a:noFill/>
-        </p:spPr>
-        <p:txBody>
-          <a:bodyPr wrap="none">
-            <a:spAutoFit/>
-          </a:bodyPr>
-          <a:lstStyle/>
-          <a:p/>
+            <a:off x="3508375" y="1317625"/>
+            <a:ext cx="762000" cy="292100"/>
+          </a:xfrm>
+          <a:prstGeom prst="rect">
+            <a:avLst/>
+          </a:prstGeom>
+          <a:noFill/>
+        </p:spPr>
+        <p:txBody>
+          <a:bodyPr wrap="none" anchor="ctr">
+            <a:spAutoFit/>
+          </a:bodyPr>
+          <a:lstStyle/>
           <a:p>
             <a:pPr>
               <a:defRPr sz="1000"/>
@@ -4250,20 +4216,19 @@
         </p:nvSpPr>
         <p:spPr>
           <a:xfrm>
-            <a:off x="3672840" y="1275080"/>
-            <a:ext cx="355600" cy="114300"/>
-          </a:xfrm>
-          <a:prstGeom prst="rect">
-            <a:avLst/>
-          </a:prstGeom>
-          <a:noFill/>
-        </p:spPr>
-        <p:txBody>
-          <a:bodyPr wrap="none">
-            <a:spAutoFit/>
-          </a:bodyPr>
-          <a:lstStyle/>
-          <a:p/>
+            <a:off x="3825875" y="1328208"/>
+            <a:ext cx="711200" cy="228600"/>
+          </a:xfrm>
+          <a:prstGeom prst="rect">
+            <a:avLst/>
+          </a:prstGeom>
+          <a:noFill/>
+        </p:spPr>
+        <p:txBody>
+          <a:bodyPr wrap="none" anchor="ctr">
+            <a:spAutoFit/>
+          </a:bodyPr>
+          <a:lstStyle/>
           <a:p>
             <a:pPr>
               <a:defRPr sz="1000"/>
@@ -4282,20 +4247,19 @@
         </p:nvSpPr>
         <p:spPr>
           <a:xfrm>
-            <a:off x="3235960" y="1595120"/>
-            <a:ext cx="615950" cy="120650"/>
-          </a:xfrm>
-          <a:prstGeom prst="rect">
-            <a:avLst/>
-          </a:prstGeom>
-          <a:noFill/>
-        </p:spPr>
-        <p:txBody>
-          <a:bodyPr wrap="none">
-            <a:spAutoFit/>
-          </a:bodyPr>
-          <a:lstStyle/>
-          <a:p/>
+            <a:off x="3370791" y="1661583"/>
+            <a:ext cx="1231900" cy="241300"/>
+          </a:xfrm>
+          <a:prstGeom prst="rect">
+            <a:avLst/>
+          </a:prstGeom>
+          <a:noFill/>
+        </p:spPr>
+        <p:txBody>
+          <a:bodyPr wrap="none" anchor="ctr">
+            <a:spAutoFit/>
+          </a:bodyPr>
+          <a:lstStyle/>
           <a:p>
             <a:pPr>
               <a:defRPr sz="1000"/>
@@ -4314,20 +4278,19 @@
         </p:nvSpPr>
         <p:spPr>
           <a:xfrm>
-            <a:off x="3220720" y="1838960"/>
-            <a:ext cx="393700" cy="146050"/>
-          </a:xfrm>
-          <a:prstGeom prst="rect">
-            <a:avLst/>
-          </a:prstGeom>
-          <a:noFill/>
-        </p:spPr>
-        <p:txBody>
-          <a:bodyPr wrap="none">
-            <a:spAutoFit/>
-          </a:bodyPr>
-          <a:lstStyle/>
-          <a:p/>
+            <a:off x="3354916" y="1915583"/>
+            <a:ext cx="787400" cy="292100"/>
+          </a:xfrm>
+          <a:prstGeom prst="rect">
+            <a:avLst/>
+          </a:prstGeom>
+          <a:noFill/>
+        </p:spPr>
+        <p:txBody>
+          <a:bodyPr wrap="none" anchor="ctr">
+            <a:spAutoFit/>
+          </a:bodyPr>
+          <a:lstStyle/>
           <a:p>
             <a:pPr>
               <a:defRPr sz="1000"/>
@@ -4346,20 +4309,19 @@
         </p:nvSpPr>
         <p:spPr>
           <a:xfrm>
-            <a:off x="3225800" y="1996439"/>
-            <a:ext cx="603250" cy="114300"/>
-          </a:xfrm>
-          <a:prstGeom prst="rect">
-            <a:avLst/>
-          </a:prstGeom>
-          <a:noFill/>
-        </p:spPr>
-        <p:txBody>
-          <a:bodyPr wrap="none">
-            <a:spAutoFit/>
-          </a:bodyPr>
-          <a:lstStyle/>
-          <a:p/>
+            <a:off x="3360208" y="2079625"/>
+            <a:ext cx="1206500" cy="228600"/>
+          </a:xfrm>
+          <a:prstGeom prst="rect">
+            <a:avLst/>
+          </a:prstGeom>
+          <a:noFill/>
+        </p:spPr>
+        <p:txBody>
+          <a:bodyPr wrap="none" anchor="ctr">
+            <a:spAutoFit/>
+          </a:bodyPr>
+          <a:lstStyle/>
           <a:p>
             <a:pPr>
               <a:defRPr sz="1000"/>
@@ -4378,20 +4340,19 @@
         </p:nvSpPr>
         <p:spPr>
           <a:xfrm>
-            <a:off x="274320" y="269240"/>
-            <a:ext cx="1384300" cy="457200"/>
-          </a:xfrm>
-          <a:prstGeom prst="rect">
-            <a:avLst/>
-          </a:prstGeom>
-          <a:noFill/>
-        </p:spPr>
-        <p:txBody>
-          <a:bodyPr wrap="none">
-            <a:spAutoFit/>
-          </a:bodyPr>
-          <a:lstStyle/>
-          <a:p/>
+            <a:off x="285750" y="280458"/>
+            <a:ext cx="2768600" cy="914400"/>
+          </a:xfrm>
+          <a:prstGeom prst="rect">
+            <a:avLst/>
+          </a:prstGeom>
+          <a:noFill/>
+        </p:spPr>
+        <p:txBody>
+          <a:bodyPr wrap="none" anchor="ctr">
+            <a:spAutoFit/>
+          </a:bodyPr>
+          <a:lstStyle/>
           <a:p>
             <a:pPr>
               <a:defRPr sz="1000"/>
@@ -4410,20 +4371,19 @@
         </p:nvSpPr>
         <p:spPr>
           <a:xfrm>
-            <a:off x="406400" y="1051560"/>
-            <a:ext cx="247650" cy="127000"/>
-          </a:xfrm>
-          <a:prstGeom prst="rect">
-            <a:avLst/>
-          </a:prstGeom>
-          <a:noFill/>
-        </p:spPr>
-        <p:txBody>
-          <a:bodyPr wrap="none">
-            <a:spAutoFit/>
-          </a:bodyPr>
-          <a:lstStyle/>
-          <a:p/>
+            <a:off x="423333" y="1095375"/>
+            <a:ext cx="495300" cy="254000"/>
+          </a:xfrm>
+          <a:prstGeom prst="rect">
+            <a:avLst/>
+          </a:prstGeom>
+          <a:noFill/>
+        </p:spPr>
+        <p:txBody>
+          <a:bodyPr wrap="none" anchor="ctr">
+            <a:spAutoFit/>
+          </a:bodyPr>
+          <a:lstStyle/>
           <a:p>
             <a:pPr>
               <a:defRPr sz="1000"/>
@@ -4442,20 +4402,19 @@
         </p:nvSpPr>
         <p:spPr>
           <a:xfrm>
-            <a:off x="609600" y="1051560"/>
-            <a:ext cx="514350" cy="120650"/>
-          </a:xfrm>
-          <a:prstGeom prst="rect">
-            <a:avLst/>
-          </a:prstGeom>
-          <a:noFill/>
-        </p:spPr>
-        <p:txBody>
-          <a:bodyPr wrap="none">
-            <a:spAutoFit/>
-          </a:bodyPr>
-          <a:lstStyle/>
-          <a:p/>
+            <a:off x="635000" y="1095375"/>
+            <a:ext cx="1028700" cy="241300"/>
+          </a:xfrm>
+          <a:prstGeom prst="rect">
+            <a:avLst/>
+          </a:prstGeom>
+          <a:noFill/>
+        </p:spPr>
+        <p:txBody>
+          <a:bodyPr wrap="none" anchor="ctr">
+            <a:spAutoFit/>
+          </a:bodyPr>
+          <a:lstStyle/>
           <a:p>
             <a:pPr>
               <a:defRPr sz="1000"/>
@@ -4474,20 +4433,19 @@
         </p:nvSpPr>
         <p:spPr>
           <a:xfrm>
-            <a:off x="1026160" y="1051560"/>
-            <a:ext cx="666750" cy="120650"/>
-          </a:xfrm>
-          <a:prstGeom prst="rect">
-            <a:avLst/>
-          </a:prstGeom>
-          <a:noFill/>
-        </p:spPr>
-        <p:txBody>
-          <a:bodyPr wrap="none">
-            <a:spAutoFit/>
-          </a:bodyPr>
-          <a:lstStyle/>
-          <a:p/>
+            <a:off x="1068916" y="1095375"/>
+            <a:ext cx="1333500" cy="241300"/>
+          </a:xfrm>
+          <a:prstGeom prst="rect">
+            <a:avLst/>
+          </a:prstGeom>
+          <a:noFill/>
+        </p:spPr>
+        <p:txBody>
+          <a:bodyPr wrap="none" anchor="ctr">
+            <a:spAutoFit/>
+          </a:bodyPr>
+          <a:lstStyle/>
           <a:p>
             <a:pPr>
               <a:defRPr sz="1000"/>
@@ -4506,20 +4464,19 @@
         </p:nvSpPr>
         <p:spPr>
           <a:xfrm>
-            <a:off x="1569720" y="1051560"/>
-            <a:ext cx="539750" cy="120650"/>
-          </a:xfrm>
-          <a:prstGeom prst="rect">
-            <a:avLst/>
-          </a:prstGeom>
-          <a:noFill/>
-        </p:spPr>
-        <p:txBody>
-          <a:bodyPr wrap="none">
-            <a:spAutoFit/>
-          </a:bodyPr>
-          <a:lstStyle/>
-          <a:p/>
+            <a:off x="1635125" y="1095375"/>
+            <a:ext cx="1079500" cy="241300"/>
+          </a:xfrm>
+          <a:prstGeom prst="rect">
+            <a:avLst/>
+          </a:prstGeom>
+          <a:noFill/>
+        </p:spPr>
+        <p:txBody>
+          <a:bodyPr wrap="none" anchor="ctr">
+            <a:spAutoFit/>
+          </a:bodyPr>
+          <a:lstStyle/>
           <a:p>
             <a:pPr>
               <a:defRPr sz="1000"/>
@@ -4538,20 +4495,19 @@
         </p:nvSpPr>
         <p:spPr>
           <a:xfrm>
-            <a:off x="406400" y="1163320"/>
-            <a:ext cx="768350" cy="146050"/>
-          </a:xfrm>
-          <a:prstGeom prst="rect">
-            <a:avLst/>
-          </a:prstGeom>
-          <a:noFill/>
-        </p:spPr>
-        <p:txBody>
-          <a:bodyPr wrap="none">
-            <a:spAutoFit/>
-          </a:bodyPr>
-          <a:lstStyle/>
-          <a:p/>
+            <a:off x="423333" y="1211791"/>
+            <a:ext cx="1536700" cy="292100"/>
+          </a:xfrm>
+          <a:prstGeom prst="rect">
+            <a:avLst/>
+          </a:prstGeom>
+          <a:noFill/>
+        </p:spPr>
+        <p:txBody>
+          <a:bodyPr wrap="none" anchor="ctr">
+            <a:spAutoFit/>
+          </a:bodyPr>
+          <a:lstStyle/>
           <a:p>
             <a:pPr>
               <a:defRPr sz="1000"/>
@@ -4570,20 +4526,19 @@
         </p:nvSpPr>
         <p:spPr>
           <a:xfrm>
-            <a:off x="411480" y="1290320"/>
-            <a:ext cx="247650" cy="127000"/>
-          </a:xfrm>
-          <a:prstGeom prst="rect">
-            <a:avLst/>
-          </a:prstGeom>
-          <a:noFill/>
-        </p:spPr>
-        <p:txBody>
-          <a:bodyPr wrap="none">
-            <a:spAutoFit/>
-          </a:bodyPr>
-          <a:lstStyle/>
-          <a:p/>
+            <a:off x="428625" y="1344083"/>
+            <a:ext cx="495300" cy="254000"/>
+          </a:xfrm>
+          <a:prstGeom prst="rect">
+            <a:avLst/>
+          </a:prstGeom>
+          <a:noFill/>
+        </p:spPr>
+        <p:txBody>
+          <a:bodyPr wrap="none" anchor="ctr">
+            <a:spAutoFit/>
+          </a:bodyPr>
+          <a:lstStyle/>
           <a:p>
             <a:pPr>
               <a:defRPr sz="1000"/>
@@ -4602,20 +4557,19 @@
         </p:nvSpPr>
         <p:spPr>
           <a:xfrm>
-            <a:off x="609600" y="1290320"/>
-            <a:ext cx="450850" cy="114300"/>
-          </a:xfrm>
-          <a:prstGeom prst="rect">
-            <a:avLst/>
-          </a:prstGeom>
-          <a:noFill/>
-        </p:spPr>
-        <p:txBody>
-          <a:bodyPr wrap="none">
-            <a:spAutoFit/>
-          </a:bodyPr>
-          <a:lstStyle/>
-          <a:p/>
+            <a:off x="635000" y="1344083"/>
+            <a:ext cx="901700" cy="228600"/>
+          </a:xfrm>
+          <a:prstGeom prst="rect">
+            <a:avLst/>
+          </a:prstGeom>
+          <a:noFill/>
+        </p:spPr>
+        <p:txBody>
+          <a:bodyPr wrap="none" anchor="ctr">
+            <a:spAutoFit/>
+          </a:bodyPr>
+          <a:lstStyle/>
           <a:p>
             <a:pPr>
               <a:defRPr sz="1000"/>
@@ -4634,20 +4588,19 @@
         </p:nvSpPr>
         <p:spPr>
           <a:xfrm>
-            <a:off x="411480" y="1407160"/>
-            <a:ext cx="425450" cy="114300"/>
-          </a:xfrm>
-          <a:prstGeom prst="rect">
-            <a:avLst/>
-          </a:prstGeom>
-          <a:noFill/>
-        </p:spPr>
-        <p:txBody>
-          <a:bodyPr wrap="none">
-            <a:spAutoFit/>
-          </a:bodyPr>
-          <a:lstStyle/>
-          <a:p/>
+            <a:off x="428625" y="1465791"/>
+            <a:ext cx="850900" cy="228600"/>
+          </a:xfrm>
+          <a:prstGeom prst="rect">
+            <a:avLst/>
+          </a:prstGeom>
+          <a:noFill/>
+        </p:spPr>
+        <p:txBody>
+          <a:bodyPr wrap="none" anchor="ctr">
+            <a:spAutoFit/>
+          </a:bodyPr>
+          <a:lstStyle/>
           <a:p>
             <a:pPr>
               <a:defRPr sz="1000"/>
@@ -4666,20 +4619,19 @@
         </p:nvSpPr>
         <p:spPr>
           <a:xfrm>
-            <a:off x="406400" y="1518920"/>
-            <a:ext cx="247650" cy="127000"/>
-          </a:xfrm>
-          <a:prstGeom prst="rect">
-            <a:avLst/>
-          </a:prstGeom>
-          <a:noFill/>
-        </p:spPr>
-        <p:txBody>
-          <a:bodyPr wrap="none">
-            <a:spAutoFit/>
-          </a:bodyPr>
-          <a:lstStyle/>
-          <a:p/>
+            <a:off x="423333" y="1582208"/>
+            <a:ext cx="495300" cy="254000"/>
+          </a:xfrm>
+          <a:prstGeom prst="rect">
+            <a:avLst/>
+          </a:prstGeom>
+          <a:noFill/>
+        </p:spPr>
+        <p:txBody>
+          <a:bodyPr wrap="none" anchor="ctr">
+            <a:spAutoFit/>
+          </a:bodyPr>
+          <a:lstStyle/>
           <a:p>
             <a:pPr>
               <a:defRPr sz="1000"/>
@@ -4698,20 +4650,19 @@
         </p:nvSpPr>
         <p:spPr>
           <a:xfrm>
-            <a:off x="3225800" y="1468120"/>
-            <a:ext cx="609600" cy="107950"/>
-          </a:xfrm>
-          <a:prstGeom prst="rect">
-            <a:avLst/>
-          </a:prstGeom>
-          <a:noFill/>
-        </p:spPr>
-        <p:txBody>
-          <a:bodyPr wrap="none">
-            <a:spAutoFit/>
-          </a:bodyPr>
-          <a:lstStyle/>
-          <a:p/>
+            <a:off x="3360208" y="1529291"/>
+            <a:ext cx="1219200" cy="215900"/>
+          </a:xfrm>
+          <a:prstGeom prst="rect">
+            <a:avLst/>
+          </a:prstGeom>
+          <a:noFill/>
+        </p:spPr>
+        <p:txBody>
+          <a:bodyPr wrap="none" anchor="ctr">
+            <a:spAutoFit/>
+          </a:bodyPr>
+          <a:lstStyle/>
           <a:p>
             <a:pPr>
               <a:defRPr sz="1000"/>
@@ -4730,20 +4681,19 @@
         </p:nvSpPr>
         <p:spPr>
           <a:xfrm>
-            <a:off x="3815079" y="1463040"/>
-            <a:ext cx="254000" cy="127000"/>
-          </a:xfrm>
-          <a:prstGeom prst="rect">
-            <a:avLst/>
-          </a:prstGeom>
-          <a:noFill/>
-        </p:spPr>
-        <p:txBody>
-          <a:bodyPr wrap="none">
-            <a:spAutoFit/>
-          </a:bodyPr>
-          <a:lstStyle/>
-          <a:p/>
+            <a:off x="3974041" y="1524000"/>
+            <a:ext cx="508000" cy="254000"/>
+          </a:xfrm>
+          <a:prstGeom prst="rect">
+            <a:avLst/>
+          </a:prstGeom>
+          <a:noFill/>
+        </p:spPr>
+        <p:txBody>
+          <a:bodyPr wrap="none" anchor="ctr">
+            <a:spAutoFit/>
+          </a:bodyPr>
+          <a:lstStyle/>
           <a:p>
             <a:pPr>
               <a:defRPr sz="1000"/>
@@ -4762,20 +4712,19 @@
         </p:nvSpPr>
         <p:spPr>
           <a:xfrm>
-            <a:off x="4155440" y="1452880"/>
-            <a:ext cx="431800" cy="146050"/>
-          </a:xfrm>
-          <a:prstGeom prst="rect">
-            <a:avLst/>
-          </a:prstGeom>
-          <a:noFill/>
-        </p:spPr>
-        <p:txBody>
-          <a:bodyPr wrap="none">
-            <a:spAutoFit/>
-          </a:bodyPr>
-          <a:lstStyle/>
-          <a:p/>
+            <a:off x="4328583" y="1513416"/>
+            <a:ext cx="863600" cy="292100"/>
+          </a:xfrm>
+          <a:prstGeom prst="rect">
+            <a:avLst/>
+          </a:prstGeom>
+          <a:noFill/>
+        </p:spPr>
+        <p:txBody>
+          <a:bodyPr wrap="none" anchor="ctr">
+            <a:spAutoFit/>
+          </a:bodyPr>
+          <a:lstStyle/>
           <a:p>
             <a:pPr>
               <a:defRPr sz="1000"/>
@@ -4794,20 +4743,19 @@
         </p:nvSpPr>
         <p:spPr>
           <a:xfrm>
-            <a:off x="4500880" y="1463040"/>
-            <a:ext cx="342900" cy="114300"/>
-          </a:xfrm>
-          <a:prstGeom prst="rect">
-            <a:avLst/>
-          </a:prstGeom>
-          <a:noFill/>
-        </p:spPr>
-        <p:txBody>
-          <a:bodyPr wrap="none">
-            <a:spAutoFit/>
-          </a:bodyPr>
-          <a:lstStyle/>
-          <a:p/>
+            <a:off x="4688416" y="1524000"/>
+            <a:ext cx="685800" cy="228600"/>
+          </a:xfrm>
+          <a:prstGeom prst="rect">
+            <a:avLst/>
+          </a:prstGeom>
+          <a:noFill/>
+        </p:spPr>
+        <p:txBody>
+          <a:bodyPr wrap="none" anchor="ctr">
+            <a:spAutoFit/>
+          </a:bodyPr>
+          <a:lstStyle/>
           <a:p>
             <a:pPr>
               <a:defRPr sz="1000"/>
@@ -4826,20 +4774,19 @@
         </p:nvSpPr>
         <p:spPr>
           <a:xfrm>
-            <a:off x="4775200" y="1468120"/>
-            <a:ext cx="501650" cy="107950"/>
-          </a:xfrm>
-          <a:prstGeom prst="rect">
-            <a:avLst/>
-          </a:prstGeom>
-          <a:noFill/>
-        </p:spPr>
-        <p:txBody>
-          <a:bodyPr wrap="none">
-            <a:spAutoFit/>
-          </a:bodyPr>
-          <a:lstStyle/>
-          <a:p/>
+            <a:off x="4974166" y="1529291"/>
+            <a:ext cx="1003300" cy="215900"/>
+          </a:xfrm>
+          <a:prstGeom prst="rect">
+            <a:avLst/>
+          </a:prstGeom>
+          <a:noFill/>
+        </p:spPr>
+        <p:txBody>
+          <a:bodyPr wrap="none" anchor="ctr">
+            <a:spAutoFit/>
+          </a:bodyPr>
+          <a:lstStyle/>
           <a:p>
             <a:pPr>
               <a:defRPr sz="1000"/>
@@ -4858,20 +4805,19 @@
         </p:nvSpPr>
         <p:spPr>
           <a:xfrm>
-            <a:off x="1676400" y="1524000"/>
-            <a:ext cx="438150" cy="120650"/>
-          </a:xfrm>
-          <a:prstGeom prst="rect">
-            <a:avLst/>
-          </a:prstGeom>
-          <a:noFill/>
-        </p:spPr>
-        <p:txBody>
-          <a:bodyPr wrap="none">
-            <a:spAutoFit/>
-          </a:bodyPr>
-          <a:lstStyle/>
-          <a:p/>
+            <a:off x="1746250" y="1587500"/>
+            <a:ext cx="876300" cy="241300"/>
+          </a:xfrm>
+          <a:prstGeom prst="rect">
+            <a:avLst/>
+          </a:prstGeom>
+          <a:noFill/>
+        </p:spPr>
+        <p:txBody>
+          <a:bodyPr wrap="none" anchor="ctr">
+            <a:spAutoFit/>
+          </a:bodyPr>
+          <a:lstStyle/>
           <a:p>
             <a:pPr>
               <a:defRPr sz="1000"/>
@@ -4890,20 +4836,19 @@
         </p:nvSpPr>
         <p:spPr>
           <a:xfrm>
-            <a:off x="2575560" y="1518920"/>
-            <a:ext cx="184150" cy="133350"/>
-          </a:xfrm>
-          <a:prstGeom prst="rect">
-            <a:avLst/>
-          </a:prstGeom>
-          <a:noFill/>
-        </p:spPr>
-        <p:txBody>
-          <a:bodyPr wrap="none">
-            <a:spAutoFit/>
-          </a:bodyPr>
-          <a:lstStyle/>
-          <a:p/>
+            <a:off x="2682875" y="1582208"/>
+            <a:ext cx="368300" cy="266700"/>
+          </a:xfrm>
+          <a:prstGeom prst="rect">
+            <a:avLst/>
+          </a:prstGeom>
+          <a:noFill/>
+        </p:spPr>
+        <p:txBody>
+          <a:bodyPr wrap="none" anchor="ctr">
+            <a:spAutoFit/>
+          </a:bodyPr>
+          <a:lstStyle/>
           <a:p>
             <a:pPr>
               <a:defRPr sz="1000"/>
@@ -4922,20 +4867,19 @@
         </p:nvSpPr>
         <p:spPr>
           <a:xfrm>
-            <a:off x="2738120" y="1508760"/>
-            <a:ext cx="336550" cy="146050"/>
-          </a:xfrm>
-          <a:prstGeom prst="rect">
-            <a:avLst/>
-          </a:prstGeom>
-          <a:noFill/>
-        </p:spPr>
-        <p:txBody>
-          <a:bodyPr wrap="none">
-            <a:spAutoFit/>
-          </a:bodyPr>
-          <a:lstStyle/>
-          <a:p/>
+            <a:off x="2852208" y="1571625"/>
+            <a:ext cx="673100" cy="292100"/>
+          </a:xfrm>
+          <a:prstGeom prst="rect">
+            <a:avLst/>
+          </a:prstGeom>
+          <a:noFill/>
+        </p:spPr>
+        <p:txBody>
+          <a:bodyPr wrap="none" anchor="ctr">
+            <a:spAutoFit/>
+          </a:bodyPr>
+          <a:lstStyle/>
           <a:p>
             <a:pPr>
               <a:defRPr sz="1000"/>
@@ -4954,20 +4898,19 @@
         </p:nvSpPr>
         <p:spPr>
           <a:xfrm>
-            <a:off x="4155440" y="1584960"/>
-            <a:ext cx="196850" cy="139700"/>
-          </a:xfrm>
-          <a:prstGeom prst="rect">
-            <a:avLst/>
-          </a:prstGeom>
-          <a:noFill/>
-        </p:spPr>
-        <p:txBody>
-          <a:bodyPr wrap="none">
-            <a:spAutoFit/>
-          </a:bodyPr>
-          <a:lstStyle/>
-          <a:p/>
+            <a:off x="4328583" y="1651000"/>
+            <a:ext cx="393700" cy="279400"/>
+          </a:xfrm>
+          <a:prstGeom prst="rect">
+            <a:avLst/>
+          </a:prstGeom>
+          <a:noFill/>
+        </p:spPr>
+        <p:txBody>
+          <a:bodyPr wrap="none" anchor="ctr">
+            <a:spAutoFit/>
+          </a:bodyPr>
+          <a:lstStyle/>
           <a:p>
             <a:pPr>
               <a:defRPr sz="1000"/>
@@ -4986,20 +4929,19 @@
         </p:nvSpPr>
         <p:spPr>
           <a:xfrm>
-            <a:off x="4318000" y="1595120"/>
-            <a:ext cx="431800" cy="120650"/>
-          </a:xfrm>
-          <a:prstGeom prst="rect">
-            <a:avLst/>
-          </a:prstGeom>
-          <a:noFill/>
-        </p:spPr>
-        <p:txBody>
-          <a:bodyPr wrap="none">
-            <a:spAutoFit/>
-          </a:bodyPr>
-          <a:lstStyle/>
-          <a:p/>
+            <a:off x="4497916" y="1661583"/>
+            <a:ext cx="863600" cy="241300"/>
+          </a:xfrm>
+          <a:prstGeom prst="rect">
+            <a:avLst/>
+          </a:prstGeom>
+          <a:noFill/>
+        </p:spPr>
+        <p:txBody>
+          <a:bodyPr wrap="none" anchor="ctr">
+            <a:spAutoFit/>
+          </a:bodyPr>
+          <a:lstStyle/>
           <a:p>
             <a:pPr>
               <a:defRPr sz="1000"/>
@@ -5018,20 +4960,19 @@
         </p:nvSpPr>
         <p:spPr>
           <a:xfrm>
-            <a:off x="4673600" y="1595120"/>
-            <a:ext cx="596900" cy="107950"/>
-          </a:xfrm>
-          <a:prstGeom prst="rect">
-            <a:avLst/>
-          </a:prstGeom>
-          <a:noFill/>
-        </p:spPr>
-        <p:txBody>
-          <a:bodyPr wrap="none">
-            <a:spAutoFit/>
-          </a:bodyPr>
-          <a:lstStyle/>
-          <a:p/>
+            <a:off x="4868333" y="1661583"/>
+            <a:ext cx="1193800" cy="215900"/>
+          </a:xfrm>
+          <a:prstGeom prst="rect">
+            <a:avLst/>
+          </a:prstGeom>
+          <a:noFill/>
+        </p:spPr>
+        <p:txBody>
+          <a:bodyPr wrap="none" anchor="ctr">
+            <a:spAutoFit/>
+          </a:bodyPr>
+          <a:lstStyle/>
           <a:p>
             <a:pPr>
               <a:defRPr sz="1000"/>
@@ -5050,20 +4991,19 @@
         </p:nvSpPr>
         <p:spPr>
           <a:xfrm>
-            <a:off x="5151120" y="1584960"/>
-            <a:ext cx="209550" cy="133350"/>
-          </a:xfrm>
-          <a:prstGeom prst="rect">
-            <a:avLst/>
-          </a:prstGeom>
-          <a:noFill/>
-        </p:spPr>
-        <p:txBody>
-          <a:bodyPr wrap="none">
-            <a:spAutoFit/>
-          </a:bodyPr>
-          <a:lstStyle/>
-          <a:p/>
+            <a:off x="5365750" y="1651000"/>
+            <a:ext cx="419100" cy="266700"/>
+          </a:xfrm>
+          <a:prstGeom prst="rect">
+            <a:avLst/>
+          </a:prstGeom>
+          <a:noFill/>
+        </p:spPr>
+        <p:txBody>
+          <a:bodyPr wrap="none" anchor="ctr">
+            <a:spAutoFit/>
+          </a:bodyPr>
+          <a:lstStyle/>
           <a:p>
             <a:pPr>
               <a:defRPr sz="1000"/>
@@ -5082,20 +5022,19 @@
         </p:nvSpPr>
         <p:spPr>
           <a:xfrm>
-            <a:off x="5318760" y="1584960"/>
-            <a:ext cx="254000" cy="133350"/>
-          </a:xfrm>
-          <a:prstGeom prst="rect">
-            <a:avLst/>
-          </a:prstGeom>
-          <a:noFill/>
-        </p:spPr>
-        <p:txBody>
-          <a:bodyPr wrap="none">
-            <a:spAutoFit/>
-          </a:bodyPr>
-          <a:lstStyle/>
-          <a:p/>
+            <a:off x="5540375" y="1651000"/>
+            <a:ext cx="508000" cy="266700"/>
+          </a:xfrm>
+          <a:prstGeom prst="rect">
+            <a:avLst/>
+          </a:prstGeom>
+          <a:noFill/>
+        </p:spPr>
+        <p:txBody>
+          <a:bodyPr wrap="none" anchor="ctr">
+            <a:spAutoFit/>
+          </a:bodyPr>
+          <a:lstStyle/>
           <a:p>
             <a:pPr>
               <a:defRPr sz="1000"/>
@@ -5114,20 +5053,19 @@
         </p:nvSpPr>
         <p:spPr>
           <a:xfrm>
-            <a:off x="5537200" y="1595120"/>
-            <a:ext cx="469900" cy="120650"/>
-          </a:xfrm>
-          <a:prstGeom prst="rect">
-            <a:avLst/>
-          </a:prstGeom>
-          <a:noFill/>
-        </p:spPr>
-        <p:txBody>
-          <a:bodyPr wrap="none">
-            <a:spAutoFit/>
-          </a:bodyPr>
-          <a:lstStyle/>
-          <a:p/>
+            <a:off x="5767916" y="1661583"/>
+            <a:ext cx="939800" cy="241300"/>
+          </a:xfrm>
+          <a:prstGeom prst="rect">
+            <a:avLst/>
+          </a:prstGeom>
+          <a:noFill/>
+        </p:spPr>
+        <p:txBody>
+          <a:bodyPr wrap="none" anchor="ctr">
+            <a:spAutoFit/>
+          </a:bodyPr>
+          <a:lstStyle/>
           <a:p>
             <a:pPr>
               <a:defRPr sz="1000"/>
@@ -5146,20 +5084,19 @@
         </p:nvSpPr>
         <p:spPr>
           <a:xfrm>
-            <a:off x="4145279" y="1696720"/>
-            <a:ext cx="444500" cy="146050"/>
-          </a:xfrm>
-          <a:prstGeom prst="rect">
-            <a:avLst/>
-          </a:prstGeom>
-          <a:noFill/>
-        </p:spPr>
-        <p:txBody>
-          <a:bodyPr wrap="none">
-            <a:spAutoFit/>
-          </a:bodyPr>
-          <a:lstStyle/>
-          <a:p/>
+            <a:off x="4318000" y="1767416"/>
+            <a:ext cx="889000" cy="292100"/>
+          </a:xfrm>
+          <a:prstGeom prst="rect">
+            <a:avLst/>
+          </a:prstGeom>
+          <a:noFill/>
+        </p:spPr>
+        <p:txBody>
+          <a:bodyPr wrap="none" anchor="ctr">
+            <a:spAutoFit/>
+          </a:bodyPr>
+          <a:lstStyle/>
           <a:p>
             <a:pPr>
               <a:defRPr sz="1000"/>
@@ -5178,20 +5115,19 @@
         </p:nvSpPr>
         <p:spPr>
           <a:xfrm>
-            <a:off x="4155440" y="1838960"/>
-            <a:ext cx="419100" cy="146050"/>
-          </a:xfrm>
-          <a:prstGeom prst="rect">
-            <a:avLst/>
-          </a:prstGeom>
-          <a:noFill/>
-        </p:spPr>
-        <p:txBody>
-          <a:bodyPr wrap="none">
-            <a:spAutoFit/>
-          </a:bodyPr>
-          <a:lstStyle/>
-          <a:p/>
+            <a:off x="4328583" y="1915583"/>
+            <a:ext cx="838200" cy="292100"/>
+          </a:xfrm>
+          <a:prstGeom prst="rect">
+            <a:avLst/>
+          </a:prstGeom>
+          <a:noFill/>
+        </p:spPr>
+        <p:txBody>
+          <a:bodyPr wrap="none" anchor="ctr">
+            <a:spAutoFit/>
+          </a:bodyPr>
+          <a:lstStyle/>
           <a:p>
             <a:pPr>
               <a:defRPr sz="1000"/>
@@ -5210,20 +5146,19 @@
         </p:nvSpPr>
         <p:spPr>
           <a:xfrm>
-            <a:off x="4160520" y="1996439"/>
-            <a:ext cx="412750" cy="114300"/>
-          </a:xfrm>
-          <a:prstGeom prst="rect">
-            <a:avLst/>
-          </a:prstGeom>
-          <a:noFill/>
-        </p:spPr>
-        <p:txBody>
-          <a:bodyPr wrap="none">
-            <a:spAutoFit/>
-          </a:bodyPr>
-          <a:lstStyle/>
-          <a:p/>
+            <a:off x="4333875" y="2079625"/>
+            <a:ext cx="825500" cy="228600"/>
+          </a:xfrm>
+          <a:prstGeom prst="rect">
+            <a:avLst/>
+          </a:prstGeom>
+          <a:noFill/>
+        </p:spPr>
+        <p:txBody>
+          <a:bodyPr wrap="none" anchor="ctr">
+            <a:spAutoFit/>
+          </a:bodyPr>
+          <a:lstStyle/>
           <a:p>
             <a:pPr>
               <a:defRPr sz="1000"/>
@@ -5242,20 +5177,19 @@
         </p:nvSpPr>
         <p:spPr>
           <a:xfrm>
-            <a:off x="106680" y="2286000"/>
-            <a:ext cx="787400" cy="139700"/>
-          </a:xfrm>
-          <a:prstGeom prst="rect">
-            <a:avLst/>
-          </a:prstGeom>
-          <a:noFill/>
-        </p:spPr>
-        <p:txBody>
-          <a:bodyPr wrap="none">
-            <a:spAutoFit/>
-          </a:bodyPr>
-          <a:lstStyle/>
-          <a:p/>
+            <a:off x="111125" y="2381250"/>
+            <a:ext cx="1574800" cy="279400"/>
+          </a:xfrm>
+          <a:prstGeom prst="rect">
+            <a:avLst/>
+          </a:prstGeom>
+          <a:noFill/>
+        </p:spPr>
+        <p:txBody>
+          <a:bodyPr wrap="none" anchor="ctr">
+            <a:spAutoFit/>
+          </a:bodyPr>
+          <a:lstStyle/>
           <a:p>
             <a:pPr>
               <a:defRPr sz="1000"/>
@@ -5274,20 +5208,19 @@
         </p:nvSpPr>
         <p:spPr>
           <a:xfrm>
-            <a:off x="751840" y="2296160"/>
-            <a:ext cx="660400" cy="114300"/>
-          </a:xfrm>
-          <a:prstGeom prst="rect">
-            <a:avLst/>
-          </a:prstGeom>
-          <a:noFill/>
-        </p:spPr>
-        <p:txBody>
-          <a:bodyPr wrap="none">
-            <a:spAutoFit/>
-          </a:bodyPr>
-          <a:lstStyle/>
-          <a:p/>
+            <a:off x="783166" y="2391833"/>
+            <a:ext cx="1320800" cy="228600"/>
+          </a:xfrm>
+          <a:prstGeom prst="rect">
+            <a:avLst/>
+          </a:prstGeom>
+          <a:noFill/>
+        </p:spPr>
+        <p:txBody>
+          <a:bodyPr wrap="none" anchor="ctr">
+            <a:spAutoFit/>
+          </a:bodyPr>
+          <a:lstStyle/>
           <a:p>
             <a:pPr>
               <a:defRPr sz="1000"/>
@@ -5306,20 +5239,19 @@
         </p:nvSpPr>
         <p:spPr>
           <a:xfrm>
-            <a:off x="132080" y="2514600"/>
-            <a:ext cx="698500" cy="120650"/>
-          </a:xfrm>
-          <a:prstGeom prst="rect">
-            <a:avLst/>
-          </a:prstGeom>
-          <a:noFill/>
-        </p:spPr>
-        <p:txBody>
-          <a:bodyPr wrap="none">
-            <a:spAutoFit/>
-          </a:bodyPr>
-          <a:lstStyle/>
-          <a:p/>
+            <a:off x="137583" y="2619375"/>
+            <a:ext cx="1397000" cy="241300"/>
+          </a:xfrm>
+          <a:prstGeom prst="rect">
+            <a:avLst/>
+          </a:prstGeom>
+          <a:noFill/>
+        </p:spPr>
+        <p:txBody>
+          <a:bodyPr wrap="none" anchor="ctr">
+            <a:spAutoFit/>
+          </a:bodyPr>
+          <a:lstStyle/>
           <a:p>
             <a:pPr>
               <a:defRPr sz="1000"/>
@@ -5338,20 +5270,19 @@
         </p:nvSpPr>
         <p:spPr>
           <a:xfrm>
-            <a:off x="101600" y="2641600"/>
-            <a:ext cx="342900" cy="146050"/>
-          </a:xfrm>
-          <a:prstGeom prst="rect">
-            <a:avLst/>
-          </a:prstGeom>
-          <a:noFill/>
-        </p:spPr>
-        <p:txBody>
-          <a:bodyPr wrap="none">
-            <a:spAutoFit/>
-          </a:bodyPr>
-          <a:lstStyle/>
-          <a:p/>
+            <a:off x="105833" y="2751666"/>
+            <a:ext cx="685800" cy="292100"/>
+          </a:xfrm>
+          <a:prstGeom prst="rect">
+            <a:avLst/>
+          </a:prstGeom>
+          <a:noFill/>
+        </p:spPr>
+        <p:txBody>
+          <a:bodyPr wrap="none" anchor="ctr">
+            <a:spAutoFit/>
+          </a:bodyPr>
+          <a:lstStyle/>
           <a:p>
             <a:pPr>
               <a:defRPr sz="1000"/>
@@ -5370,20 +5301,19 @@
         </p:nvSpPr>
         <p:spPr>
           <a:xfrm>
-            <a:off x="365760" y="2646680"/>
-            <a:ext cx="533400" cy="120650"/>
-          </a:xfrm>
-          <a:prstGeom prst="rect">
-            <a:avLst/>
-          </a:prstGeom>
-          <a:noFill/>
-        </p:spPr>
-        <p:txBody>
-          <a:bodyPr wrap="none">
-            <a:spAutoFit/>
-          </a:bodyPr>
-          <a:lstStyle/>
-          <a:p/>
+            <a:off x="381000" y="2756958"/>
+            <a:ext cx="1066800" cy="241300"/>
+          </a:xfrm>
+          <a:prstGeom prst="rect">
+            <a:avLst/>
+          </a:prstGeom>
+          <a:noFill/>
+        </p:spPr>
+        <p:txBody>
+          <a:bodyPr wrap="none" anchor="ctr">
+            <a:spAutoFit/>
+          </a:bodyPr>
+          <a:lstStyle/>
           <a:p>
             <a:pPr>
               <a:defRPr sz="1000"/>
@@ -5402,20 +5332,19 @@
         </p:nvSpPr>
         <p:spPr>
           <a:xfrm>
-            <a:off x="101600" y="2783840"/>
-            <a:ext cx="273050" cy="152400"/>
-          </a:xfrm>
-          <a:prstGeom prst="rect">
-            <a:avLst/>
-          </a:prstGeom>
-          <a:noFill/>
-        </p:spPr>
-        <p:txBody>
-          <a:bodyPr wrap="none">
-            <a:spAutoFit/>
-          </a:bodyPr>
-          <a:lstStyle/>
-          <a:p/>
+            <a:off x="105833" y="2899833"/>
+            <a:ext cx="546100" cy="304800"/>
+          </a:xfrm>
+          <a:prstGeom prst="rect">
+            <a:avLst/>
+          </a:prstGeom>
+          <a:noFill/>
+        </p:spPr>
+        <p:txBody>
+          <a:bodyPr wrap="none" anchor="ctr">
+            <a:spAutoFit/>
+          </a:bodyPr>
+          <a:lstStyle/>
           <a:p>
             <a:pPr>
               <a:defRPr sz="1000"/>
@@ -5434,20 +5363,19 @@
         </p:nvSpPr>
         <p:spPr>
           <a:xfrm>
-            <a:off x="304800" y="2788920"/>
-            <a:ext cx="196850" cy="139700"/>
-          </a:xfrm>
-          <a:prstGeom prst="rect">
-            <a:avLst/>
-          </a:prstGeom>
-          <a:noFill/>
-        </p:spPr>
-        <p:txBody>
-          <a:bodyPr wrap="none">
-            <a:spAutoFit/>
-          </a:bodyPr>
-          <a:lstStyle/>
-          <a:p/>
+            <a:off x="317500" y="2905125"/>
+            <a:ext cx="393700" cy="279400"/>
+          </a:xfrm>
+          <a:prstGeom prst="rect">
+            <a:avLst/>
+          </a:prstGeom>
+          <a:noFill/>
+        </p:spPr>
+        <p:txBody>
+          <a:bodyPr wrap="none" anchor="ctr">
+            <a:spAutoFit/>
+          </a:bodyPr>
+          <a:lstStyle/>
           <a:p>
             <a:pPr>
               <a:defRPr sz="1000"/>
@@ -5466,20 +5394,19 @@
         </p:nvSpPr>
         <p:spPr>
           <a:xfrm>
-            <a:off x="467359" y="2799080"/>
-            <a:ext cx="425450" cy="114300"/>
-          </a:xfrm>
-          <a:prstGeom prst="rect">
-            <a:avLst/>
-          </a:prstGeom>
-          <a:noFill/>
-        </p:spPr>
-        <p:txBody>
-          <a:bodyPr wrap="none">
-            <a:spAutoFit/>
-          </a:bodyPr>
-          <a:lstStyle/>
-          <a:p/>
+            <a:off x="486833" y="2915708"/>
+            <a:ext cx="850900" cy="228600"/>
+          </a:xfrm>
+          <a:prstGeom prst="rect">
+            <a:avLst/>
+          </a:prstGeom>
+          <a:noFill/>
+        </p:spPr>
+        <p:txBody>
+          <a:bodyPr wrap="none" anchor="ctr">
+            <a:spAutoFit/>
+          </a:bodyPr>
+          <a:lstStyle/>
           <a:p>
             <a:pPr>
               <a:defRPr sz="1000"/>
@@ -5498,20 +5425,19 @@
         </p:nvSpPr>
         <p:spPr>
           <a:xfrm>
-            <a:off x="106680" y="2941320"/>
-            <a:ext cx="266700" cy="127000"/>
-          </a:xfrm>
-          <a:prstGeom prst="rect">
-            <a:avLst/>
-          </a:prstGeom>
-          <a:noFill/>
-        </p:spPr>
-        <p:txBody>
-          <a:bodyPr wrap="none">
-            <a:spAutoFit/>
-          </a:bodyPr>
-          <a:lstStyle/>
-          <a:p/>
+            <a:off x="111125" y="3063875"/>
+            <a:ext cx="533400" cy="254000"/>
+          </a:xfrm>
+          <a:prstGeom prst="rect">
+            <a:avLst/>
+          </a:prstGeom>
+          <a:noFill/>
+        </p:spPr>
+        <p:txBody>
+          <a:bodyPr wrap="none" anchor="ctr">
+            <a:spAutoFit/>
+          </a:bodyPr>
+          <a:lstStyle/>
           <a:p>
             <a:pPr>
               <a:defRPr sz="1000"/>
@@ -5530,20 +5456,19 @@
         </p:nvSpPr>
         <p:spPr>
           <a:xfrm>
-            <a:off x="325120" y="2946400"/>
-            <a:ext cx="298450" cy="107950"/>
-          </a:xfrm>
-          <a:prstGeom prst="rect">
-            <a:avLst/>
-          </a:prstGeom>
-          <a:noFill/>
-        </p:spPr>
-        <p:txBody>
-          <a:bodyPr wrap="none">
-            <a:spAutoFit/>
-          </a:bodyPr>
-          <a:lstStyle/>
-          <a:p/>
+            <a:off x="338666" y="3069166"/>
+            <a:ext cx="596900" cy="215900"/>
+          </a:xfrm>
+          <a:prstGeom prst="rect">
+            <a:avLst/>
+          </a:prstGeom>
+          <a:noFill/>
+        </p:spPr>
+        <p:txBody>
+          <a:bodyPr wrap="none" anchor="ctr">
+            <a:spAutoFit/>
+          </a:bodyPr>
+          <a:lstStyle/>
           <a:p>
             <a:pPr>
               <a:defRPr sz="1000"/>
@@ -5562,20 +5487,19 @@
         </p:nvSpPr>
         <p:spPr>
           <a:xfrm>
-            <a:off x="568960" y="2941320"/>
-            <a:ext cx="336550" cy="114300"/>
-          </a:xfrm>
-          <a:prstGeom prst="rect">
-            <a:avLst/>
-          </a:prstGeom>
-          <a:noFill/>
-        </p:spPr>
-        <p:txBody>
-          <a:bodyPr wrap="none">
-            <a:spAutoFit/>
-          </a:bodyPr>
-          <a:lstStyle/>
-          <a:p/>
+            <a:off x="592666" y="3063875"/>
+            <a:ext cx="673100" cy="228600"/>
+          </a:xfrm>
+          <a:prstGeom prst="rect">
+            <a:avLst/>
+          </a:prstGeom>
+          <a:noFill/>
+        </p:spPr>
+        <p:txBody>
+          <a:bodyPr wrap="none" anchor="ctr">
+            <a:spAutoFit/>
+          </a:bodyPr>
+          <a:lstStyle/>
           <a:p>
             <a:pPr>
               <a:defRPr sz="1000"/>
@@ -5594,20 +5518,19 @@
         </p:nvSpPr>
         <p:spPr>
           <a:xfrm>
-            <a:off x="101600" y="3073400"/>
-            <a:ext cx="342900" cy="146050"/>
-          </a:xfrm>
-          <a:prstGeom prst="rect">
-            <a:avLst/>
-          </a:prstGeom>
-          <a:noFill/>
-        </p:spPr>
-        <p:txBody>
-          <a:bodyPr wrap="none">
-            <a:spAutoFit/>
-          </a:bodyPr>
-          <a:lstStyle/>
-          <a:p/>
+            <a:off x="105833" y="3201458"/>
+            <a:ext cx="685800" cy="292100"/>
+          </a:xfrm>
+          <a:prstGeom prst="rect">
+            <a:avLst/>
+          </a:prstGeom>
+          <a:noFill/>
+        </p:spPr>
+        <p:txBody>
+          <a:bodyPr wrap="none" anchor="ctr">
+            <a:spAutoFit/>
+          </a:bodyPr>
+          <a:lstStyle/>
           <a:p>
             <a:pPr>
               <a:defRPr sz="1000"/>
@@ -5626,20 +5549,19 @@
         </p:nvSpPr>
         <p:spPr>
           <a:xfrm>
-            <a:off x="375920" y="3078480"/>
-            <a:ext cx="527050" cy="120650"/>
-          </a:xfrm>
-          <a:prstGeom prst="rect">
-            <a:avLst/>
-          </a:prstGeom>
-          <a:noFill/>
-        </p:spPr>
-        <p:txBody>
-          <a:bodyPr wrap="none">
-            <a:spAutoFit/>
-          </a:bodyPr>
-          <a:lstStyle/>
-          <a:p/>
+            <a:off x="391583" y="3206750"/>
+            <a:ext cx="1054100" cy="241300"/>
+          </a:xfrm>
+          <a:prstGeom prst="rect">
+            <a:avLst/>
+          </a:prstGeom>
+          <a:noFill/>
+        </p:spPr>
+        <p:txBody>
+          <a:bodyPr wrap="none" anchor="ctr">
+            <a:spAutoFit/>
+          </a:bodyPr>
+          <a:lstStyle/>
           <a:p>
             <a:pPr>
               <a:defRPr sz="1000"/>
@@ -5658,20 +5580,19 @@
         </p:nvSpPr>
         <p:spPr>
           <a:xfrm>
-            <a:off x="812800" y="3078480"/>
-            <a:ext cx="482600" cy="120650"/>
-          </a:xfrm>
-          <a:prstGeom prst="rect">
-            <a:avLst/>
-          </a:prstGeom>
-          <a:noFill/>
-        </p:spPr>
-        <p:txBody>
-          <a:bodyPr wrap="none">
-            <a:spAutoFit/>
-          </a:bodyPr>
-          <a:lstStyle/>
-          <a:p/>
+            <a:off x="846666" y="3206750"/>
+            <a:ext cx="965200" cy="241300"/>
+          </a:xfrm>
+          <a:prstGeom prst="rect">
+            <a:avLst/>
+          </a:prstGeom>
+          <a:noFill/>
+        </p:spPr>
+        <p:txBody>
+          <a:bodyPr wrap="none" anchor="ctr">
+            <a:spAutoFit/>
+          </a:bodyPr>
+          <a:lstStyle/>
           <a:p>
             <a:pPr>
               <a:defRPr sz="1000"/>
@@ -5690,20 +5611,19 @@
         </p:nvSpPr>
         <p:spPr>
           <a:xfrm>
-            <a:off x="101600" y="3220720"/>
-            <a:ext cx="527050" cy="146050"/>
-          </a:xfrm>
-          <a:prstGeom prst="rect">
-            <a:avLst/>
-          </a:prstGeom>
-          <a:noFill/>
-        </p:spPr>
-        <p:txBody>
-          <a:bodyPr wrap="none">
-            <a:spAutoFit/>
-          </a:bodyPr>
-          <a:lstStyle/>
-          <a:p/>
+            <a:off x="105833" y="3354916"/>
+            <a:ext cx="1054100" cy="292100"/>
+          </a:xfrm>
+          <a:prstGeom prst="rect">
+            <a:avLst/>
+          </a:prstGeom>
+          <a:noFill/>
+        </p:spPr>
+        <p:txBody>
+          <a:bodyPr wrap="none" anchor="ctr">
+            <a:spAutoFit/>
+          </a:bodyPr>
+          <a:lstStyle/>
           <a:p>
             <a:pPr>
               <a:defRPr sz="1000"/>
@@ -5722,20 +5642,19 @@
         </p:nvSpPr>
         <p:spPr>
           <a:xfrm>
-            <a:off x="508000" y="3246120"/>
-            <a:ext cx="95250" cy="107950"/>
-          </a:xfrm>
-          <a:prstGeom prst="rect">
-            <a:avLst/>
-          </a:prstGeom>
-          <a:noFill/>
-        </p:spPr>
-        <p:txBody>
-          <a:bodyPr wrap="none">
-            <a:spAutoFit/>
-          </a:bodyPr>
-          <a:lstStyle/>
-          <a:p/>
+            <a:off x="529166" y="3381375"/>
+            <a:ext cx="190500" cy="215900"/>
+          </a:xfrm>
+          <a:prstGeom prst="rect">
+            <a:avLst/>
+          </a:prstGeom>
+          <a:noFill/>
+        </p:spPr>
+        <p:txBody>
+          <a:bodyPr wrap="none" anchor="ctr">
+            <a:spAutoFit/>
+          </a:bodyPr>
+          <a:lstStyle/>
           <a:p>
             <a:pPr>
               <a:defRPr sz="1000"/>
@@ -5754,20 +5673,19 @@
         </p:nvSpPr>
         <p:spPr>
           <a:xfrm>
-            <a:off x="579120" y="3220720"/>
-            <a:ext cx="342900" cy="146050"/>
-          </a:xfrm>
-          <a:prstGeom prst="rect">
-            <a:avLst/>
-          </a:prstGeom>
-          <a:noFill/>
-        </p:spPr>
-        <p:txBody>
-          <a:bodyPr wrap="none">
-            <a:spAutoFit/>
-          </a:bodyPr>
-          <a:lstStyle/>
-          <a:p/>
+            <a:off x="603250" y="3354916"/>
+            <a:ext cx="685800" cy="292100"/>
+          </a:xfrm>
+          <a:prstGeom prst="rect">
+            <a:avLst/>
+          </a:prstGeom>
+          <a:noFill/>
+        </p:spPr>
+        <p:txBody>
+          <a:bodyPr wrap="none" anchor="ctr">
+            <a:spAutoFit/>
+          </a:bodyPr>
+          <a:lstStyle/>
           <a:p>
             <a:pPr>
               <a:defRPr sz="1000"/>
@@ -5786,20 +5704,19 @@
         </p:nvSpPr>
         <p:spPr>
           <a:xfrm>
-            <a:off x="828040" y="3215640"/>
-            <a:ext cx="209550" cy="177800"/>
-          </a:xfrm>
-          <a:prstGeom prst="rect">
-            <a:avLst/>
-          </a:prstGeom>
-          <a:noFill/>
-        </p:spPr>
-        <p:txBody>
-          <a:bodyPr wrap="none">
-            <a:spAutoFit/>
-          </a:bodyPr>
-          <a:lstStyle/>
-          <a:p/>
+            <a:off x="862541" y="3349625"/>
+            <a:ext cx="419100" cy="355600"/>
+          </a:xfrm>
+          <a:prstGeom prst="rect">
+            <a:avLst/>
+          </a:prstGeom>
+          <a:noFill/>
+        </p:spPr>
+        <p:txBody>
+          <a:bodyPr wrap="none" anchor="ctr">
+            <a:spAutoFit/>
+          </a:bodyPr>
+          <a:lstStyle/>
           <a:p>
             <a:pPr>
               <a:defRPr sz="1000"/>
@@ -5818,20 +5735,19 @@
         </p:nvSpPr>
         <p:spPr>
           <a:xfrm>
-            <a:off x="106680" y="3362960"/>
-            <a:ext cx="196850" cy="139700"/>
-          </a:xfrm>
-          <a:prstGeom prst="rect">
-            <a:avLst/>
-          </a:prstGeom>
-          <a:noFill/>
-        </p:spPr>
-        <p:txBody>
-          <a:bodyPr wrap="none">
-            <a:spAutoFit/>
-          </a:bodyPr>
-          <a:lstStyle/>
-          <a:p/>
+            <a:off x="111125" y="3503083"/>
+            <a:ext cx="393700" cy="279400"/>
+          </a:xfrm>
+          <a:prstGeom prst="rect">
+            <a:avLst/>
+          </a:prstGeom>
+          <a:noFill/>
+        </p:spPr>
+        <p:txBody>
+          <a:bodyPr wrap="none" anchor="ctr">
+            <a:spAutoFit/>
+          </a:bodyPr>
+          <a:lstStyle/>
           <a:p>
             <a:pPr>
               <a:defRPr sz="1000"/>
@@ -5850,20 +5766,19 @@
         </p:nvSpPr>
         <p:spPr>
           <a:xfrm>
-            <a:off x="264160" y="3373120"/>
-            <a:ext cx="488950" cy="114300"/>
-          </a:xfrm>
-          <a:prstGeom prst="rect">
-            <a:avLst/>
-          </a:prstGeom>
-          <a:noFill/>
-        </p:spPr>
-        <p:txBody>
-          <a:bodyPr wrap="none">
-            <a:spAutoFit/>
-          </a:bodyPr>
-          <a:lstStyle/>
-          <a:p/>
+            <a:off x="275166" y="3513666"/>
+            <a:ext cx="977900" cy="228600"/>
+          </a:xfrm>
+          <a:prstGeom prst="rect">
+            <a:avLst/>
+          </a:prstGeom>
+          <a:noFill/>
+        </p:spPr>
+        <p:txBody>
+          <a:bodyPr wrap="none" anchor="ctr">
+            <a:spAutoFit/>
+          </a:bodyPr>
+          <a:lstStyle/>
           <a:p>
             <a:pPr>
               <a:defRPr sz="1000"/>
@@ -5882,20 +5797,19 @@
         </p:nvSpPr>
         <p:spPr>
           <a:xfrm>
-            <a:off x="665480" y="3362960"/>
-            <a:ext cx="146050" cy="158750"/>
-          </a:xfrm>
-          <a:prstGeom prst="rect">
-            <a:avLst/>
-          </a:prstGeom>
-          <a:noFill/>
-        </p:spPr>
-        <p:txBody>
-          <a:bodyPr wrap="none">
-            <a:spAutoFit/>
-          </a:bodyPr>
-          <a:lstStyle/>
-          <a:p/>
+            <a:off x="693208" y="3503083"/>
+            <a:ext cx="292100" cy="317500"/>
+          </a:xfrm>
+          <a:prstGeom prst="rect">
+            <a:avLst/>
+          </a:prstGeom>
+          <a:noFill/>
+        </p:spPr>
+        <p:txBody>
+          <a:bodyPr wrap="none" anchor="ctr">
+            <a:spAutoFit/>
+          </a:bodyPr>
+          <a:lstStyle/>
           <a:p>
             <a:pPr>
               <a:defRPr sz="1000"/>
@@ -5914,20 +5828,19 @@
         </p:nvSpPr>
         <p:spPr>
           <a:xfrm>
-            <a:off x="132080" y="3520440"/>
-            <a:ext cx="635000" cy="120650"/>
-          </a:xfrm>
-          <a:prstGeom prst="rect">
-            <a:avLst/>
-          </a:prstGeom>
-          <a:noFill/>
-        </p:spPr>
-        <p:txBody>
-          <a:bodyPr wrap="none">
-            <a:spAutoFit/>
-          </a:bodyPr>
-          <a:lstStyle/>
-          <a:p/>
+            <a:off x="137583" y="3667125"/>
+            <a:ext cx="1270000" cy="241300"/>
+          </a:xfrm>
+          <a:prstGeom prst="rect">
+            <a:avLst/>
+          </a:prstGeom>
+          <a:noFill/>
+        </p:spPr>
+        <p:txBody>
+          <a:bodyPr wrap="none" anchor="ctr">
+            <a:spAutoFit/>
+          </a:bodyPr>
+          <a:lstStyle/>
           <a:p>
             <a:pPr>
               <a:defRPr sz="1000"/>
@@ -5946,20 +5859,19 @@
         </p:nvSpPr>
         <p:spPr>
           <a:xfrm>
-            <a:off x="106680" y="3652520"/>
-            <a:ext cx="488950" cy="158750"/>
-          </a:xfrm>
-          <a:prstGeom prst="rect">
-            <a:avLst/>
-          </a:prstGeom>
-          <a:noFill/>
-        </p:spPr>
-        <p:txBody>
-          <a:bodyPr wrap="none">
-            <a:spAutoFit/>
-          </a:bodyPr>
-          <a:lstStyle/>
-          <a:p/>
+            <a:off x="111125" y="3804708"/>
+            <a:ext cx="977900" cy="317500"/>
+          </a:xfrm>
+          <a:prstGeom prst="rect">
+            <a:avLst/>
+          </a:prstGeom>
+          <a:noFill/>
+        </p:spPr>
+        <p:txBody>
+          <a:bodyPr wrap="none" anchor="ctr">
+            <a:spAutoFit/>
+          </a:bodyPr>
+          <a:lstStyle/>
           <a:p>
             <a:pPr>
               <a:defRPr sz="1000"/>
@@ -5978,20 +5890,19 @@
         </p:nvSpPr>
         <p:spPr>
           <a:xfrm>
-            <a:off x="508000" y="3652520"/>
-            <a:ext cx="469900" cy="158750"/>
-          </a:xfrm>
-          <a:prstGeom prst="rect">
-            <a:avLst/>
-          </a:prstGeom>
-          <a:noFill/>
-        </p:spPr>
-        <p:txBody>
-          <a:bodyPr wrap="none">
-            <a:spAutoFit/>
-          </a:bodyPr>
-          <a:lstStyle/>
-          <a:p/>
+            <a:off x="529166" y="3804708"/>
+            <a:ext cx="939800" cy="317500"/>
+          </a:xfrm>
+          <a:prstGeom prst="rect">
+            <a:avLst/>
+          </a:prstGeom>
+          <a:noFill/>
+        </p:spPr>
+        <p:txBody>
+          <a:bodyPr wrap="none" anchor="ctr">
+            <a:spAutoFit/>
+          </a:bodyPr>
+          <a:lstStyle/>
           <a:p>
             <a:pPr>
               <a:defRPr sz="1000"/>
@@ -6010,20 +5921,19 @@
         </p:nvSpPr>
         <p:spPr>
           <a:xfrm>
-            <a:off x="106680" y="3794760"/>
-            <a:ext cx="431800" cy="158750"/>
-          </a:xfrm>
-          <a:prstGeom prst="rect">
-            <a:avLst/>
-          </a:prstGeom>
-          <a:noFill/>
-        </p:spPr>
-        <p:txBody>
-          <a:bodyPr wrap="none">
-            <a:spAutoFit/>
-          </a:bodyPr>
-          <a:lstStyle/>
-          <a:p/>
+            <a:off x="111125" y="3952875"/>
+            <a:ext cx="863600" cy="317500"/>
+          </a:xfrm>
+          <a:prstGeom prst="rect">
+            <a:avLst/>
+          </a:prstGeom>
+          <a:noFill/>
+        </p:spPr>
+        <p:txBody>
+          <a:bodyPr wrap="none" anchor="ctr">
+            <a:spAutoFit/>
+          </a:bodyPr>
+          <a:lstStyle/>
           <a:p>
             <a:pPr>
               <a:defRPr sz="1000"/>
@@ -6042,20 +5952,19 @@
         </p:nvSpPr>
         <p:spPr>
           <a:xfrm>
-            <a:off x="447040" y="3794760"/>
-            <a:ext cx="171450" cy="139700"/>
-          </a:xfrm>
-          <a:prstGeom prst="rect">
-            <a:avLst/>
-          </a:prstGeom>
-          <a:noFill/>
-        </p:spPr>
-        <p:txBody>
-          <a:bodyPr wrap="none">
-            <a:spAutoFit/>
-          </a:bodyPr>
-          <a:lstStyle/>
-          <a:p/>
+            <a:off x="465666" y="3952875"/>
+            <a:ext cx="342900" cy="279400"/>
+          </a:xfrm>
+          <a:prstGeom prst="rect">
+            <a:avLst/>
+          </a:prstGeom>
+          <a:noFill/>
+        </p:spPr>
+        <p:txBody>
+          <a:bodyPr wrap="none" anchor="ctr">
+            <a:spAutoFit/>
+          </a:bodyPr>
+          <a:lstStyle/>
           <a:p>
             <a:pPr>
               <a:defRPr sz="1000"/>
@@ -6074,20 +5983,19 @@
         </p:nvSpPr>
         <p:spPr>
           <a:xfrm>
-            <a:off x="579120" y="3789679"/>
-            <a:ext cx="412750" cy="146050"/>
-          </a:xfrm>
-          <a:prstGeom prst="rect">
-            <a:avLst/>
-          </a:prstGeom>
-          <a:noFill/>
-        </p:spPr>
-        <p:txBody>
-          <a:bodyPr wrap="none">
-            <a:spAutoFit/>
-          </a:bodyPr>
-          <a:lstStyle/>
-          <a:p/>
+            <a:off x="603250" y="3947583"/>
+            <a:ext cx="825500" cy="292100"/>
+          </a:xfrm>
+          <a:prstGeom prst="rect">
+            <a:avLst/>
+          </a:prstGeom>
+          <a:noFill/>
+        </p:spPr>
+        <p:txBody>
+          <a:bodyPr wrap="none" anchor="ctr">
+            <a:spAutoFit/>
+          </a:bodyPr>
+          <a:lstStyle/>
           <a:p>
             <a:pPr>
               <a:defRPr sz="1000"/>
@@ -6106,20 +6014,19 @@
         </p:nvSpPr>
         <p:spPr>
           <a:xfrm>
-            <a:off x="101600" y="3947160"/>
-            <a:ext cx="323850" cy="146050"/>
-          </a:xfrm>
-          <a:prstGeom prst="rect">
-            <a:avLst/>
-          </a:prstGeom>
-          <a:noFill/>
-        </p:spPr>
-        <p:txBody>
-          <a:bodyPr wrap="none">
-            <a:spAutoFit/>
-          </a:bodyPr>
-          <a:lstStyle/>
-          <a:p/>
+            <a:off x="105833" y="4111625"/>
+            <a:ext cx="647700" cy="292100"/>
+          </a:xfrm>
+          <a:prstGeom prst="rect">
+            <a:avLst/>
+          </a:prstGeom>
+          <a:noFill/>
+        </p:spPr>
+        <p:txBody>
+          <a:bodyPr wrap="none" anchor="ctr">
+            <a:spAutoFit/>
+          </a:bodyPr>
+          <a:lstStyle/>
           <a:p>
             <a:pPr>
               <a:defRPr sz="1000"/>
@@ -6138,20 +6045,19 @@
         </p:nvSpPr>
         <p:spPr>
           <a:xfrm>
-            <a:off x="360680" y="3952240"/>
-            <a:ext cx="628650" cy="120650"/>
-          </a:xfrm>
-          <a:prstGeom prst="rect">
-            <a:avLst/>
-          </a:prstGeom>
-          <a:noFill/>
-        </p:spPr>
-        <p:txBody>
-          <a:bodyPr wrap="none">
-            <a:spAutoFit/>
-          </a:bodyPr>
-          <a:lstStyle/>
-          <a:p/>
+            <a:off x="375708" y="4116916"/>
+            <a:ext cx="1257300" cy="241300"/>
+          </a:xfrm>
+          <a:prstGeom prst="rect">
+            <a:avLst/>
+          </a:prstGeom>
+          <a:noFill/>
+        </p:spPr>
+        <p:txBody>
+          <a:bodyPr wrap="none" anchor="ctr">
+            <a:spAutoFit/>
+          </a:bodyPr>
+          <a:lstStyle/>
           <a:p>
             <a:pPr>
               <a:defRPr sz="1000"/>
@@ -6170,20 +6076,19 @@
         </p:nvSpPr>
         <p:spPr>
           <a:xfrm>
-            <a:off x="116839" y="4084320"/>
-            <a:ext cx="393700" cy="158750"/>
-          </a:xfrm>
-          <a:prstGeom prst="rect">
-            <a:avLst/>
-          </a:prstGeom>
-          <a:noFill/>
-        </p:spPr>
-        <p:txBody>
-          <a:bodyPr wrap="none">
-            <a:spAutoFit/>
-          </a:bodyPr>
-          <a:lstStyle/>
-          <a:p/>
+            <a:off x="121708" y="4254500"/>
+            <a:ext cx="787400" cy="317500"/>
+          </a:xfrm>
+          <a:prstGeom prst="rect">
+            <a:avLst/>
+          </a:prstGeom>
+          <a:noFill/>
+        </p:spPr>
+        <p:txBody>
+          <a:bodyPr wrap="none" anchor="ctr">
+            <a:spAutoFit/>
+          </a:bodyPr>
+          <a:lstStyle/>
           <a:p>
             <a:pPr>
               <a:defRPr sz="1000"/>
@@ -6202,20 +6107,19 @@
         </p:nvSpPr>
         <p:spPr>
           <a:xfrm>
-            <a:off x="436880" y="4094479"/>
-            <a:ext cx="571500" cy="146050"/>
-          </a:xfrm>
-          <a:prstGeom prst="rect">
-            <a:avLst/>
-          </a:prstGeom>
-          <a:noFill/>
-        </p:spPr>
-        <p:txBody>
-          <a:bodyPr wrap="none">
-            <a:spAutoFit/>
-          </a:bodyPr>
-          <a:lstStyle/>
-          <a:p/>
+            <a:off x="455083" y="4265083"/>
+            <a:ext cx="1143000" cy="292100"/>
+          </a:xfrm>
+          <a:prstGeom prst="rect">
+            <a:avLst/>
+          </a:prstGeom>
+          <a:noFill/>
+        </p:spPr>
+        <p:txBody>
+          <a:bodyPr wrap="none" anchor="ctr">
+            <a:spAutoFit/>
+          </a:bodyPr>
+          <a:lstStyle/>
           <a:p>
             <a:pPr>
               <a:defRPr sz="1000"/>
@@ -6234,20 +6138,19 @@
         </p:nvSpPr>
         <p:spPr>
           <a:xfrm>
-            <a:off x="116839" y="4226560"/>
-            <a:ext cx="438150" cy="146050"/>
-          </a:xfrm>
-          <a:prstGeom prst="rect">
-            <a:avLst/>
-          </a:prstGeom>
-          <a:noFill/>
-        </p:spPr>
-        <p:txBody>
-          <a:bodyPr wrap="none">
-            <a:spAutoFit/>
-          </a:bodyPr>
-          <a:lstStyle/>
-          <a:p/>
+            <a:off x="121708" y="4402666"/>
+            <a:ext cx="876300" cy="292100"/>
+          </a:xfrm>
+          <a:prstGeom prst="rect">
+            <a:avLst/>
+          </a:prstGeom>
+          <a:noFill/>
+        </p:spPr>
+        <p:txBody>
+          <a:bodyPr wrap="none" anchor="ctr">
+            <a:spAutoFit/>
+          </a:bodyPr>
+          <a:lstStyle/>
           <a:p>
             <a:pPr>
               <a:defRPr sz="1000"/>
@@ -6266,20 +6169,19 @@
         </p:nvSpPr>
         <p:spPr>
           <a:xfrm>
-            <a:off x="467359" y="4236720"/>
-            <a:ext cx="571500" cy="146050"/>
-          </a:xfrm>
-          <a:prstGeom prst="rect">
-            <a:avLst/>
-          </a:prstGeom>
-          <a:noFill/>
-        </p:spPr>
-        <p:txBody>
-          <a:bodyPr wrap="none">
-            <a:spAutoFit/>
-          </a:bodyPr>
-          <a:lstStyle/>
-          <a:p/>
+            <a:off x="486833" y="4413250"/>
+            <a:ext cx="1143000" cy="292100"/>
+          </a:xfrm>
+          <a:prstGeom prst="rect">
+            <a:avLst/>
+          </a:prstGeom>
+          <a:noFill/>
+        </p:spPr>
+        <p:txBody>
+          <a:bodyPr wrap="none" anchor="ctr">
+            <a:spAutoFit/>
+          </a:bodyPr>
+          <a:lstStyle/>
           <a:p>
             <a:pPr>
               <a:defRPr sz="1000"/>
@@ -6298,20 +6200,19 @@
         </p:nvSpPr>
         <p:spPr>
           <a:xfrm>
-            <a:off x="4729480" y="2296160"/>
-            <a:ext cx="609600" cy="114300"/>
-          </a:xfrm>
-          <a:prstGeom prst="rect">
-            <a:avLst/>
-          </a:prstGeom>
-          <a:noFill/>
-        </p:spPr>
-        <p:txBody>
-          <a:bodyPr wrap="none">
-            <a:spAutoFit/>
-          </a:bodyPr>
-          <a:lstStyle/>
-          <a:p/>
+            <a:off x="4926541" y="2391833"/>
+            <a:ext cx="1219200" cy="228600"/>
+          </a:xfrm>
+          <a:prstGeom prst="rect">
+            <a:avLst/>
+          </a:prstGeom>
+          <a:noFill/>
+        </p:spPr>
+        <p:txBody>
+          <a:bodyPr wrap="none" anchor="ctr">
+            <a:spAutoFit/>
+          </a:bodyPr>
+          <a:lstStyle/>
           <a:p>
             <a:pPr>
               <a:defRPr sz="1000"/>
@@ -6330,20 +6231,19 @@
         </p:nvSpPr>
         <p:spPr>
           <a:xfrm>
-            <a:off x="5237480" y="2296160"/>
-            <a:ext cx="685800" cy="114300"/>
-          </a:xfrm>
-          <a:prstGeom prst="rect">
-            <a:avLst/>
-          </a:prstGeom>
-          <a:noFill/>
-        </p:spPr>
-        <p:txBody>
-          <a:bodyPr wrap="none">
-            <a:spAutoFit/>
-          </a:bodyPr>
-          <a:lstStyle/>
-          <a:p/>
+            <a:off x="5455708" y="2391833"/>
+            <a:ext cx="1371600" cy="228600"/>
+          </a:xfrm>
+          <a:prstGeom prst="rect">
+            <a:avLst/>
+          </a:prstGeom>
+          <a:noFill/>
+        </p:spPr>
+        <p:txBody>
+          <a:bodyPr wrap="none" anchor="ctr">
+            <a:spAutoFit/>
+          </a:bodyPr>
+          <a:lstStyle/>
           <a:p>
             <a:pPr>
               <a:defRPr sz="1000"/>
@@ -6362,20 +6262,19 @@
         </p:nvSpPr>
         <p:spPr>
           <a:xfrm>
-            <a:off x="3164840" y="2504440"/>
-            <a:ext cx="939800" cy="152400"/>
-          </a:xfrm>
-          <a:prstGeom prst="rect">
-            <a:avLst/>
-          </a:prstGeom>
-          <a:noFill/>
-        </p:spPr>
-        <p:txBody>
-          <a:bodyPr wrap="none">
-            <a:spAutoFit/>
-          </a:bodyPr>
-          <a:lstStyle/>
-          <a:p/>
+            <a:off x="3296708" y="2608791"/>
+            <a:ext cx="1879600" cy="304800"/>
+          </a:xfrm>
+          <a:prstGeom prst="rect">
+            <a:avLst/>
+          </a:prstGeom>
+          <a:noFill/>
+        </p:spPr>
+        <p:txBody>
+          <a:bodyPr wrap="none" anchor="ctr">
+            <a:spAutoFit/>
+          </a:bodyPr>
+          <a:lstStyle/>
           <a:p>
             <a:pPr>
               <a:defRPr sz="1000"/>
@@ -6394,20 +6293,19 @@
         </p:nvSpPr>
         <p:spPr>
           <a:xfrm>
-            <a:off x="2545080" y="2656840"/>
-            <a:ext cx="241300" cy="127000"/>
-          </a:xfrm>
-          <a:prstGeom prst="rect">
-            <a:avLst/>
-          </a:prstGeom>
-          <a:noFill/>
-        </p:spPr>
-        <p:txBody>
-          <a:bodyPr wrap="none">
-            <a:spAutoFit/>
-          </a:bodyPr>
-          <a:lstStyle/>
-          <a:p/>
+            <a:off x="2651125" y="2767541"/>
+            <a:ext cx="482600" cy="254000"/>
+          </a:xfrm>
+          <a:prstGeom prst="rect">
+            <a:avLst/>
+          </a:prstGeom>
+          <a:noFill/>
+        </p:spPr>
+        <p:txBody>
+          <a:bodyPr wrap="none" anchor="ctr">
+            <a:spAutoFit/>
+          </a:bodyPr>
+          <a:lstStyle/>
           <a:p>
             <a:pPr>
               <a:defRPr sz="1000"/>
@@ -6426,20 +6324,19 @@
         </p:nvSpPr>
         <p:spPr>
           <a:xfrm>
-            <a:off x="2722880" y="2656840"/>
-            <a:ext cx="361950" cy="114300"/>
-          </a:xfrm>
-          <a:prstGeom prst="rect">
-            <a:avLst/>
-          </a:prstGeom>
-          <a:noFill/>
-        </p:spPr>
-        <p:txBody>
-          <a:bodyPr wrap="none">
-            <a:spAutoFit/>
-          </a:bodyPr>
-          <a:lstStyle/>
-          <a:p/>
+            <a:off x="2836333" y="2767541"/>
+            <a:ext cx="723900" cy="228600"/>
+          </a:xfrm>
+          <a:prstGeom prst="rect">
+            <a:avLst/>
+          </a:prstGeom>
+          <a:noFill/>
+        </p:spPr>
+        <p:txBody>
+          <a:bodyPr wrap="none" anchor="ctr">
+            <a:spAutoFit/>
+          </a:bodyPr>
+          <a:lstStyle/>
           <a:p>
             <a:pPr>
               <a:defRPr sz="1000"/>
@@ -6458,20 +6355,19 @@
         </p:nvSpPr>
         <p:spPr>
           <a:xfrm>
-            <a:off x="3119120" y="2641600"/>
-            <a:ext cx="342900" cy="146050"/>
-          </a:xfrm>
-          <a:prstGeom prst="rect">
-            <a:avLst/>
-          </a:prstGeom>
-          <a:noFill/>
-        </p:spPr>
-        <p:txBody>
-          <a:bodyPr wrap="none">
-            <a:spAutoFit/>
-          </a:bodyPr>
-          <a:lstStyle/>
-          <a:p/>
+            <a:off x="3249083" y="2751666"/>
+            <a:ext cx="685800" cy="292100"/>
+          </a:xfrm>
+          <a:prstGeom prst="rect">
+            <a:avLst/>
+          </a:prstGeom>
+          <a:noFill/>
+        </p:spPr>
+        <p:txBody>
+          <a:bodyPr wrap="none" anchor="ctr">
+            <a:spAutoFit/>
+          </a:bodyPr>
+          <a:lstStyle/>
           <a:p>
             <a:pPr>
               <a:defRPr sz="1000"/>
@@ -6490,20 +6386,19 @@
         </p:nvSpPr>
         <p:spPr>
           <a:xfrm>
-            <a:off x="3383279" y="2641600"/>
-            <a:ext cx="469900" cy="146050"/>
-          </a:xfrm>
-          <a:prstGeom prst="rect">
-            <a:avLst/>
-          </a:prstGeom>
-          <a:noFill/>
-        </p:spPr>
-        <p:txBody>
-          <a:bodyPr wrap="none">
-            <a:spAutoFit/>
-          </a:bodyPr>
-          <a:lstStyle/>
-          <a:p/>
+            <a:off x="3524250" y="2751666"/>
+            <a:ext cx="939800" cy="292100"/>
+          </a:xfrm>
+          <a:prstGeom prst="rect">
+            <a:avLst/>
+          </a:prstGeom>
+          <a:noFill/>
+        </p:spPr>
+        <p:txBody>
+          <a:bodyPr wrap="none" anchor="ctr">
+            <a:spAutoFit/>
+          </a:bodyPr>
+          <a:lstStyle/>
           <a:p>
             <a:pPr>
               <a:defRPr sz="1000"/>
@@ -6522,20 +6417,19 @@
         </p:nvSpPr>
         <p:spPr>
           <a:xfrm>
-            <a:off x="2890520" y="2799080"/>
-            <a:ext cx="165100" cy="133350"/>
-          </a:xfrm>
-          <a:prstGeom prst="rect">
-            <a:avLst/>
-          </a:prstGeom>
-          <a:noFill/>
-        </p:spPr>
-        <p:txBody>
-          <a:bodyPr wrap="none">
-            <a:spAutoFit/>
-          </a:bodyPr>
-          <a:lstStyle/>
-          <a:p/>
+            <a:off x="3010958" y="2915708"/>
+            <a:ext cx="330200" cy="266700"/>
+          </a:xfrm>
+          <a:prstGeom prst="rect">
+            <a:avLst/>
+          </a:prstGeom>
+          <a:noFill/>
+        </p:spPr>
+        <p:txBody>
+          <a:bodyPr wrap="none" anchor="ctr">
+            <a:spAutoFit/>
+          </a:bodyPr>
+          <a:lstStyle/>
           <a:p>
             <a:pPr>
               <a:defRPr sz="1000"/>
@@ -6554,20 +6448,19 @@
         </p:nvSpPr>
         <p:spPr>
           <a:xfrm>
-            <a:off x="3124200" y="2799080"/>
-            <a:ext cx="558800" cy="146050"/>
-          </a:xfrm>
-          <a:prstGeom prst="rect">
-            <a:avLst/>
-          </a:prstGeom>
-          <a:noFill/>
-        </p:spPr>
-        <p:txBody>
-          <a:bodyPr wrap="none">
-            <a:spAutoFit/>
-          </a:bodyPr>
-          <a:lstStyle/>
-          <a:p/>
+            <a:off x="3254375" y="2915708"/>
+            <a:ext cx="1117600" cy="292100"/>
+          </a:xfrm>
+          <a:prstGeom prst="rect">
+            <a:avLst/>
+          </a:prstGeom>
+          <a:noFill/>
+        </p:spPr>
+        <p:txBody>
+          <a:bodyPr wrap="none" anchor="ctr">
+            <a:spAutoFit/>
+          </a:bodyPr>
+          <a:lstStyle/>
           <a:p>
             <a:pPr>
               <a:defRPr sz="1000"/>
@@ -6586,20 +6479,19 @@
         </p:nvSpPr>
         <p:spPr>
           <a:xfrm>
-            <a:off x="3566160" y="2799080"/>
-            <a:ext cx="95250" cy="127000"/>
-          </a:xfrm>
-          <a:prstGeom prst="rect">
-            <a:avLst/>
-          </a:prstGeom>
-          <a:noFill/>
-        </p:spPr>
-        <p:txBody>
-          <a:bodyPr wrap="none">
-            <a:spAutoFit/>
-          </a:bodyPr>
-          <a:lstStyle/>
-          <a:p/>
+            <a:off x="3714750" y="2915708"/>
+            <a:ext cx="190500" cy="254000"/>
+          </a:xfrm>
+          <a:prstGeom prst="rect">
+            <a:avLst/>
+          </a:prstGeom>
+          <a:noFill/>
+        </p:spPr>
+        <p:txBody>
+          <a:bodyPr wrap="none" anchor="ctr">
+            <a:spAutoFit/>
+          </a:bodyPr>
+          <a:lstStyle/>
           <a:p>
             <a:pPr>
               <a:defRPr sz="1000"/>
@@ -6618,20 +6510,19 @@
         </p:nvSpPr>
         <p:spPr>
           <a:xfrm>
-            <a:off x="3627120" y="2788920"/>
-            <a:ext cx="450850" cy="146050"/>
-          </a:xfrm>
-          <a:prstGeom prst="rect">
-            <a:avLst/>
-          </a:prstGeom>
-          <a:noFill/>
-        </p:spPr>
-        <p:txBody>
-          <a:bodyPr wrap="none">
-            <a:spAutoFit/>
-          </a:bodyPr>
-          <a:lstStyle/>
-          <a:p/>
+            <a:off x="3778250" y="2905125"/>
+            <a:ext cx="901700" cy="292100"/>
+          </a:xfrm>
+          <a:prstGeom prst="rect">
+            <a:avLst/>
+          </a:prstGeom>
+          <a:noFill/>
+        </p:spPr>
+        <p:txBody>
+          <a:bodyPr wrap="none" anchor="ctr">
+            <a:spAutoFit/>
+          </a:bodyPr>
+          <a:lstStyle/>
           <a:p>
             <a:pPr>
               <a:defRPr sz="1000"/>
@@ -6650,20 +6541,19 @@
         </p:nvSpPr>
         <p:spPr>
           <a:xfrm>
-            <a:off x="3982720" y="2788920"/>
-            <a:ext cx="177800" cy="146050"/>
-          </a:xfrm>
-          <a:prstGeom prst="rect">
-            <a:avLst/>
-          </a:prstGeom>
-          <a:noFill/>
-        </p:spPr>
-        <p:txBody>
-          <a:bodyPr wrap="none">
-            <a:spAutoFit/>
-          </a:bodyPr>
-          <a:lstStyle/>
-          <a:p/>
+            <a:off x="4148666" y="2905125"/>
+            <a:ext cx="355600" cy="292100"/>
+          </a:xfrm>
+          <a:prstGeom prst="rect">
+            <a:avLst/>
+          </a:prstGeom>
+          <a:noFill/>
+        </p:spPr>
+        <p:txBody>
+          <a:bodyPr wrap="none" anchor="ctr">
+            <a:spAutoFit/>
+          </a:bodyPr>
+          <a:lstStyle/>
           <a:p>
             <a:pPr>
               <a:defRPr sz="1000"/>
@@ -6682,20 +6572,19 @@
         </p:nvSpPr>
         <p:spPr>
           <a:xfrm>
-            <a:off x="2768600" y="2946400"/>
-            <a:ext cx="317500" cy="120650"/>
-          </a:xfrm>
-          <a:prstGeom prst="rect">
-            <a:avLst/>
-          </a:prstGeom>
-          <a:noFill/>
-        </p:spPr>
-        <p:txBody>
-          <a:bodyPr wrap="none">
-            <a:spAutoFit/>
-          </a:bodyPr>
-          <a:lstStyle/>
-          <a:p/>
+            <a:off x="2883958" y="3069166"/>
+            <a:ext cx="635000" cy="241300"/>
+          </a:xfrm>
+          <a:prstGeom prst="rect">
+            <a:avLst/>
+          </a:prstGeom>
+          <a:noFill/>
+        </p:spPr>
+        <p:txBody>
+          <a:bodyPr wrap="none" anchor="ctr">
+            <a:spAutoFit/>
+          </a:bodyPr>
+          <a:lstStyle/>
           <a:p>
             <a:pPr>
               <a:defRPr sz="1000"/>
@@ -6714,20 +6603,19 @@
         </p:nvSpPr>
         <p:spPr>
           <a:xfrm>
-            <a:off x="3124200" y="2931160"/>
-            <a:ext cx="412750" cy="146050"/>
-          </a:xfrm>
-          <a:prstGeom prst="rect">
-            <a:avLst/>
-          </a:prstGeom>
-          <a:noFill/>
-        </p:spPr>
-        <p:txBody>
-          <a:bodyPr wrap="none">
-            <a:spAutoFit/>
-          </a:bodyPr>
-          <a:lstStyle/>
-          <a:p/>
+            <a:off x="3254375" y="3053291"/>
+            <a:ext cx="825500" cy="292100"/>
+          </a:xfrm>
+          <a:prstGeom prst="rect">
+            <a:avLst/>
+          </a:prstGeom>
+          <a:noFill/>
+        </p:spPr>
+        <p:txBody>
+          <a:bodyPr wrap="none" anchor="ctr">
+            <a:spAutoFit/>
+          </a:bodyPr>
+          <a:lstStyle/>
           <a:p>
             <a:pPr>
               <a:defRPr sz="1000"/>
@@ -6746,20 +6634,19 @@
         </p:nvSpPr>
         <p:spPr>
           <a:xfrm>
-            <a:off x="3439160" y="2931160"/>
-            <a:ext cx="88900" cy="139700"/>
-          </a:xfrm>
-          <a:prstGeom prst="rect">
-            <a:avLst/>
-          </a:prstGeom>
-          <a:noFill/>
-        </p:spPr>
-        <p:txBody>
-          <a:bodyPr wrap="none">
-            <a:spAutoFit/>
-          </a:bodyPr>
-          <a:lstStyle/>
-          <a:p/>
+            <a:off x="3582458" y="3053291"/>
+            <a:ext cx="177800" cy="279400"/>
+          </a:xfrm>
+          <a:prstGeom prst="rect">
+            <a:avLst/>
+          </a:prstGeom>
+          <a:noFill/>
+        </p:spPr>
+        <p:txBody>
+          <a:bodyPr wrap="none" anchor="ctr">
+            <a:spAutoFit/>
+          </a:bodyPr>
+          <a:lstStyle/>
           <a:p>
             <a:pPr>
               <a:defRPr sz="1000"/>
@@ -6778,20 +6665,19 @@
         </p:nvSpPr>
         <p:spPr>
           <a:xfrm>
-            <a:off x="3500120" y="2941320"/>
-            <a:ext cx="406400" cy="152400"/>
-          </a:xfrm>
-          <a:prstGeom prst="rect">
-            <a:avLst/>
-          </a:prstGeom>
-          <a:noFill/>
-        </p:spPr>
-        <p:txBody>
-          <a:bodyPr wrap="none">
-            <a:spAutoFit/>
-          </a:bodyPr>
-          <a:lstStyle/>
-          <a:p/>
+            <a:off x="3645958" y="3063875"/>
+            <a:ext cx="812800" cy="304800"/>
+          </a:xfrm>
+          <a:prstGeom prst="rect">
+            <a:avLst/>
+          </a:prstGeom>
+          <a:noFill/>
+        </p:spPr>
+        <p:txBody>
+          <a:bodyPr wrap="none" anchor="ctr">
+            <a:spAutoFit/>
+          </a:bodyPr>
+          <a:lstStyle/>
           <a:p>
             <a:pPr>
               <a:defRPr sz="1000"/>
@@ -6810,20 +6696,19 @@
         </p:nvSpPr>
         <p:spPr>
           <a:xfrm>
-            <a:off x="3815079" y="2931160"/>
-            <a:ext cx="146050" cy="158750"/>
-          </a:xfrm>
-          <a:prstGeom prst="rect">
-            <a:avLst/>
-          </a:prstGeom>
-          <a:noFill/>
-        </p:spPr>
-        <p:txBody>
-          <a:bodyPr wrap="none">
-            <a:spAutoFit/>
-          </a:bodyPr>
-          <a:lstStyle/>
-          <a:p/>
+            <a:off x="3974041" y="3053291"/>
+            <a:ext cx="292100" cy="317500"/>
+          </a:xfrm>
+          <a:prstGeom prst="rect">
+            <a:avLst/>
+          </a:prstGeom>
+          <a:noFill/>
+        </p:spPr>
+        <p:txBody>
+          <a:bodyPr wrap="none" anchor="ctr">
+            <a:spAutoFit/>
+          </a:bodyPr>
+          <a:lstStyle/>
           <a:p>
             <a:pPr>
               <a:defRPr sz="1000"/>
@@ -6842,20 +6727,19 @@
         </p:nvSpPr>
         <p:spPr>
           <a:xfrm>
-            <a:off x="2616200" y="3088640"/>
-            <a:ext cx="495300" cy="114300"/>
-          </a:xfrm>
-          <a:prstGeom prst="rect">
-            <a:avLst/>
-          </a:prstGeom>
-          <a:noFill/>
-        </p:spPr>
-        <p:txBody>
-          <a:bodyPr wrap="none">
-            <a:spAutoFit/>
-          </a:bodyPr>
-          <a:lstStyle/>
-          <a:p/>
+            <a:off x="2725208" y="3217333"/>
+            <a:ext cx="990600" cy="228600"/>
+          </a:xfrm>
+          <a:prstGeom prst="rect">
+            <a:avLst/>
+          </a:prstGeom>
+          <a:noFill/>
+        </p:spPr>
+        <p:txBody>
+          <a:bodyPr wrap="none" anchor="ctr">
+            <a:spAutoFit/>
+          </a:bodyPr>
+          <a:lstStyle/>
           <a:p>
             <a:pPr>
               <a:defRPr sz="1000"/>
@@ -6874,20 +6758,19 @@
         </p:nvSpPr>
         <p:spPr>
           <a:xfrm>
-            <a:off x="3119120" y="3073400"/>
-            <a:ext cx="342900" cy="146050"/>
-          </a:xfrm>
-          <a:prstGeom prst="rect">
-            <a:avLst/>
-          </a:prstGeom>
-          <a:noFill/>
-        </p:spPr>
-        <p:txBody>
-          <a:bodyPr wrap="none">
-            <a:spAutoFit/>
-          </a:bodyPr>
-          <a:lstStyle/>
-          <a:p/>
+            <a:off x="3249083" y="3201458"/>
+            <a:ext cx="685800" cy="292100"/>
+          </a:xfrm>
+          <a:prstGeom prst="rect">
+            <a:avLst/>
+          </a:prstGeom>
+          <a:noFill/>
+        </p:spPr>
+        <p:txBody>
+          <a:bodyPr wrap="none" anchor="ctr">
+            <a:spAutoFit/>
+          </a:bodyPr>
+          <a:lstStyle/>
           <a:p>
             <a:pPr>
               <a:defRPr sz="1000"/>
@@ -6906,20 +6789,19 @@
         </p:nvSpPr>
         <p:spPr>
           <a:xfrm>
-            <a:off x="3393440" y="3078480"/>
-            <a:ext cx="260350" cy="127000"/>
-          </a:xfrm>
-          <a:prstGeom prst="rect">
-            <a:avLst/>
-          </a:prstGeom>
-          <a:noFill/>
-        </p:spPr>
-        <p:txBody>
-          <a:bodyPr wrap="none">
-            <a:spAutoFit/>
-          </a:bodyPr>
-          <a:lstStyle/>
-          <a:p/>
+            <a:off x="3534833" y="3206750"/>
+            <a:ext cx="520700" cy="254000"/>
+          </a:xfrm>
+          <a:prstGeom prst="rect">
+            <a:avLst/>
+          </a:prstGeom>
+          <a:noFill/>
+        </p:spPr>
+        <p:txBody>
+          <a:bodyPr wrap="none" anchor="ctr">
+            <a:spAutoFit/>
+          </a:bodyPr>
+          <a:lstStyle/>
           <a:p>
             <a:pPr>
               <a:defRPr sz="1000"/>
@@ -6938,20 +6820,19 @@
         </p:nvSpPr>
         <p:spPr>
           <a:xfrm>
-            <a:off x="2819400" y="3373120"/>
-            <a:ext cx="254000" cy="127000"/>
-          </a:xfrm>
-          <a:prstGeom prst="rect">
-            <a:avLst/>
-          </a:prstGeom>
-          <a:noFill/>
-        </p:spPr>
-        <p:txBody>
-          <a:bodyPr wrap="none">
-            <a:spAutoFit/>
-          </a:bodyPr>
-          <a:lstStyle/>
-          <a:p/>
+            <a:off x="2936875" y="3513666"/>
+            <a:ext cx="508000" cy="254000"/>
+          </a:xfrm>
+          <a:prstGeom prst="rect">
+            <a:avLst/>
+          </a:prstGeom>
+          <a:noFill/>
+        </p:spPr>
+        <p:txBody>
+          <a:bodyPr wrap="none" anchor="ctr">
+            <a:spAutoFit/>
+          </a:bodyPr>
+          <a:lstStyle/>
           <a:p>
             <a:pPr>
               <a:defRPr sz="1000"/>
@@ -6970,20 +6851,19 @@
         </p:nvSpPr>
         <p:spPr>
           <a:xfrm>
-            <a:off x="2819400" y="3804920"/>
-            <a:ext cx="241300" cy="127000"/>
-          </a:xfrm>
-          <a:prstGeom prst="rect">
-            <a:avLst/>
-          </a:prstGeom>
-          <a:noFill/>
-        </p:spPr>
-        <p:txBody>
-          <a:bodyPr wrap="none">
-            <a:spAutoFit/>
-          </a:bodyPr>
-          <a:lstStyle/>
-          <a:p/>
+            <a:off x="2936875" y="3963458"/>
+            <a:ext cx="482600" cy="254000"/>
+          </a:xfrm>
+          <a:prstGeom prst="rect">
+            <a:avLst/>
+          </a:prstGeom>
+          <a:noFill/>
+        </p:spPr>
+        <p:txBody>
+          <a:bodyPr wrap="none" anchor="ctr">
+            <a:spAutoFit/>
+          </a:bodyPr>
+          <a:lstStyle/>
           <a:p>
             <a:pPr>
               <a:defRPr sz="1000"/>
@@ -7002,20 +6882,19 @@
         </p:nvSpPr>
         <p:spPr>
           <a:xfrm>
-            <a:off x="2809240" y="3952240"/>
-            <a:ext cx="254000" cy="127000"/>
-          </a:xfrm>
-          <a:prstGeom prst="rect">
-            <a:avLst/>
-          </a:prstGeom>
-          <a:noFill/>
-        </p:spPr>
-        <p:txBody>
-          <a:bodyPr wrap="none">
-            <a:spAutoFit/>
-          </a:bodyPr>
-          <a:lstStyle/>
-          <a:p/>
+            <a:off x="2926291" y="4116916"/>
+            <a:ext cx="508000" cy="254000"/>
+          </a:xfrm>
+          <a:prstGeom prst="rect">
+            <a:avLst/>
+          </a:prstGeom>
+          <a:noFill/>
+        </p:spPr>
+        <p:txBody>
+          <a:bodyPr wrap="none" anchor="ctr">
+            <a:spAutoFit/>
+          </a:bodyPr>
+          <a:lstStyle/>
           <a:p>
             <a:pPr>
               <a:defRPr sz="1000"/>
@@ -7034,20 +6913,19 @@
         </p:nvSpPr>
         <p:spPr>
           <a:xfrm>
-            <a:off x="2819400" y="4094479"/>
-            <a:ext cx="254000" cy="127000"/>
-          </a:xfrm>
-          <a:prstGeom prst="rect">
-            <a:avLst/>
-          </a:prstGeom>
-          <a:noFill/>
-        </p:spPr>
-        <p:txBody>
-          <a:bodyPr wrap="none">
-            <a:spAutoFit/>
-          </a:bodyPr>
-          <a:lstStyle/>
-          <a:p/>
+            <a:off x="2936875" y="4265083"/>
+            <a:ext cx="508000" cy="254000"/>
+          </a:xfrm>
+          <a:prstGeom prst="rect">
+            <a:avLst/>
+          </a:prstGeom>
+          <a:noFill/>
+        </p:spPr>
+        <p:txBody>
+          <a:bodyPr wrap="none" anchor="ctr">
+            <a:spAutoFit/>
+          </a:bodyPr>
+          <a:lstStyle/>
           <a:p>
             <a:pPr>
               <a:defRPr sz="1000"/>
@@ -7066,20 +6944,19 @@
         </p:nvSpPr>
         <p:spPr>
           <a:xfrm>
-            <a:off x="2819400" y="4236720"/>
-            <a:ext cx="254000" cy="127000"/>
-          </a:xfrm>
-          <a:prstGeom prst="rect">
-            <a:avLst/>
-          </a:prstGeom>
-          <a:noFill/>
-        </p:spPr>
-        <p:txBody>
-          <a:bodyPr wrap="none">
-            <a:spAutoFit/>
-          </a:bodyPr>
-          <a:lstStyle/>
-          <a:p/>
+            <a:off x="2936875" y="4413250"/>
+            <a:ext cx="508000" cy="254000"/>
+          </a:xfrm>
+          <a:prstGeom prst="rect">
+            <a:avLst/>
+          </a:prstGeom>
+          <a:noFill/>
+        </p:spPr>
+        <p:txBody>
+          <a:bodyPr wrap="none" anchor="ctr">
+            <a:spAutoFit/>
+          </a:bodyPr>
+          <a:lstStyle/>
           <a:p>
             <a:pPr>
               <a:defRPr sz="1000"/>
@@ -7098,20 +6975,19 @@
         </p:nvSpPr>
         <p:spPr>
           <a:xfrm>
-            <a:off x="5450840" y="2646680"/>
-            <a:ext cx="596900" cy="146050"/>
-          </a:xfrm>
-          <a:prstGeom prst="rect">
-            <a:avLst/>
-          </a:prstGeom>
-          <a:noFill/>
-        </p:spPr>
-        <p:txBody>
-          <a:bodyPr wrap="none">
-            <a:spAutoFit/>
-          </a:bodyPr>
-          <a:lstStyle/>
-          <a:p/>
+            <a:off x="5677958" y="2756958"/>
+            <a:ext cx="1193800" cy="292100"/>
+          </a:xfrm>
+          <a:prstGeom prst="rect">
+            <a:avLst/>
+          </a:prstGeom>
+          <a:noFill/>
+        </p:spPr>
+        <p:txBody>
+          <a:bodyPr wrap="none" anchor="ctr">
+            <a:spAutoFit/>
+          </a:bodyPr>
+          <a:lstStyle/>
           <a:p>
             <a:pPr>
               <a:defRPr sz="1000"/>
@@ -7130,20 +7006,19 @@
         </p:nvSpPr>
         <p:spPr>
           <a:xfrm>
-            <a:off x="5511800" y="2804160"/>
-            <a:ext cx="514350" cy="120650"/>
-          </a:xfrm>
-          <a:prstGeom prst="rect">
-            <a:avLst/>
-          </a:prstGeom>
-          <a:noFill/>
-        </p:spPr>
-        <p:txBody>
-          <a:bodyPr wrap="none">
-            <a:spAutoFit/>
-          </a:bodyPr>
-          <a:lstStyle/>
-          <a:p/>
+            <a:off x="5741458" y="2921000"/>
+            <a:ext cx="1028700" cy="241300"/>
+          </a:xfrm>
+          <a:prstGeom prst="rect">
+            <a:avLst/>
+          </a:prstGeom>
+          <a:noFill/>
+        </p:spPr>
+        <p:txBody>
+          <a:bodyPr wrap="none" anchor="ctr">
+            <a:spAutoFit/>
+          </a:bodyPr>
+          <a:lstStyle/>
           <a:p>
             <a:pPr>
               <a:defRPr sz="1000"/>
@@ -7162,20 +7037,19 @@
         </p:nvSpPr>
         <p:spPr>
           <a:xfrm>
-            <a:off x="5506720" y="2941320"/>
-            <a:ext cx="527050" cy="146050"/>
-          </a:xfrm>
-          <a:prstGeom prst="rect">
-            <a:avLst/>
-          </a:prstGeom>
-          <a:noFill/>
-        </p:spPr>
-        <p:txBody>
-          <a:bodyPr wrap="none">
-            <a:spAutoFit/>
-          </a:bodyPr>
-          <a:lstStyle/>
-          <a:p/>
+            <a:off x="5736166" y="3063875"/>
+            <a:ext cx="1054100" cy="292100"/>
+          </a:xfrm>
+          <a:prstGeom prst="rect">
+            <a:avLst/>
+          </a:prstGeom>
+          <a:noFill/>
+        </p:spPr>
+        <p:txBody>
+          <a:bodyPr wrap="none" anchor="ctr">
+            <a:spAutoFit/>
+          </a:bodyPr>
+          <a:lstStyle/>
           <a:p>
             <a:pPr>
               <a:defRPr sz="1000"/>
@@ -7194,20 +7068,19 @@
         </p:nvSpPr>
         <p:spPr>
           <a:xfrm>
-            <a:off x="5450840" y="3078480"/>
-            <a:ext cx="596900" cy="152400"/>
-          </a:xfrm>
-          <a:prstGeom prst="rect">
-            <a:avLst/>
-          </a:prstGeom>
-          <a:noFill/>
-        </p:spPr>
-        <p:txBody>
-          <a:bodyPr wrap="none">
-            <a:spAutoFit/>
-          </a:bodyPr>
-          <a:lstStyle/>
-          <a:p/>
+            <a:off x="5677958" y="3206750"/>
+            <a:ext cx="1193800" cy="304800"/>
+          </a:xfrm>
+          <a:prstGeom prst="rect">
+            <a:avLst/>
+          </a:prstGeom>
+          <a:noFill/>
+        </p:spPr>
+        <p:txBody>
+          <a:bodyPr wrap="none" anchor="ctr">
+            <a:spAutoFit/>
+          </a:bodyPr>
+          <a:lstStyle/>
           <a:p>
             <a:pPr>
               <a:defRPr sz="1000"/>
@@ -7226,20 +7099,19 @@
         </p:nvSpPr>
         <p:spPr>
           <a:xfrm>
-            <a:off x="5725160" y="3230880"/>
-            <a:ext cx="254000" cy="127000"/>
-          </a:xfrm>
-          <a:prstGeom prst="rect">
-            <a:avLst/>
-          </a:prstGeom>
-          <a:noFill/>
-        </p:spPr>
-        <p:txBody>
-          <a:bodyPr wrap="none">
-            <a:spAutoFit/>
-          </a:bodyPr>
-          <a:lstStyle/>
-          <a:p/>
+            <a:off x="5963708" y="3365500"/>
+            <a:ext cx="508000" cy="254000"/>
+          </a:xfrm>
+          <a:prstGeom prst="rect">
+            <a:avLst/>
+          </a:prstGeom>
+          <a:noFill/>
+        </p:spPr>
+        <p:txBody>
+          <a:bodyPr wrap="none" anchor="ctr">
+            <a:spAutoFit/>
+          </a:bodyPr>
+          <a:lstStyle/>
           <a:p>
             <a:pPr>
               <a:defRPr sz="1000"/>
@@ -7258,20 +7130,19 @@
         </p:nvSpPr>
         <p:spPr>
           <a:xfrm>
-            <a:off x="4759960" y="2788920"/>
-            <a:ext cx="127000" cy="146050"/>
-          </a:xfrm>
-          <a:prstGeom prst="rect">
-            <a:avLst/>
-          </a:prstGeom>
-          <a:noFill/>
-        </p:spPr>
-        <p:txBody>
-          <a:bodyPr wrap="none">
-            <a:spAutoFit/>
-          </a:bodyPr>
-          <a:lstStyle/>
-          <a:p/>
+            <a:off x="4958291" y="2905125"/>
+            <a:ext cx="254000" cy="292100"/>
+          </a:xfrm>
+          <a:prstGeom prst="rect">
+            <a:avLst/>
+          </a:prstGeom>
+          <a:noFill/>
+        </p:spPr>
+        <p:txBody>
+          <a:bodyPr wrap="none" anchor="ctr">
+            <a:spAutoFit/>
+          </a:bodyPr>
+          <a:lstStyle/>
           <a:p>
             <a:pPr>
               <a:defRPr sz="1000"/>
@@ -7290,20 +7161,19 @@
         </p:nvSpPr>
         <p:spPr>
           <a:xfrm>
-            <a:off x="4714240" y="2941320"/>
-            <a:ext cx="171450" cy="127000"/>
-          </a:xfrm>
-          <a:prstGeom prst="rect">
-            <a:avLst/>
-          </a:prstGeom>
-          <a:noFill/>
-        </p:spPr>
-        <p:txBody>
-          <a:bodyPr wrap="none">
-            <a:spAutoFit/>
-          </a:bodyPr>
-          <a:lstStyle/>
-          <a:p/>
+            <a:off x="4910666" y="3063875"/>
+            <a:ext cx="342900" cy="254000"/>
+          </a:xfrm>
+          <a:prstGeom prst="rect">
+            <a:avLst/>
+          </a:prstGeom>
+          <a:noFill/>
+        </p:spPr>
+        <p:txBody>
+          <a:bodyPr wrap="none" anchor="ctr">
+            <a:spAutoFit/>
+          </a:bodyPr>
+          <a:lstStyle/>
           <a:p>
             <a:pPr>
               <a:defRPr sz="1000"/>
@@ -7322,20 +7192,19 @@
         </p:nvSpPr>
         <p:spPr>
           <a:xfrm>
-            <a:off x="1869439" y="2941320"/>
-            <a:ext cx="146050" cy="127000"/>
-          </a:xfrm>
-          <a:prstGeom prst="rect">
-            <a:avLst/>
-          </a:prstGeom>
-          <a:noFill/>
-        </p:spPr>
-        <p:txBody>
-          <a:bodyPr wrap="none">
-            <a:spAutoFit/>
-          </a:bodyPr>
-          <a:lstStyle/>
-          <a:p/>
+            <a:off x="1947333" y="3063875"/>
+            <a:ext cx="292100" cy="254000"/>
+          </a:xfrm>
+          <a:prstGeom prst="rect">
+            <a:avLst/>
+          </a:prstGeom>
+          <a:noFill/>
+        </p:spPr>
+        <p:txBody>
+          <a:bodyPr wrap="none" anchor="ctr">
+            <a:spAutoFit/>
+          </a:bodyPr>
+          <a:lstStyle/>
           <a:p>
             <a:pPr>
               <a:defRPr sz="1000"/>
@@ -7354,20 +7223,19 @@
         </p:nvSpPr>
         <p:spPr>
           <a:xfrm>
-            <a:off x="2819400" y="3230880"/>
-            <a:ext cx="254000" cy="127000"/>
-          </a:xfrm>
-          <a:prstGeom prst="rect">
-            <a:avLst/>
-          </a:prstGeom>
-          <a:noFill/>
-        </p:spPr>
-        <p:txBody>
-          <a:bodyPr wrap="none">
-            <a:spAutoFit/>
-          </a:bodyPr>
-          <a:lstStyle/>
-          <a:p/>
+            <a:off x="2936875" y="3365500"/>
+            <a:ext cx="508000" cy="254000"/>
+          </a:xfrm>
+          <a:prstGeom prst="rect">
+            <a:avLst/>
+          </a:prstGeom>
+          <a:noFill/>
+        </p:spPr>
+        <p:txBody>
+          <a:bodyPr wrap="none" anchor="ctr">
+            <a:spAutoFit/>
+          </a:bodyPr>
+          <a:lstStyle/>
           <a:p>
             <a:pPr>
               <a:defRPr sz="1000"/>
@@ -7386,20 +7254,19 @@
         </p:nvSpPr>
         <p:spPr>
           <a:xfrm>
-            <a:off x="3119120" y="3220720"/>
-            <a:ext cx="342900" cy="146050"/>
-          </a:xfrm>
-          <a:prstGeom prst="rect">
-            <a:avLst/>
-          </a:prstGeom>
-          <a:noFill/>
-        </p:spPr>
-        <p:txBody>
-          <a:bodyPr wrap="none">
-            <a:spAutoFit/>
-          </a:bodyPr>
-          <a:lstStyle/>
-          <a:p/>
+            <a:off x="3249083" y="3354916"/>
+            <a:ext cx="685800" cy="292100"/>
+          </a:xfrm>
+          <a:prstGeom prst="rect">
+            <a:avLst/>
+          </a:prstGeom>
+          <a:noFill/>
+        </p:spPr>
+        <p:txBody>
+          <a:bodyPr wrap="none" anchor="ctr">
+            <a:spAutoFit/>
+          </a:bodyPr>
+          <a:lstStyle/>
           <a:p>
             <a:pPr>
               <a:defRPr sz="1000"/>
@@ -7418,20 +7285,19 @@
         </p:nvSpPr>
         <p:spPr>
           <a:xfrm>
-            <a:off x="3393440" y="3230880"/>
-            <a:ext cx="527050" cy="114300"/>
-          </a:xfrm>
-          <a:prstGeom prst="rect">
-            <a:avLst/>
-          </a:prstGeom>
-          <a:noFill/>
-        </p:spPr>
-        <p:txBody>
-          <a:bodyPr wrap="none">
-            <a:spAutoFit/>
-          </a:bodyPr>
-          <a:lstStyle/>
-          <a:p/>
+            <a:off x="3534833" y="3365500"/>
+            <a:ext cx="1054100" cy="228600"/>
+          </a:xfrm>
+          <a:prstGeom prst="rect">
+            <a:avLst/>
+          </a:prstGeom>
+          <a:noFill/>
+        </p:spPr>
+        <p:txBody>
+          <a:bodyPr wrap="none" anchor="ctr">
+            <a:spAutoFit/>
+          </a:bodyPr>
+          <a:lstStyle/>
           <a:p>
             <a:pPr>
               <a:defRPr sz="1000"/>
@@ -7450,20 +7316,19 @@
         </p:nvSpPr>
         <p:spPr>
           <a:xfrm>
-            <a:off x="3830320" y="3230880"/>
-            <a:ext cx="412750" cy="114300"/>
-          </a:xfrm>
-          <a:prstGeom prst="rect">
-            <a:avLst/>
-          </a:prstGeom>
-          <a:noFill/>
-        </p:spPr>
-        <p:txBody>
-          <a:bodyPr wrap="none">
-            <a:spAutoFit/>
-          </a:bodyPr>
-          <a:lstStyle/>
-          <a:p/>
+            <a:off x="3989916" y="3365500"/>
+            <a:ext cx="825500" cy="228600"/>
+          </a:xfrm>
+          <a:prstGeom prst="rect">
+            <a:avLst/>
+          </a:prstGeom>
+          <a:noFill/>
+        </p:spPr>
+        <p:txBody>
+          <a:bodyPr wrap="none" anchor="ctr">
+            <a:spAutoFit/>
+          </a:bodyPr>
+          <a:lstStyle/>
           <a:p>
             <a:pPr>
               <a:defRPr sz="1000"/>
@@ -7482,20 +7347,19 @@
         </p:nvSpPr>
         <p:spPr>
           <a:xfrm>
-            <a:off x="4175760" y="3230880"/>
-            <a:ext cx="495300" cy="114300"/>
-          </a:xfrm>
-          <a:prstGeom prst="rect">
-            <a:avLst/>
-          </a:prstGeom>
-          <a:noFill/>
-        </p:spPr>
-        <p:txBody>
-          <a:bodyPr wrap="none">
-            <a:spAutoFit/>
-          </a:bodyPr>
-          <a:lstStyle/>
-          <a:p/>
+            <a:off x="4349750" y="3365500"/>
+            <a:ext cx="990600" cy="228600"/>
+          </a:xfrm>
+          <a:prstGeom prst="rect">
+            <a:avLst/>
+          </a:prstGeom>
+          <a:noFill/>
+        </p:spPr>
+        <p:txBody>
+          <a:bodyPr wrap="none" anchor="ctr">
+            <a:spAutoFit/>
+          </a:bodyPr>
+          <a:lstStyle/>
           <a:p>
             <a:pPr>
               <a:defRPr sz="1000"/>
@@ -7514,20 +7378,19 @@
         </p:nvSpPr>
         <p:spPr>
           <a:xfrm>
-            <a:off x="1884680" y="3677920"/>
-            <a:ext cx="69850" cy="95250"/>
-          </a:xfrm>
-          <a:prstGeom prst="rect">
-            <a:avLst/>
-          </a:prstGeom>
-          <a:noFill/>
-        </p:spPr>
-        <p:txBody>
-          <a:bodyPr wrap="none">
-            <a:spAutoFit/>
-          </a:bodyPr>
-          <a:lstStyle/>
-          <a:p/>
+            <a:off x="1963208" y="3831166"/>
+            <a:ext cx="139700" cy="190500"/>
+          </a:xfrm>
+          <a:prstGeom prst="rect">
+            <a:avLst/>
+          </a:prstGeom>
+          <a:noFill/>
+        </p:spPr>
+        <p:txBody>
+          <a:bodyPr wrap="none" anchor="ctr">
+            <a:spAutoFit/>
+          </a:bodyPr>
+          <a:lstStyle/>
           <a:p>
             <a:pPr>
               <a:defRPr sz="1000"/>
@@ -7546,20 +7409,19 @@
         </p:nvSpPr>
         <p:spPr>
           <a:xfrm>
-            <a:off x="2819400" y="3662679"/>
-            <a:ext cx="254000" cy="127000"/>
-          </a:xfrm>
-          <a:prstGeom prst="rect">
-            <a:avLst/>
-          </a:prstGeom>
-          <a:noFill/>
-        </p:spPr>
-        <p:txBody>
-          <a:bodyPr wrap="none">
-            <a:spAutoFit/>
-          </a:bodyPr>
-          <a:lstStyle/>
-          <a:p/>
+            <a:off x="2936875" y="3815291"/>
+            <a:ext cx="508000" cy="254000"/>
+          </a:xfrm>
+          <a:prstGeom prst="rect">
+            <a:avLst/>
+          </a:prstGeom>
+          <a:noFill/>
+        </p:spPr>
+        <p:txBody>
+          <a:bodyPr wrap="none" anchor="ctr">
+            <a:spAutoFit/>
+          </a:bodyPr>
+          <a:lstStyle/>
           <a:p>
             <a:pPr>
               <a:defRPr sz="1000"/>
@@ -7578,20 +7440,19 @@
         </p:nvSpPr>
         <p:spPr>
           <a:xfrm>
-            <a:off x="3108960" y="3662679"/>
-            <a:ext cx="342900" cy="158750"/>
-          </a:xfrm>
-          <a:prstGeom prst="rect">
-            <a:avLst/>
-          </a:prstGeom>
-          <a:noFill/>
-        </p:spPr>
-        <p:txBody>
-          <a:bodyPr wrap="none">
-            <a:spAutoFit/>
-          </a:bodyPr>
-          <a:lstStyle/>
-          <a:p/>
+            <a:off x="3238500" y="3815291"/>
+            <a:ext cx="685800" cy="317500"/>
+          </a:xfrm>
+          <a:prstGeom prst="rect">
+            <a:avLst/>
+          </a:prstGeom>
+          <a:noFill/>
+        </p:spPr>
+        <p:txBody>
+          <a:bodyPr wrap="none" anchor="ctr">
+            <a:spAutoFit/>
+          </a:bodyPr>
+          <a:lstStyle/>
           <a:p>
             <a:pPr>
               <a:defRPr sz="1000"/>
@@ -7610,20 +7471,19 @@
         </p:nvSpPr>
         <p:spPr>
           <a:xfrm>
-            <a:off x="3378200" y="3667760"/>
-            <a:ext cx="558800" cy="152400"/>
-          </a:xfrm>
-          <a:prstGeom prst="rect">
-            <a:avLst/>
-          </a:prstGeom>
-          <a:noFill/>
-        </p:spPr>
-        <p:txBody>
-          <a:bodyPr wrap="none">
-            <a:spAutoFit/>
-          </a:bodyPr>
-          <a:lstStyle/>
-          <a:p/>
+            <a:off x="3518958" y="3820583"/>
+            <a:ext cx="1117600" cy="304800"/>
+          </a:xfrm>
+          <a:prstGeom prst="rect">
+            <a:avLst/>
+          </a:prstGeom>
+          <a:noFill/>
+        </p:spPr>
+        <p:txBody>
+          <a:bodyPr wrap="none" anchor="ctr">
+            <a:spAutoFit/>
+          </a:bodyPr>
+          <a:lstStyle/>
           <a:p>
             <a:pPr>
               <a:defRPr sz="1000"/>
@@ -7642,20 +7502,19 @@
         </p:nvSpPr>
         <p:spPr>
           <a:xfrm>
-            <a:off x="3825240" y="3662679"/>
-            <a:ext cx="520700" cy="146050"/>
-          </a:xfrm>
-          <a:prstGeom prst="rect">
-            <a:avLst/>
-          </a:prstGeom>
-          <a:noFill/>
-        </p:spPr>
-        <p:txBody>
-          <a:bodyPr wrap="none">
-            <a:spAutoFit/>
-          </a:bodyPr>
-          <a:lstStyle/>
-          <a:p/>
+            <a:off x="3984625" y="3815291"/>
+            <a:ext cx="1041400" cy="292100"/>
+          </a:xfrm>
+          <a:prstGeom prst="rect">
+            <a:avLst/>
+          </a:prstGeom>
+          <a:noFill/>
+        </p:spPr>
+        <p:txBody>
+          <a:bodyPr wrap="none" anchor="ctr">
+            <a:spAutoFit/>
+          </a:bodyPr>
+          <a:lstStyle/>
           <a:p>
             <a:pPr>
               <a:defRPr sz="1000"/>
@@ -7674,20 +7533,19 @@
         </p:nvSpPr>
         <p:spPr>
           <a:xfrm>
-            <a:off x="4226560" y="3683000"/>
-            <a:ext cx="184150" cy="120650"/>
-          </a:xfrm>
-          <a:prstGeom prst="rect">
-            <a:avLst/>
-          </a:prstGeom>
-          <a:noFill/>
-        </p:spPr>
-        <p:txBody>
-          <a:bodyPr wrap="none">
-            <a:spAutoFit/>
-          </a:bodyPr>
-          <a:lstStyle/>
-          <a:p/>
+            <a:off x="4402666" y="3836458"/>
+            <a:ext cx="368300" cy="241300"/>
+          </a:xfrm>
+          <a:prstGeom prst="rect">
+            <a:avLst/>
+          </a:prstGeom>
+          <a:noFill/>
+        </p:spPr>
+        <p:txBody>
+          <a:bodyPr wrap="none" anchor="ctr">
+            <a:spAutoFit/>
+          </a:bodyPr>
+          <a:lstStyle/>
           <a:p>
             <a:pPr>
               <a:defRPr sz="1000"/>
@@ -7706,20 +7564,19 @@
         </p:nvSpPr>
         <p:spPr>
           <a:xfrm>
-            <a:off x="4348480" y="3662679"/>
-            <a:ext cx="152400" cy="146050"/>
-          </a:xfrm>
-          <a:prstGeom prst="rect">
-            <a:avLst/>
-          </a:prstGeom>
-          <a:noFill/>
-        </p:spPr>
-        <p:txBody>
-          <a:bodyPr wrap="none">
-            <a:spAutoFit/>
-          </a:bodyPr>
-          <a:lstStyle/>
-          <a:p/>
+            <a:off x="4529666" y="3815291"/>
+            <a:ext cx="304800" cy="292100"/>
+          </a:xfrm>
+          <a:prstGeom prst="rect">
+            <a:avLst/>
+          </a:prstGeom>
+          <a:noFill/>
+        </p:spPr>
+        <p:txBody>
+          <a:bodyPr wrap="none" anchor="ctr">
+            <a:spAutoFit/>
+          </a:bodyPr>
+          <a:lstStyle/>
           <a:p>
             <a:pPr>
               <a:defRPr sz="1000"/>
@@ -7738,20 +7595,19 @@
         </p:nvSpPr>
         <p:spPr>
           <a:xfrm>
-            <a:off x="4460240" y="3667760"/>
-            <a:ext cx="381000" cy="120650"/>
-          </a:xfrm>
-          <a:prstGeom prst="rect">
-            <a:avLst/>
-          </a:prstGeom>
-          <a:noFill/>
-        </p:spPr>
-        <p:txBody>
-          <a:bodyPr wrap="none">
-            <a:spAutoFit/>
-          </a:bodyPr>
-          <a:lstStyle/>
-          <a:p/>
+            <a:off x="4646083" y="3820583"/>
+            <a:ext cx="762000" cy="241300"/>
+          </a:xfrm>
+          <a:prstGeom prst="rect">
+            <a:avLst/>
+          </a:prstGeom>
+          <a:noFill/>
+        </p:spPr>
+        <p:txBody>
+          <a:bodyPr wrap="none" anchor="ctr">
+            <a:spAutoFit/>
+          </a:bodyPr>
+          <a:lstStyle/>
           <a:p>
             <a:pPr>
               <a:defRPr sz="1000"/>
@@ -7770,20 +7626,19 @@
         </p:nvSpPr>
         <p:spPr>
           <a:xfrm>
-            <a:off x="4759960" y="3662679"/>
-            <a:ext cx="177800" cy="146050"/>
-          </a:xfrm>
-          <a:prstGeom prst="rect">
-            <a:avLst/>
-          </a:prstGeom>
-          <a:noFill/>
-        </p:spPr>
-        <p:txBody>
-          <a:bodyPr wrap="none">
-            <a:spAutoFit/>
-          </a:bodyPr>
-          <a:lstStyle/>
-          <a:p/>
+            <a:off x="4958291" y="3815291"/>
+            <a:ext cx="355600" cy="292100"/>
+          </a:xfrm>
+          <a:prstGeom prst="rect">
+            <a:avLst/>
+          </a:prstGeom>
+          <a:noFill/>
+        </p:spPr>
+        <p:txBody>
+          <a:bodyPr wrap="none" anchor="ctr">
+            <a:spAutoFit/>
+          </a:bodyPr>
+          <a:lstStyle/>
           <a:p>
             <a:pPr>
               <a:defRPr sz="1000"/>
@@ -7802,20 +7657,19 @@
         </p:nvSpPr>
         <p:spPr>
           <a:xfrm>
-            <a:off x="4892040" y="3677920"/>
-            <a:ext cx="393700" cy="114300"/>
-          </a:xfrm>
-          <a:prstGeom prst="rect">
-            <a:avLst/>
-          </a:prstGeom>
-          <a:noFill/>
-        </p:spPr>
-        <p:txBody>
-          <a:bodyPr wrap="none">
-            <a:spAutoFit/>
-          </a:bodyPr>
-          <a:lstStyle/>
-          <a:p/>
+            <a:off x="5095875" y="3831166"/>
+            <a:ext cx="787400" cy="228600"/>
+          </a:xfrm>
+          <a:prstGeom prst="rect">
+            <a:avLst/>
+          </a:prstGeom>
+          <a:noFill/>
+        </p:spPr>
+        <p:txBody>
+          <a:bodyPr wrap="none" anchor="ctr">
+            <a:spAutoFit/>
+          </a:bodyPr>
+          <a:lstStyle/>
           <a:p>
             <a:pPr>
               <a:defRPr sz="1000"/>
@@ -7834,20 +7688,19 @@
         </p:nvSpPr>
         <p:spPr>
           <a:xfrm>
-            <a:off x="5217160" y="3677920"/>
-            <a:ext cx="685800" cy="114300"/>
-          </a:xfrm>
-          <a:prstGeom prst="rect">
-            <a:avLst/>
-          </a:prstGeom>
-          <a:noFill/>
-        </p:spPr>
-        <p:txBody>
-          <a:bodyPr wrap="none">
-            <a:spAutoFit/>
-          </a:bodyPr>
-          <a:lstStyle/>
-          <a:p/>
+            <a:off x="5434541" y="3831166"/>
+            <a:ext cx="1371600" cy="228600"/>
+          </a:xfrm>
+          <a:prstGeom prst="rect">
+            <a:avLst/>
+          </a:prstGeom>
+          <a:noFill/>
+        </p:spPr>
+        <p:txBody>
+          <a:bodyPr wrap="none" anchor="ctr">
+            <a:spAutoFit/>
+          </a:bodyPr>
+          <a:lstStyle/>
           <a:p>
             <a:pPr>
               <a:defRPr sz="1000"/>
@@ -7866,20 +7719,19 @@
         </p:nvSpPr>
         <p:spPr>
           <a:xfrm>
-            <a:off x="4124960" y="3769360"/>
-            <a:ext cx="260350" cy="133350"/>
-          </a:xfrm>
-          <a:prstGeom prst="rect">
-            <a:avLst/>
-          </a:prstGeom>
-          <a:noFill/>
-        </p:spPr>
-        <p:txBody>
-          <a:bodyPr wrap="none">
-            <a:spAutoFit/>
-          </a:bodyPr>
-          <a:lstStyle/>
-          <a:p/>
+            <a:off x="4296833" y="3926416"/>
+            <a:ext cx="520700" cy="266700"/>
+          </a:xfrm>
+          <a:prstGeom prst="rect">
+            <a:avLst/>
+          </a:prstGeom>
+          <a:noFill/>
+        </p:spPr>
+        <p:txBody>
+          <a:bodyPr wrap="none" anchor="ctr">
+            <a:spAutoFit/>
+          </a:bodyPr>
+          <a:lstStyle/>
           <a:p>
             <a:pPr>
               <a:defRPr sz="1000"/>
@@ -7898,20 +7750,19 @@
         </p:nvSpPr>
         <p:spPr>
           <a:xfrm>
-            <a:off x="4328160" y="3769360"/>
-            <a:ext cx="177800" cy="133350"/>
-          </a:xfrm>
-          <a:prstGeom prst="rect">
-            <a:avLst/>
-          </a:prstGeom>
-          <a:noFill/>
-        </p:spPr>
-        <p:txBody>
-          <a:bodyPr wrap="none">
-            <a:spAutoFit/>
-          </a:bodyPr>
-          <a:lstStyle/>
-          <a:p/>
+            <a:off x="4508500" y="3926416"/>
+            <a:ext cx="355600" cy="266700"/>
+          </a:xfrm>
+          <a:prstGeom prst="rect">
+            <a:avLst/>
+          </a:prstGeom>
+          <a:noFill/>
+        </p:spPr>
+        <p:txBody>
+          <a:bodyPr wrap="none" anchor="ctr">
+            <a:spAutoFit/>
+          </a:bodyPr>
+          <a:lstStyle/>
           <a:p>
             <a:pPr>
               <a:defRPr sz="1000"/>
@@ -7930,20 +7781,19 @@
         </p:nvSpPr>
         <p:spPr>
           <a:xfrm>
-            <a:off x="4663440" y="3835400"/>
-            <a:ext cx="254000" cy="114300"/>
-          </a:xfrm>
-          <a:prstGeom prst="rect">
-            <a:avLst/>
-          </a:prstGeom>
-          <a:noFill/>
-        </p:spPr>
-        <p:txBody>
-          <a:bodyPr wrap="none">
-            <a:spAutoFit/>
-          </a:bodyPr>
-          <a:lstStyle/>
-          <a:p/>
+            <a:off x="4857750" y="3995208"/>
+            <a:ext cx="508000" cy="228600"/>
+          </a:xfrm>
+          <a:prstGeom prst="rect">
+            <a:avLst/>
+          </a:prstGeom>
+          <a:noFill/>
+        </p:spPr>
+        <p:txBody>
+          <a:bodyPr wrap="none" anchor="ctr">
+            <a:spAutoFit/>
+          </a:bodyPr>
+          <a:lstStyle/>
           <a:p>
             <a:pPr>
               <a:defRPr sz="1000"/>
@@ -7962,20 +7812,19 @@
         </p:nvSpPr>
         <p:spPr>
           <a:xfrm>
-            <a:off x="4160520" y="4013200"/>
-            <a:ext cx="317500" cy="120650"/>
-          </a:xfrm>
-          <a:prstGeom prst="rect">
-            <a:avLst/>
-          </a:prstGeom>
-          <a:noFill/>
-        </p:spPr>
-        <p:txBody>
-          <a:bodyPr wrap="none">
-            <a:spAutoFit/>
-          </a:bodyPr>
-          <a:lstStyle/>
-          <a:p/>
+            <a:off x="4333875" y="4180416"/>
+            <a:ext cx="635000" cy="241300"/>
+          </a:xfrm>
+          <a:prstGeom prst="rect">
+            <a:avLst/>
+          </a:prstGeom>
+          <a:noFill/>
+        </p:spPr>
+        <p:txBody>
+          <a:bodyPr wrap="none" anchor="ctr">
+            <a:spAutoFit/>
+          </a:bodyPr>
+          <a:lstStyle/>
           <a:p>
             <a:pPr>
               <a:defRPr sz="1000"/>
@@ -7994,20 +7843,19 @@
         </p:nvSpPr>
         <p:spPr>
           <a:xfrm>
-            <a:off x="4201160" y="4282440"/>
-            <a:ext cx="228600" cy="120650"/>
-          </a:xfrm>
-          <a:prstGeom prst="rect">
-            <a:avLst/>
-          </a:prstGeom>
-          <a:noFill/>
-        </p:spPr>
-        <p:txBody>
-          <a:bodyPr wrap="none">
-            <a:spAutoFit/>
-          </a:bodyPr>
-          <a:lstStyle/>
-          <a:p/>
+            <a:off x="4376208" y="4460875"/>
+            <a:ext cx="457200" cy="241300"/>
+          </a:xfrm>
+          <a:prstGeom prst="rect">
+            <a:avLst/>
+          </a:prstGeom>
+          <a:noFill/>
+        </p:spPr>
+        <p:txBody>
+          <a:bodyPr wrap="none" anchor="ctr">
+            <a:spAutoFit/>
+          </a:bodyPr>
+          <a:lstStyle/>
           <a:p>
             <a:pPr>
               <a:defRPr sz="1000"/>
@@ -8026,20 +7874,19 @@
         </p:nvSpPr>
         <p:spPr>
           <a:xfrm>
-            <a:off x="5135880" y="3835400"/>
-            <a:ext cx="254000" cy="114300"/>
-          </a:xfrm>
-          <a:prstGeom prst="rect">
-            <a:avLst/>
-          </a:prstGeom>
-          <a:noFill/>
-        </p:spPr>
-        <p:txBody>
-          <a:bodyPr wrap="none">
-            <a:spAutoFit/>
-          </a:bodyPr>
-          <a:lstStyle/>
-          <a:p/>
+            <a:off x="5349875" y="3995208"/>
+            <a:ext cx="508000" cy="228600"/>
+          </a:xfrm>
+          <a:prstGeom prst="rect">
+            <a:avLst/>
+          </a:prstGeom>
+          <a:noFill/>
+        </p:spPr>
+        <p:txBody>
+          <a:bodyPr wrap="none" anchor="ctr">
+            <a:spAutoFit/>
+          </a:bodyPr>
+          <a:lstStyle/>
           <a:p>
             <a:pPr>
               <a:defRPr sz="1000"/>
@@ -8058,20 +7905,19 @@
         </p:nvSpPr>
         <p:spPr>
           <a:xfrm>
-            <a:off x="5521960" y="3825240"/>
-            <a:ext cx="304800" cy="152400"/>
-          </a:xfrm>
-          <a:prstGeom prst="rect">
-            <a:avLst/>
-          </a:prstGeom>
-          <a:noFill/>
-        </p:spPr>
-        <p:txBody>
-          <a:bodyPr wrap="none">
-            <a:spAutoFit/>
-          </a:bodyPr>
-          <a:lstStyle/>
-          <a:p/>
+            <a:off x="5752041" y="3984625"/>
+            <a:ext cx="609600" cy="304800"/>
+          </a:xfrm>
+          <a:prstGeom prst="rect">
+            <a:avLst/>
+          </a:prstGeom>
+          <a:noFill/>
+        </p:spPr>
+        <p:txBody>
+          <a:bodyPr wrap="none" anchor="ctr">
+            <a:spAutoFit/>
+          </a:bodyPr>
+          <a:lstStyle/>
           <a:p>
             <a:pPr>
               <a:defRPr sz="1000"/>
@@ -8090,20 +7936,19 @@
         </p:nvSpPr>
         <p:spPr>
           <a:xfrm>
-            <a:off x="5755640" y="3825240"/>
-            <a:ext cx="177800" cy="139700"/>
-          </a:xfrm>
-          <a:prstGeom prst="rect">
-            <a:avLst/>
-          </a:prstGeom>
-          <a:noFill/>
-        </p:spPr>
-        <p:txBody>
-          <a:bodyPr wrap="none">
-            <a:spAutoFit/>
-          </a:bodyPr>
-          <a:lstStyle/>
-          <a:p/>
+            <a:off x="5995458" y="3984625"/>
+            <a:ext cx="355600" cy="279400"/>
+          </a:xfrm>
+          <a:prstGeom prst="rect">
+            <a:avLst/>
+          </a:prstGeom>
+          <a:noFill/>
+        </p:spPr>
+        <p:txBody>
+          <a:bodyPr wrap="none" anchor="ctr">
+            <a:spAutoFit/>
+          </a:bodyPr>
+          <a:lstStyle/>
           <a:p>
             <a:pPr>
               <a:defRPr sz="1000"/>
@@ -8122,20 +7967,19 @@
         </p:nvSpPr>
         <p:spPr>
           <a:xfrm>
-            <a:off x="5146040" y="4282440"/>
-            <a:ext cx="234950" cy="120650"/>
-          </a:xfrm>
-          <a:prstGeom prst="rect">
-            <a:avLst/>
-          </a:prstGeom>
-          <a:noFill/>
-        </p:spPr>
-        <p:txBody>
-          <a:bodyPr wrap="none">
-            <a:spAutoFit/>
-          </a:bodyPr>
-          <a:lstStyle/>
-          <a:p/>
+            <a:off x="5360458" y="4460875"/>
+            <a:ext cx="469900" cy="241300"/>
+          </a:xfrm>
+          <a:prstGeom prst="rect">
+            <a:avLst/>
+          </a:prstGeom>
+          <a:noFill/>
+        </p:spPr>
+        <p:txBody>
+          <a:bodyPr wrap="none" anchor="ctr">
+            <a:spAutoFit/>
+          </a:bodyPr>
+          <a:lstStyle/>
           <a:p>
             <a:pPr>
               <a:defRPr sz="1000"/>
@@ -8154,20 +7998,19 @@
         </p:nvSpPr>
         <p:spPr>
           <a:xfrm>
-            <a:off x="3185160" y="3896360"/>
-            <a:ext cx="482600" cy="120650"/>
-          </a:xfrm>
-          <a:prstGeom prst="rect">
-            <a:avLst/>
-          </a:prstGeom>
-          <a:noFill/>
-        </p:spPr>
-        <p:txBody>
-          <a:bodyPr wrap="none">
-            <a:spAutoFit/>
-          </a:bodyPr>
-          <a:lstStyle/>
-          <a:p/>
+            <a:off x="3317875" y="4058708"/>
+            <a:ext cx="965200" cy="241300"/>
+          </a:xfrm>
+          <a:prstGeom prst="rect">
+            <a:avLst/>
+          </a:prstGeom>
+          <a:noFill/>
+        </p:spPr>
+        <p:txBody>
+          <a:bodyPr wrap="none" anchor="ctr">
+            <a:spAutoFit/>
+          </a:bodyPr>
+          <a:lstStyle/>
           <a:p>
             <a:pPr>
               <a:defRPr sz="1000"/>
@@ -8186,20 +8029,19 @@
         </p:nvSpPr>
         <p:spPr>
           <a:xfrm>
-            <a:off x="3657600" y="3896360"/>
-            <a:ext cx="495300" cy="120650"/>
-          </a:xfrm>
-          <a:prstGeom prst="rect">
-            <a:avLst/>
-          </a:prstGeom>
-          <a:noFill/>
-        </p:spPr>
-        <p:txBody>
-          <a:bodyPr wrap="none">
-            <a:spAutoFit/>
-          </a:bodyPr>
-          <a:lstStyle/>
-          <a:p/>
+            <a:off x="3810000" y="4058708"/>
+            <a:ext cx="990600" cy="241300"/>
+          </a:xfrm>
+          <a:prstGeom prst="rect">
+            <a:avLst/>
+          </a:prstGeom>
+          <a:noFill/>
+        </p:spPr>
+        <p:txBody>
+          <a:bodyPr wrap="none" anchor="ctr">
+            <a:spAutoFit/>
+          </a:bodyPr>
+          <a:lstStyle/>
           <a:p>
             <a:pPr>
               <a:defRPr sz="1000"/>
@@ -8218,20 +8060,19 @@
         </p:nvSpPr>
         <p:spPr>
           <a:xfrm>
-            <a:off x="4140200" y="3896360"/>
-            <a:ext cx="381000" cy="120650"/>
-          </a:xfrm>
-          <a:prstGeom prst="rect">
-            <a:avLst/>
-          </a:prstGeom>
-          <a:noFill/>
-        </p:spPr>
-        <p:txBody>
-          <a:bodyPr wrap="none">
-            <a:spAutoFit/>
-          </a:bodyPr>
-          <a:lstStyle/>
-          <a:p/>
+            <a:off x="4312708" y="4058708"/>
+            <a:ext cx="762000" cy="241300"/>
+          </a:xfrm>
+          <a:prstGeom prst="rect">
+            <a:avLst/>
+          </a:prstGeom>
+          <a:noFill/>
+        </p:spPr>
+        <p:txBody>
+          <a:bodyPr wrap="none" anchor="ctr">
+            <a:spAutoFit/>
+          </a:bodyPr>
+          <a:lstStyle/>
           <a:p>
             <a:pPr>
               <a:defRPr sz="1000"/>
@@ -8250,20 +8091,19 @@
         </p:nvSpPr>
         <p:spPr>
           <a:xfrm>
-            <a:off x="4577080" y="3962400"/>
-            <a:ext cx="463550" cy="107950"/>
-          </a:xfrm>
-          <a:prstGeom prst="rect">
-            <a:avLst/>
-          </a:prstGeom>
-          <a:noFill/>
-        </p:spPr>
-        <p:txBody>
-          <a:bodyPr wrap="none">
-            <a:spAutoFit/>
-          </a:bodyPr>
-          <a:lstStyle/>
-          <a:p/>
+            <a:off x="4767791" y="4127500"/>
+            <a:ext cx="927100" cy="215900"/>
+          </a:xfrm>
+          <a:prstGeom prst="rect">
+            <a:avLst/>
+          </a:prstGeom>
+          <a:noFill/>
+        </p:spPr>
+        <p:txBody>
+          <a:bodyPr wrap="none" anchor="ctr">
+            <a:spAutoFit/>
+          </a:bodyPr>
+          <a:lstStyle/>
           <a:p>
             <a:pPr>
               <a:defRPr sz="1000"/>
@@ -8282,20 +8122,19 @@
         </p:nvSpPr>
         <p:spPr>
           <a:xfrm>
-            <a:off x="5146040" y="3952240"/>
-            <a:ext cx="234950" cy="127000"/>
-          </a:xfrm>
-          <a:prstGeom prst="rect">
-            <a:avLst/>
-          </a:prstGeom>
-          <a:noFill/>
-        </p:spPr>
-        <p:txBody>
-          <a:bodyPr wrap="none">
-            <a:spAutoFit/>
-          </a:bodyPr>
-          <a:lstStyle/>
-          <a:p/>
+            <a:off x="5360458" y="4116916"/>
+            <a:ext cx="469900" cy="254000"/>
+          </a:xfrm>
+          <a:prstGeom prst="rect">
+            <a:avLst/>
+          </a:prstGeom>
+          <a:noFill/>
+        </p:spPr>
+        <p:txBody>
+          <a:bodyPr wrap="none" anchor="ctr">
+            <a:spAutoFit/>
+          </a:bodyPr>
+          <a:lstStyle/>
           <a:p>
             <a:pPr>
               <a:defRPr sz="1000"/>
@@ -8314,20 +8153,19 @@
         </p:nvSpPr>
         <p:spPr>
           <a:xfrm>
-            <a:off x="5466080" y="3962400"/>
-            <a:ext cx="609600" cy="114300"/>
-          </a:xfrm>
-          <a:prstGeom prst="rect">
-            <a:avLst/>
-          </a:prstGeom>
-          <a:noFill/>
-        </p:spPr>
-        <p:txBody>
-          <a:bodyPr wrap="none">
-            <a:spAutoFit/>
-          </a:bodyPr>
-          <a:lstStyle/>
-          <a:p/>
+            <a:off x="5693833" y="4127500"/>
+            <a:ext cx="1219200" cy="228600"/>
+          </a:xfrm>
+          <a:prstGeom prst="rect">
+            <a:avLst/>
+          </a:prstGeom>
+          <a:noFill/>
+        </p:spPr>
+        <p:txBody>
+          <a:bodyPr wrap="none" anchor="ctr">
+            <a:spAutoFit/>
+          </a:bodyPr>
+          <a:lstStyle/>
           <a:p>
             <a:pPr>
               <a:defRPr sz="1000"/>
@@ -8346,20 +8184,19 @@
         </p:nvSpPr>
         <p:spPr>
           <a:xfrm>
-            <a:off x="4648200" y="4140200"/>
-            <a:ext cx="285750" cy="120650"/>
-          </a:xfrm>
-          <a:prstGeom prst="rect">
-            <a:avLst/>
-          </a:prstGeom>
-          <a:noFill/>
-        </p:spPr>
-        <p:txBody>
-          <a:bodyPr wrap="none">
-            <a:spAutoFit/>
-          </a:bodyPr>
-          <a:lstStyle/>
-          <a:p/>
+            <a:off x="4841875" y="4312708"/>
+            <a:ext cx="571500" cy="241300"/>
+          </a:xfrm>
+          <a:prstGeom prst="rect">
+            <a:avLst/>
+          </a:prstGeom>
+          <a:noFill/>
+        </p:spPr>
+        <p:txBody>
+          <a:bodyPr wrap="none" anchor="ctr">
+            <a:spAutoFit/>
+          </a:bodyPr>
+          <a:lstStyle/>
           <a:p>
             <a:pPr>
               <a:defRPr sz="1000"/>
@@ -8378,20 +8215,19 @@
         </p:nvSpPr>
         <p:spPr>
           <a:xfrm>
-            <a:off x="4866640" y="4150360"/>
-            <a:ext cx="139700" cy="95250"/>
-          </a:xfrm>
-          <a:prstGeom prst="rect">
-            <a:avLst/>
-          </a:prstGeom>
-          <a:noFill/>
-        </p:spPr>
-        <p:txBody>
-          <a:bodyPr wrap="none">
-            <a:spAutoFit/>
-          </a:bodyPr>
-          <a:lstStyle/>
-          <a:p/>
+            <a:off x="5069416" y="4323291"/>
+            <a:ext cx="279400" cy="190500"/>
+          </a:xfrm>
+          <a:prstGeom prst="rect">
+            <a:avLst/>
+          </a:prstGeom>
+          <a:noFill/>
+        </p:spPr>
+        <p:txBody>
+          <a:bodyPr wrap="none" anchor="ctr">
+            <a:spAutoFit/>
+          </a:bodyPr>
+          <a:lstStyle/>
           <a:p>
             <a:pPr>
               <a:defRPr sz="1000"/>
@@ -8410,20 +8246,19 @@
         </p:nvSpPr>
         <p:spPr>
           <a:xfrm>
-            <a:off x="4978400" y="4155440"/>
-            <a:ext cx="450850" cy="82550"/>
-          </a:xfrm>
-          <a:prstGeom prst="rect">
-            <a:avLst/>
-          </a:prstGeom>
-          <a:noFill/>
-        </p:spPr>
-        <p:txBody>
-          <a:bodyPr wrap="none">
-            <a:spAutoFit/>
-          </a:bodyPr>
-          <a:lstStyle/>
-          <a:p/>
+            <a:off x="5185833" y="4328583"/>
+            <a:ext cx="901700" cy="165100"/>
+          </a:xfrm>
+          <a:prstGeom prst="rect">
+            <a:avLst/>
+          </a:prstGeom>
+          <a:noFill/>
+        </p:spPr>
+        <p:txBody>
+          <a:bodyPr wrap="none" anchor="ctr">
+            <a:spAutoFit/>
+          </a:bodyPr>
+          <a:lstStyle/>
           <a:p>
             <a:pPr>
               <a:defRPr sz="1000"/>
@@ -8442,20 +8277,19 @@
         </p:nvSpPr>
         <p:spPr>
           <a:xfrm>
-            <a:off x="4673600" y="4282440"/>
-            <a:ext cx="234950" cy="120650"/>
-          </a:xfrm>
-          <a:prstGeom prst="rect">
-            <a:avLst/>
-          </a:prstGeom>
-          <a:noFill/>
-        </p:spPr>
-        <p:txBody>
-          <a:bodyPr wrap="none">
-            <a:spAutoFit/>
-          </a:bodyPr>
-          <a:lstStyle/>
-          <a:p/>
+            <a:off x="4868333" y="4460875"/>
+            <a:ext cx="469900" cy="241300"/>
+          </a:xfrm>
+          <a:prstGeom prst="rect">
+            <a:avLst/>
+          </a:prstGeom>
+          <a:noFill/>
+        </p:spPr>
+        <p:txBody>
+          <a:bodyPr wrap="none" anchor="ctr">
+            <a:spAutoFit/>
+          </a:bodyPr>
+          <a:lstStyle/>
           <a:p>
             <a:pPr>
               <a:defRPr sz="1000"/>
@@ -8474,20 +8308,19 @@
         </p:nvSpPr>
         <p:spPr>
           <a:xfrm>
-            <a:off x="1859280" y="4226560"/>
-            <a:ext cx="127000" cy="146050"/>
-          </a:xfrm>
-          <a:prstGeom prst="rect">
-            <a:avLst/>
-          </a:prstGeom>
-          <a:noFill/>
-        </p:spPr>
-        <p:txBody>
-          <a:bodyPr wrap="none">
-            <a:spAutoFit/>
-          </a:bodyPr>
-          <a:lstStyle/>
-          <a:p/>
+            <a:off x="1936750" y="4402666"/>
+            <a:ext cx="254000" cy="292100"/>
+          </a:xfrm>
+          <a:prstGeom prst="rect">
+            <a:avLst/>
+          </a:prstGeom>
+          <a:noFill/>
+        </p:spPr>
+        <p:txBody>
+          <a:bodyPr wrap="none" anchor="ctr">
+            <a:spAutoFit/>
+          </a:bodyPr>
+          <a:lstStyle/>
           <a:p>
             <a:pPr>
               <a:defRPr sz="1000"/>
@@ -8506,20 +8339,19 @@
         </p:nvSpPr>
         <p:spPr>
           <a:xfrm>
-            <a:off x="3296920" y="4282440"/>
-            <a:ext cx="234950" cy="120650"/>
-          </a:xfrm>
-          <a:prstGeom prst="rect">
-            <a:avLst/>
-          </a:prstGeom>
-          <a:noFill/>
-        </p:spPr>
-        <p:txBody>
-          <a:bodyPr wrap="none">
-            <a:spAutoFit/>
-          </a:bodyPr>
-          <a:lstStyle/>
-          <a:p/>
+            <a:off x="3434291" y="4460875"/>
+            <a:ext cx="469900" cy="241300"/>
+          </a:xfrm>
+          <a:prstGeom prst="rect">
+            <a:avLst/>
+          </a:prstGeom>
+          <a:noFill/>
+        </p:spPr>
+        <p:txBody>
+          <a:bodyPr wrap="none" anchor="ctr">
+            <a:spAutoFit/>
+          </a:bodyPr>
+          <a:lstStyle/>
           <a:p>
             <a:pPr>
               <a:defRPr sz="1000"/>
@@ -8538,20 +8370,19 @@
         </p:nvSpPr>
         <p:spPr>
           <a:xfrm>
-            <a:off x="3759200" y="4282440"/>
-            <a:ext cx="228600" cy="120650"/>
-          </a:xfrm>
-          <a:prstGeom prst="rect">
-            <a:avLst/>
-          </a:prstGeom>
-          <a:noFill/>
-        </p:spPr>
-        <p:txBody>
-          <a:bodyPr wrap="none">
-            <a:spAutoFit/>
-          </a:bodyPr>
-          <a:lstStyle/>
-          <a:p/>
+            <a:off x="3915833" y="4460875"/>
+            <a:ext cx="457200" cy="241300"/>
+          </a:xfrm>
+          <a:prstGeom prst="rect">
+            <a:avLst/>
+          </a:prstGeom>
+          <a:noFill/>
+        </p:spPr>
+        <p:txBody>
+          <a:bodyPr wrap="none" anchor="ctr">
+            <a:spAutoFit/>
+          </a:bodyPr>
+          <a:lstStyle/>
           <a:p>
             <a:pPr>
               <a:defRPr sz="1000"/>
@@ -8570,20 +8401,19 @@
         </p:nvSpPr>
         <p:spPr>
           <a:xfrm>
-            <a:off x="5664200" y="4282440"/>
-            <a:ext cx="222250" cy="120650"/>
-          </a:xfrm>
-          <a:prstGeom prst="rect">
-            <a:avLst/>
-          </a:prstGeom>
-          <a:noFill/>
-        </p:spPr>
-        <p:txBody>
-          <a:bodyPr wrap="none">
-            <a:spAutoFit/>
-          </a:bodyPr>
-          <a:lstStyle/>
-          <a:p/>
+            <a:off x="5900208" y="4460875"/>
+            <a:ext cx="444500" cy="241300"/>
+          </a:xfrm>
+          <a:prstGeom prst="rect">
+            <a:avLst/>
+          </a:prstGeom>
+          <a:noFill/>
+        </p:spPr>
+        <p:txBody>
+          <a:bodyPr wrap="none" anchor="ctr">
+            <a:spAutoFit/>
+          </a:bodyPr>
+          <a:lstStyle/>
           <a:p>
             <a:pPr>
               <a:defRPr sz="1000"/>
@@ -8602,20 +8432,19 @@
         </p:nvSpPr>
         <p:spPr>
           <a:xfrm>
-            <a:off x="81280" y="4958080"/>
-            <a:ext cx="476250" cy="146050"/>
-          </a:xfrm>
-          <a:prstGeom prst="rect">
-            <a:avLst/>
-          </a:prstGeom>
-          <a:noFill/>
-        </p:spPr>
-        <p:txBody>
-          <a:bodyPr wrap="none">
-            <a:spAutoFit/>
-          </a:bodyPr>
-          <a:lstStyle/>
-          <a:p/>
+            <a:off x="84666" y="5164666"/>
+            <a:ext cx="952500" cy="292100"/>
+          </a:xfrm>
+          <a:prstGeom prst="rect">
+            <a:avLst/>
+          </a:prstGeom>
+          <a:noFill/>
+        </p:spPr>
+        <p:txBody>
+          <a:bodyPr wrap="none" anchor="ctr">
+            <a:spAutoFit/>
+          </a:bodyPr>
+          <a:lstStyle/>
           <a:p>
             <a:pPr>
               <a:defRPr sz="1000"/>
@@ -8634,20 +8463,19 @@
         </p:nvSpPr>
         <p:spPr>
           <a:xfrm>
-            <a:off x="467359" y="4968240"/>
-            <a:ext cx="190500" cy="133350"/>
-          </a:xfrm>
-          <a:prstGeom prst="rect">
-            <a:avLst/>
-          </a:prstGeom>
-          <a:noFill/>
-        </p:spPr>
-        <p:txBody>
-          <a:bodyPr wrap="none">
-            <a:spAutoFit/>
-          </a:bodyPr>
-          <a:lstStyle/>
-          <a:p/>
+            <a:off x="486833" y="5175250"/>
+            <a:ext cx="381000" cy="266700"/>
+          </a:xfrm>
+          <a:prstGeom prst="rect">
+            <a:avLst/>
+          </a:prstGeom>
+          <a:noFill/>
+        </p:spPr>
+        <p:txBody>
+          <a:bodyPr wrap="none" anchor="ctr">
+            <a:spAutoFit/>
+          </a:bodyPr>
+          <a:lstStyle/>
           <a:p>
             <a:pPr>
               <a:defRPr sz="1000"/>
@@ -8666,20 +8494,19 @@
         </p:nvSpPr>
         <p:spPr>
           <a:xfrm>
-            <a:off x="635000" y="4968240"/>
-            <a:ext cx="844550" cy="133350"/>
-          </a:xfrm>
-          <a:prstGeom prst="rect">
-            <a:avLst/>
-          </a:prstGeom>
-          <a:noFill/>
-        </p:spPr>
-        <p:txBody>
-          <a:bodyPr wrap="none">
-            <a:spAutoFit/>
-          </a:bodyPr>
-          <a:lstStyle/>
-          <a:p/>
+            <a:off x="661458" y="5175250"/>
+            <a:ext cx="1689100" cy="266700"/>
+          </a:xfrm>
+          <a:prstGeom prst="rect">
+            <a:avLst/>
+          </a:prstGeom>
+          <a:noFill/>
+        </p:spPr>
+        <p:txBody>
+          <a:bodyPr wrap="none" anchor="ctr">
+            <a:spAutoFit/>
+          </a:bodyPr>
+          <a:lstStyle/>
           <a:p>
             <a:pPr>
               <a:defRPr sz="1000"/>
@@ -8698,20 +8525,19 @@
         </p:nvSpPr>
         <p:spPr>
           <a:xfrm>
-            <a:off x="1330960" y="4973320"/>
-            <a:ext cx="673100" cy="120650"/>
-          </a:xfrm>
-          <a:prstGeom prst="rect">
-            <a:avLst/>
-          </a:prstGeom>
-          <a:noFill/>
-        </p:spPr>
-        <p:txBody>
-          <a:bodyPr wrap="none">
-            <a:spAutoFit/>
-          </a:bodyPr>
-          <a:lstStyle/>
-          <a:p/>
+            <a:off x="1386416" y="5180541"/>
+            <a:ext cx="1346200" cy="241300"/>
+          </a:xfrm>
+          <a:prstGeom prst="rect">
+            <a:avLst/>
+          </a:prstGeom>
+          <a:noFill/>
+        </p:spPr>
+        <p:txBody>
+          <a:bodyPr wrap="none" anchor="ctr">
+            <a:spAutoFit/>
+          </a:bodyPr>
+          <a:lstStyle/>
           <a:p>
             <a:pPr>
               <a:defRPr sz="1000"/>
@@ -8730,20 +8556,19 @@
         </p:nvSpPr>
         <p:spPr>
           <a:xfrm>
-            <a:off x="396240" y="5273040"/>
-            <a:ext cx="374650" cy="107950"/>
-          </a:xfrm>
-          <a:prstGeom prst="rect">
-            <a:avLst/>
-          </a:prstGeom>
-          <a:noFill/>
-        </p:spPr>
-        <p:txBody>
-          <a:bodyPr wrap="none">
-            <a:spAutoFit/>
-          </a:bodyPr>
-          <a:lstStyle/>
-          <a:p/>
+            <a:off x="412750" y="5492750"/>
+            <a:ext cx="749300" cy="215900"/>
+          </a:xfrm>
+          <a:prstGeom prst="rect">
+            <a:avLst/>
+          </a:prstGeom>
+          <a:noFill/>
+        </p:spPr>
+        <p:txBody>
+          <a:bodyPr wrap="none" anchor="ctr">
+            <a:spAutoFit/>
+          </a:bodyPr>
+          <a:lstStyle/>
           <a:p>
             <a:pPr>
               <a:defRPr sz="1000"/>
@@ -8762,20 +8587,19 @@
         </p:nvSpPr>
         <p:spPr>
           <a:xfrm>
-            <a:off x="218440" y="5369560"/>
-            <a:ext cx="304800" cy="114300"/>
-          </a:xfrm>
-          <a:prstGeom prst="rect">
-            <a:avLst/>
-          </a:prstGeom>
-          <a:noFill/>
-        </p:spPr>
-        <p:txBody>
-          <a:bodyPr wrap="none">
-            <a:spAutoFit/>
-          </a:bodyPr>
-          <a:lstStyle/>
-          <a:p/>
+            <a:off x="227541" y="5593291"/>
+            <a:ext cx="609600" cy="228600"/>
+          </a:xfrm>
+          <a:prstGeom prst="rect">
+            <a:avLst/>
+          </a:prstGeom>
+          <a:noFill/>
+        </p:spPr>
+        <p:txBody>
+          <a:bodyPr wrap="none" anchor="ctr">
+            <a:spAutoFit/>
+          </a:bodyPr>
+          <a:lstStyle/>
           <a:p>
             <a:pPr>
               <a:defRPr sz="1000"/>
@@ -8794,20 +8618,19 @@
         </p:nvSpPr>
         <p:spPr>
           <a:xfrm>
-            <a:off x="5262880" y="5262880"/>
-            <a:ext cx="393700" cy="120650"/>
-          </a:xfrm>
-          <a:prstGeom prst="rect">
-            <a:avLst/>
-          </a:prstGeom>
-          <a:noFill/>
-        </p:spPr>
-        <p:txBody>
-          <a:bodyPr wrap="none">
-            <a:spAutoFit/>
-          </a:bodyPr>
-          <a:lstStyle/>
-          <a:p/>
+            <a:off x="5482166" y="5482166"/>
+            <a:ext cx="787400" cy="241300"/>
+          </a:xfrm>
+          <a:prstGeom prst="rect">
+            <a:avLst/>
+          </a:prstGeom>
+          <a:noFill/>
+        </p:spPr>
+        <p:txBody>
+          <a:bodyPr wrap="none" anchor="ctr">
+            <a:spAutoFit/>
+          </a:bodyPr>
+          <a:lstStyle/>
           <a:p>
             <a:pPr>
               <a:defRPr sz="1000"/>
@@ -8826,20 +8649,19 @@
         </p:nvSpPr>
         <p:spPr>
           <a:xfrm>
-            <a:off x="5450840" y="5374640"/>
-            <a:ext cx="723900" cy="120650"/>
-          </a:xfrm>
-          <a:prstGeom prst="rect">
-            <a:avLst/>
-          </a:prstGeom>
-          <a:noFill/>
-        </p:spPr>
-        <p:txBody>
-          <a:bodyPr wrap="none">
-            <a:spAutoFit/>
-          </a:bodyPr>
-          <a:lstStyle/>
-          <a:p/>
+            <a:off x="5677958" y="5598583"/>
+            <a:ext cx="1447800" cy="241300"/>
+          </a:xfrm>
+          <a:prstGeom prst="rect">
+            <a:avLst/>
+          </a:prstGeom>
+          <a:noFill/>
+        </p:spPr>
+        <p:txBody>
+          <a:bodyPr wrap="none" anchor="ctr">
+            <a:spAutoFit/>
+          </a:bodyPr>
+          <a:lstStyle/>
           <a:p>
             <a:pPr>
               <a:defRPr sz="1000"/>
@@ -8858,20 +8680,19 @@
         </p:nvSpPr>
         <p:spPr>
           <a:xfrm>
-            <a:off x="5598160" y="5547360"/>
-            <a:ext cx="565150" cy="120650"/>
-          </a:xfrm>
-          <a:prstGeom prst="rect">
-            <a:avLst/>
-          </a:prstGeom>
-          <a:noFill/>
-        </p:spPr>
-        <p:txBody>
-          <a:bodyPr wrap="none">
-            <a:spAutoFit/>
-          </a:bodyPr>
-          <a:lstStyle/>
-          <a:p/>
+            <a:off x="5831416" y="5778500"/>
+            <a:ext cx="1130300" cy="241300"/>
+          </a:xfrm>
+          <a:prstGeom prst="rect">
+            <a:avLst/>
+          </a:prstGeom>
+          <a:noFill/>
+        </p:spPr>
+        <p:txBody>
+          <a:bodyPr wrap="none" anchor="ctr">
+            <a:spAutoFit/>
+          </a:bodyPr>
+          <a:lstStyle/>
           <a:p>
             <a:pPr>
               <a:defRPr sz="1000"/>
@@ -8890,20 +8711,19 @@
         </p:nvSpPr>
         <p:spPr>
           <a:xfrm>
-            <a:off x="706120" y="5369560"/>
-            <a:ext cx="215900" cy="146050"/>
-          </a:xfrm>
-          <a:prstGeom prst="rect">
-            <a:avLst/>
-          </a:prstGeom>
-          <a:noFill/>
-        </p:spPr>
-        <p:txBody>
-          <a:bodyPr wrap="none">
-            <a:spAutoFit/>
-          </a:bodyPr>
-          <a:lstStyle/>
-          <a:p/>
+            <a:off x="735541" y="5593291"/>
+            <a:ext cx="431800" cy="292100"/>
+          </a:xfrm>
+          <a:prstGeom prst="rect">
+            <a:avLst/>
+          </a:prstGeom>
+          <a:noFill/>
+        </p:spPr>
+        <p:txBody>
+          <a:bodyPr wrap="none" anchor="ctr">
+            <a:spAutoFit/>
+          </a:bodyPr>
+          <a:lstStyle/>
           <a:p>
             <a:pPr>
               <a:defRPr sz="1000"/>
@@ -8922,20 +8742,19 @@
         </p:nvSpPr>
         <p:spPr>
           <a:xfrm>
-            <a:off x="1066800" y="5374640"/>
-            <a:ext cx="723900" cy="107950"/>
-          </a:xfrm>
-          <a:prstGeom prst="rect">
-            <a:avLst/>
-          </a:prstGeom>
-          <a:noFill/>
-        </p:spPr>
-        <p:txBody>
-          <a:bodyPr wrap="none">
-            <a:spAutoFit/>
-          </a:bodyPr>
-          <a:lstStyle/>
-          <a:p/>
+            <a:off x="1111250" y="5598583"/>
+            <a:ext cx="1447800" cy="215900"/>
+          </a:xfrm>
+          <a:prstGeom prst="rect">
+            <a:avLst/>
+          </a:prstGeom>
+          <a:noFill/>
+        </p:spPr>
+        <p:txBody>
+          <a:bodyPr wrap="none" anchor="ctr">
+            <a:spAutoFit/>
+          </a:bodyPr>
+          <a:lstStyle/>
           <a:p>
             <a:pPr>
               <a:defRPr sz="1000"/>
@@ -8954,20 +8773,19 @@
         </p:nvSpPr>
         <p:spPr>
           <a:xfrm>
-            <a:off x="3266440" y="5374640"/>
-            <a:ext cx="660400" cy="107950"/>
-          </a:xfrm>
-          <a:prstGeom prst="rect">
-            <a:avLst/>
-          </a:prstGeom>
-          <a:noFill/>
-        </p:spPr>
-        <p:txBody>
-          <a:bodyPr wrap="none">
-            <a:spAutoFit/>
-          </a:bodyPr>
-          <a:lstStyle/>
-          <a:p/>
+            <a:off x="3402541" y="5598583"/>
+            <a:ext cx="1320800" cy="215900"/>
+          </a:xfrm>
+          <a:prstGeom prst="rect">
+            <a:avLst/>
+          </a:prstGeom>
+          <a:noFill/>
+        </p:spPr>
+        <p:txBody>
+          <a:bodyPr wrap="none" anchor="ctr">
+            <a:spAutoFit/>
+          </a:bodyPr>
+          <a:lstStyle/>
           <a:p>
             <a:pPr>
               <a:defRPr sz="1000"/>
@@ -8986,20 +8804,19 @@
         </p:nvSpPr>
         <p:spPr>
           <a:xfrm>
-            <a:off x="3870960" y="5374640"/>
-            <a:ext cx="463550" cy="107950"/>
-          </a:xfrm>
-          <a:prstGeom prst="rect">
-            <a:avLst/>
-          </a:prstGeom>
-          <a:noFill/>
-        </p:spPr>
-        <p:txBody>
-          <a:bodyPr wrap="none">
-            <a:spAutoFit/>
-          </a:bodyPr>
-          <a:lstStyle/>
-          <a:p/>
+            <a:off x="4032250" y="5598583"/>
+            <a:ext cx="927100" cy="215900"/>
+          </a:xfrm>
+          <a:prstGeom prst="rect">
+            <a:avLst/>
+          </a:prstGeom>
+          <a:noFill/>
+        </p:spPr>
+        <p:txBody>
+          <a:bodyPr wrap="none" anchor="ctr">
+            <a:spAutoFit/>
+          </a:bodyPr>
+          <a:lstStyle/>
           <a:p>
             <a:pPr>
               <a:defRPr sz="1000"/>
@@ -9018,20 +8835,19 @@
         </p:nvSpPr>
         <p:spPr>
           <a:xfrm>
-            <a:off x="4302760" y="5374640"/>
-            <a:ext cx="482600" cy="107950"/>
-          </a:xfrm>
-          <a:prstGeom prst="rect">
-            <a:avLst/>
-          </a:prstGeom>
-          <a:noFill/>
-        </p:spPr>
-        <p:txBody>
-          <a:bodyPr wrap="none">
-            <a:spAutoFit/>
-          </a:bodyPr>
-          <a:lstStyle/>
-          <a:p/>
+            <a:off x="4482041" y="5598583"/>
+            <a:ext cx="965200" cy="215900"/>
+          </a:xfrm>
+          <a:prstGeom prst="rect">
+            <a:avLst/>
+          </a:prstGeom>
+          <a:noFill/>
+        </p:spPr>
+        <p:txBody>
+          <a:bodyPr wrap="none" anchor="ctr">
+            <a:spAutoFit/>
+          </a:bodyPr>
+          <a:lstStyle/>
           <a:p>
             <a:pPr>
               <a:defRPr sz="1000"/>
@@ -9050,20 +8866,19 @@
         </p:nvSpPr>
         <p:spPr>
           <a:xfrm>
-            <a:off x="4704080" y="5374640"/>
-            <a:ext cx="647700" cy="107950"/>
-          </a:xfrm>
-          <a:prstGeom prst="rect">
-            <a:avLst/>
-          </a:prstGeom>
-          <a:noFill/>
-        </p:spPr>
-        <p:txBody>
-          <a:bodyPr wrap="none">
-            <a:spAutoFit/>
-          </a:bodyPr>
-          <a:lstStyle/>
-          <a:p/>
+            <a:off x="4900083" y="5598583"/>
+            <a:ext cx="1295400" cy="215900"/>
+          </a:xfrm>
+          <a:prstGeom prst="rect">
+            <a:avLst/>
+          </a:prstGeom>
+          <a:noFill/>
+        </p:spPr>
+        <p:txBody>
+          <a:bodyPr wrap="none" anchor="ctr">
+            <a:spAutoFit/>
+          </a:bodyPr>
+          <a:lstStyle/>
           <a:p>
             <a:pPr>
               <a:defRPr sz="1000"/>
@@ -9082,20 +8897,19 @@
         </p:nvSpPr>
         <p:spPr>
           <a:xfrm>
-            <a:off x="3241040" y="5664200"/>
-            <a:ext cx="590550" cy="107950"/>
-          </a:xfrm>
-          <a:prstGeom prst="rect">
-            <a:avLst/>
-          </a:prstGeom>
-          <a:noFill/>
-        </p:spPr>
-        <p:txBody>
-          <a:bodyPr wrap="none">
-            <a:spAutoFit/>
-          </a:bodyPr>
-          <a:lstStyle/>
-          <a:p/>
+            <a:off x="3376083" y="5900208"/>
+            <a:ext cx="1181100" cy="215900"/>
+          </a:xfrm>
+          <a:prstGeom prst="rect">
+            <a:avLst/>
+          </a:prstGeom>
+          <a:noFill/>
+        </p:spPr>
+        <p:txBody>
+          <a:bodyPr wrap="none" anchor="ctr">
+            <a:spAutoFit/>
+          </a:bodyPr>
+          <a:lstStyle/>
           <a:p>
             <a:pPr>
               <a:defRPr sz="1000"/>
@@ -9114,20 +8928,19 @@
         </p:nvSpPr>
         <p:spPr>
           <a:xfrm>
-            <a:off x="3728720" y="5664200"/>
-            <a:ext cx="679450" cy="107950"/>
-          </a:xfrm>
-          <a:prstGeom prst="rect">
-            <a:avLst/>
-          </a:prstGeom>
-          <a:noFill/>
-        </p:spPr>
-        <p:txBody>
-          <a:bodyPr wrap="none">
-            <a:spAutoFit/>
-          </a:bodyPr>
-          <a:lstStyle/>
-          <a:p/>
+            <a:off x="3884083" y="5900208"/>
+            <a:ext cx="1358900" cy="215900"/>
+          </a:xfrm>
+          <a:prstGeom prst="rect">
+            <a:avLst/>
+          </a:prstGeom>
+          <a:noFill/>
+        </p:spPr>
+        <p:txBody>
+          <a:bodyPr wrap="none" anchor="ctr">
+            <a:spAutoFit/>
+          </a:bodyPr>
+          <a:lstStyle/>
           <a:p>
             <a:pPr>
               <a:defRPr sz="1000"/>
@@ -9146,20 +8959,19 @@
         </p:nvSpPr>
         <p:spPr>
           <a:xfrm>
-            <a:off x="4287520" y="5659120"/>
-            <a:ext cx="228600" cy="127000"/>
-          </a:xfrm>
-          <a:prstGeom prst="rect">
-            <a:avLst/>
-          </a:prstGeom>
-          <a:noFill/>
-        </p:spPr>
-        <p:txBody>
-          <a:bodyPr wrap="none">
-            <a:spAutoFit/>
-          </a:bodyPr>
-          <a:lstStyle/>
-          <a:p/>
+            <a:off x="4466166" y="5894916"/>
+            <a:ext cx="457200" cy="254000"/>
+          </a:xfrm>
+          <a:prstGeom prst="rect">
+            <a:avLst/>
+          </a:prstGeom>
+          <a:noFill/>
+        </p:spPr>
+        <p:txBody>
+          <a:bodyPr wrap="none" anchor="ctr">
+            <a:spAutoFit/>
+          </a:bodyPr>
+          <a:lstStyle/>
           <a:p>
             <a:pPr>
               <a:defRPr sz="1000"/>
@@ -9178,20 +8990,19 @@
         </p:nvSpPr>
         <p:spPr>
           <a:xfrm>
-            <a:off x="162560" y="5542280"/>
-            <a:ext cx="444500" cy="114300"/>
-          </a:xfrm>
-          <a:prstGeom prst="rect">
-            <a:avLst/>
-          </a:prstGeom>
-          <a:noFill/>
-        </p:spPr>
-        <p:txBody>
-          <a:bodyPr wrap="none">
-            <a:spAutoFit/>
-          </a:bodyPr>
-          <a:lstStyle/>
-          <a:p/>
+            <a:off x="169333" y="5773208"/>
+            <a:ext cx="889000" cy="228600"/>
+          </a:xfrm>
+          <a:prstGeom prst="rect">
+            <a:avLst/>
+          </a:prstGeom>
+          <a:noFill/>
+        </p:spPr>
+        <p:txBody>
+          <a:bodyPr wrap="none" anchor="ctr">
+            <a:spAutoFit/>
+          </a:bodyPr>
+          <a:lstStyle/>
           <a:p>
             <a:pPr>
               <a:defRPr sz="1000"/>
@@ -9210,20 +9021,19 @@
         </p:nvSpPr>
         <p:spPr>
           <a:xfrm>
-            <a:off x="619760" y="5542280"/>
-            <a:ext cx="438150" cy="114300"/>
-          </a:xfrm>
-          <a:prstGeom prst="rect">
-            <a:avLst/>
-          </a:prstGeom>
-          <a:noFill/>
-        </p:spPr>
-        <p:txBody>
-          <a:bodyPr wrap="none">
-            <a:spAutoFit/>
-          </a:bodyPr>
-          <a:lstStyle/>
-          <a:p/>
+            <a:off x="645583" y="5773208"/>
+            <a:ext cx="876300" cy="228600"/>
+          </a:xfrm>
+          <a:prstGeom prst="rect">
+            <a:avLst/>
+          </a:prstGeom>
+          <a:noFill/>
+        </p:spPr>
+        <p:txBody>
+          <a:bodyPr wrap="none" anchor="ctr">
+            <a:spAutoFit/>
+          </a:bodyPr>
+          <a:lstStyle/>
           <a:p>
             <a:pPr>
               <a:defRPr sz="1000"/>
@@ -9242,20 +9052,19 @@
         </p:nvSpPr>
         <p:spPr>
           <a:xfrm>
-            <a:off x="1082040" y="5542280"/>
-            <a:ext cx="292100" cy="114300"/>
-          </a:xfrm>
-          <a:prstGeom prst="rect">
-            <a:avLst/>
-          </a:prstGeom>
-          <a:noFill/>
-        </p:spPr>
-        <p:txBody>
-          <a:bodyPr wrap="none">
-            <a:spAutoFit/>
-          </a:bodyPr>
-          <a:lstStyle/>
-          <a:p/>
+            <a:off x="1127125" y="5773208"/>
+            <a:ext cx="584200" cy="228600"/>
+          </a:xfrm>
+          <a:prstGeom prst="rect">
+            <a:avLst/>
+          </a:prstGeom>
+          <a:noFill/>
+        </p:spPr>
+        <p:txBody>
+          <a:bodyPr wrap="none" anchor="ctr">
+            <a:spAutoFit/>
+          </a:bodyPr>
+          <a:lstStyle/>
           <a:p>
             <a:pPr>
               <a:defRPr sz="1000"/>
@@ -9274,20 +9083,19 @@
         </p:nvSpPr>
         <p:spPr>
           <a:xfrm>
-            <a:off x="1341120" y="5547360"/>
-            <a:ext cx="1155700" cy="107950"/>
-          </a:xfrm>
-          <a:prstGeom prst="rect">
-            <a:avLst/>
-          </a:prstGeom>
-          <a:noFill/>
-        </p:spPr>
-        <p:txBody>
-          <a:bodyPr wrap="none">
-            <a:spAutoFit/>
-          </a:bodyPr>
-          <a:lstStyle/>
-          <a:p/>
+            <a:off x="1397000" y="5778500"/>
+            <a:ext cx="2311400" cy="215900"/>
+          </a:xfrm>
+          <a:prstGeom prst="rect">
+            <a:avLst/>
+          </a:prstGeom>
+          <a:noFill/>
+        </p:spPr>
+        <p:txBody>
+          <a:bodyPr wrap="none" anchor="ctr">
+            <a:spAutoFit/>
+          </a:bodyPr>
+          <a:lstStyle/>
           <a:p>
             <a:pPr>
               <a:defRPr sz="1000"/>
@@ -9306,20 +9114,19 @@
         </p:nvSpPr>
         <p:spPr>
           <a:xfrm>
-            <a:off x="4429760" y="5542280"/>
-            <a:ext cx="292100" cy="114300"/>
-          </a:xfrm>
-          <a:prstGeom prst="rect">
-            <a:avLst/>
-          </a:prstGeom>
-          <a:noFill/>
-        </p:spPr>
-        <p:txBody>
-          <a:bodyPr wrap="none">
-            <a:spAutoFit/>
-          </a:bodyPr>
-          <a:lstStyle/>
-          <a:p/>
+            <a:off x="4614333" y="5773208"/>
+            <a:ext cx="584200" cy="228600"/>
+          </a:xfrm>
+          <a:prstGeom prst="rect">
+            <a:avLst/>
+          </a:prstGeom>
+          <a:noFill/>
+        </p:spPr>
+        <p:txBody>
+          <a:bodyPr wrap="none" anchor="ctr">
+            <a:spAutoFit/>
+          </a:bodyPr>
+          <a:lstStyle/>
           <a:p>
             <a:pPr>
               <a:defRPr sz="1000"/>
@@ -9338,20 +9145,19 @@
         </p:nvSpPr>
         <p:spPr>
           <a:xfrm>
-            <a:off x="4775200" y="5547360"/>
-            <a:ext cx="558800" cy="120650"/>
-          </a:xfrm>
-          <a:prstGeom prst="rect">
-            <a:avLst/>
-          </a:prstGeom>
-          <a:noFill/>
-        </p:spPr>
-        <p:txBody>
-          <a:bodyPr wrap="none">
-            <a:spAutoFit/>
-          </a:bodyPr>
-          <a:lstStyle/>
-          <a:p/>
+            <a:off x="4974166" y="5778500"/>
+            <a:ext cx="1117600" cy="241300"/>
+          </a:xfrm>
+          <a:prstGeom prst="rect">
+            <a:avLst/>
+          </a:prstGeom>
+          <a:noFill/>
+        </p:spPr>
+        <p:txBody>
+          <a:bodyPr wrap="none" anchor="ctr">
+            <a:spAutoFit/>
+          </a:bodyPr>
+          <a:lstStyle/>
           <a:p>
             <a:pPr>
               <a:defRPr sz="1000"/>
@@ -9370,20 +9176,19 @@
         </p:nvSpPr>
         <p:spPr>
           <a:xfrm>
-            <a:off x="1082040" y="5664200"/>
-            <a:ext cx="793750" cy="107950"/>
-          </a:xfrm>
-          <a:prstGeom prst="rect">
-            <a:avLst/>
-          </a:prstGeom>
-          <a:noFill/>
-        </p:spPr>
-        <p:txBody>
-          <a:bodyPr wrap="none">
-            <a:spAutoFit/>
-          </a:bodyPr>
-          <a:lstStyle/>
-          <a:p/>
+            <a:off x="1127125" y="5900208"/>
+            <a:ext cx="1587500" cy="215900"/>
+          </a:xfrm>
+          <a:prstGeom prst="rect">
+            <a:avLst/>
+          </a:prstGeom>
+          <a:noFill/>
+        </p:spPr>
+        <p:txBody>
+          <a:bodyPr wrap="none" anchor="ctr">
+            <a:spAutoFit/>
+          </a:bodyPr>
+          <a:lstStyle/>
           <a:p>
             <a:pPr>
               <a:defRPr sz="1000"/>
@@ -9402,20 +9207,19 @@
         </p:nvSpPr>
         <p:spPr>
           <a:xfrm>
-            <a:off x="1082040" y="5775960"/>
-            <a:ext cx="1263650" cy="107950"/>
-          </a:xfrm>
-          <a:prstGeom prst="rect">
-            <a:avLst/>
-          </a:prstGeom>
-          <a:noFill/>
-        </p:spPr>
-        <p:txBody>
-          <a:bodyPr wrap="none">
-            <a:spAutoFit/>
-          </a:bodyPr>
-          <a:lstStyle/>
-          <a:p/>
+            <a:off x="1127125" y="6016625"/>
+            <a:ext cx="2527300" cy="215900"/>
+          </a:xfrm>
+          <a:prstGeom prst="rect">
+            <a:avLst/>
+          </a:prstGeom>
+          <a:noFill/>
+        </p:spPr>
+        <p:txBody>
+          <a:bodyPr wrap="none" anchor="ctr">
+            <a:spAutoFit/>
+          </a:bodyPr>
+          <a:lstStyle/>
           <a:p>
             <a:pPr>
               <a:defRPr sz="1000"/>
@@ -9434,20 +9238,19 @@
         </p:nvSpPr>
         <p:spPr>
           <a:xfrm>
-            <a:off x="1071880" y="5877560"/>
-            <a:ext cx="1898650" cy="139700"/>
-          </a:xfrm>
-          <a:prstGeom prst="rect">
-            <a:avLst/>
-          </a:prstGeom>
-          <a:noFill/>
-        </p:spPr>
-        <p:txBody>
-          <a:bodyPr wrap="none">
-            <a:spAutoFit/>
-          </a:bodyPr>
-          <a:lstStyle/>
-          <a:p/>
+            <a:off x="1116541" y="6122458"/>
+            <a:ext cx="3797300" cy="279400"/>
+          </a:xfrm>
+          <a:prstGeom prst="rect">
+            <a:avLst/>
+          </a:prstGeom>
+          <a:noFill/>
+        </p:spPr>
+        <p:txBody>
+          <a:bodyPr wrap="none" anchor="ctr">
+            <a:spAutoFit/>
+          </a:bodyPr>
+          <a:lstStyle/>
           <a:p>
             <a:pPr>
               <a:defRPr sz="1000"/>
@@ -9466,20 +9269,19 @@
         </p:nvSpPr>
         <p:spPr>
           <a:xfrm>
-            <a:off x="1071880" y="5994400"/>
-            <a:ext cx="285750" cy="120650"/>
-          </a:xfrm>
-          <a:prstGeom prst="rect">
-            <a:avLst/>
-          </a:prstGeom>
-          <a:noFill/>
-        </p:spPr>
-        <p:txBody>
-          <a:bodyPr wrap="none">
-            <a:spAutoFit/>
-          </a:bodyPr>
-          <a:lstStyle/>
-          <a:p/>
+            <a:off x="1116541" y="6244166"/>
+            <a:ext cx="571500" cy="241300"/>
+          </a:xfrm>
+          <a:prstGeom prst="rect">
+            <a:avLst/>
+          </a:prstGeom>
+          <a:noFill/>
+        </p:spPr>
+        <p:txBody>
+          <a:bodyPr wrap="none" anchor="ctr">
+            <a:spAutoFit/>
+          </a:bodyPr>
+          <a:lstStyle/>
           <a:p>
             <a:pPr>
               <a:defRPr sz="1000"/>
@@ -9498,20 +9300,19 @@
         </p:nvSpPr>
         <p:spPr>
           <a:xfrm>
-            <a:off x="1315720" y="6004560"/>
-            <a:ext cx="609600" cy="107950"/>
-          </a:xfrm>
-          <a:prstGeom prst="rect">
-            <a:avLst/>
-          </a:prstGeom>
-          <a:noFill/>
-        </p:spPr>
-        <p:txBody>
-          <a:bodyPr wrap="none">
-            <a:spAutoFit/>
-          </a:bodyPr>
-          <a:lstStyle/>
-          <a:p/>
+            <a:off x="1370541" y="6254750"/>
+            <a:ext cx="1219200" cy="215900"/>
+          </a:xfrm>
+          <a:prstGeom prst="rect">
+            <a:avLst/>
+          </a:prstGeom>
+          <a:noFill/>
+        </p:spPr>
+        <p:txBody>
+          <a:bodyPr wrap="none" anchor="ctr">
+            <a:spAutoFit/>
+          </a:bodyPr>
+          <a:lstStyle/>
           <a:p>
             <a:pPr>
               <a:defRPr sz="1000"/>
@@ -9530,20 +9331,19 @@
         </p:nvSpPr>
         <p:spPr>
           <a:xfrm>
-            <a:off x="1818639" y="5989320"/>
-            <a:ext cx="806450" cy="133350"/>
-          </a:xfrm>
-          <a:prstGeom prst="rect">
-            <a:avLst/>
-          </a:prstGeom>
-          <a:noFill/>
-        </p:spPr>
-        <p:txBody>
-          <a:bodyPr wrap="none">
-            <a:spAutoFit/>
-          </a:bodyPr>
-          <a:lstStyle/>
-          <a:p/>
+            <a:off x="1894416" y="6238875"/>
+            <a:ext cx="1612900" cy="266700"/>
+          </a:xfrm>
+          <a:prstGeom prst="rect">
+            <a:avLst/>
+          </a:prstGeom>
+          <a:noFill/>
+        </p:spPr>
+        <p:txBody>
+          <a:bodyPr wrap="none" anchor="ctr">
+            <a:spAutoFit/>
+          </a:bodyPr>
+          <a:lstStyle/>
           <a:p>
             <a:pPr>
               <a:defRPr sz="1000"/>
@@ -9562,20 +9362,19 @@
         </p:nvSpPr>
         <p:spPr>
           <a:xfrm>
-            <a:off x="2489200" y="5994400"/>
-            <a:ext cx="647700" cy="120650"/>
-          </a:xfrm>
-          <a:prstGeom prst="rect">
-            <a:avLst/>
-          </a:prstGeom>
-          <a:noFill/>
-        </p:spPr>
-        <p:txBody>
-          <a:bodyPr wrap="none">
-            <a:spAutoFit/>
-          </a:bodyPr>
-          <a:lstStyle/>
-          <a:p/>
+            <a:off x="2592916" y="6244166"/>
+            <a:ext cx="1295400" cy="241300"/>
+          </a:xfrm>
+          <a:prstGeom prst="rect">
+            <a:avLst/>
+          </a:prstGeom>
+          <a:noFill/>
+        </p:spPr>
+        <p:txBody>
+          <a:bodyPr wrap="none" anchor="ctr">
+            <a:spAutoFit/>
+          </a:bodyPr>
+          <a:lstStyle/>
           <a:p>
             <a:pPr>
               <a:defRPr sz="1000"/>
@@ -9594,20 +9393,19 @@
         </p:nvSpPr>
         <p:spPr>
           <a:xfrm>
-            <a:off x="1071880" y="6233160"/>
-            <a:ext cx="298450" cy="114300"/>
-          </a:xfrm>
-          <a:prstGeom prst="rect">
-            <a:avLst/>
-          </a:prstGeom>
-          <a:noFill/>
-        </p:spPr>
-        <p:txBody>
-          <a:bodyPr wrap="none">
-            <a:spAutoFit/>
-          </a:bodyPr>
-          <a:lstStyle/>
-          <a:p/>
+            <a:off x="1116541" y="6492875"/>
+            <a:ext cx="596900" cy="228600"/>
+          </a:xfrm>
+          <a:prstGeom prst="rect">
+            <a:avLst/>
+          </a:prstGeom>
+          <a:noFill/>
+        </p:spPr>
+        <p:txBody>
+          <a:bodyPr wrap="none" anchor="ctr">
+            <a:spAutoFit/>
+          </a:bodyPr>
+          <a:lstStyle/>
           <a:p>
             <a:pPr>
               <a:defRPr sz="1000"/>
@@ -9626,20 +9424,19 @@
         </p:nvSpPr>
         <p:spPr>
           <a:xfrm>
-            <a:off x="1310640" y="6233160"/>
-            <a:ext cx="222250" cy="114300"/>
-          </a:xfrm>
-          <a:prstGeom prst="rect">
-            <a:avLst/>
-          </a:prstGeom>
-          <a:noFill/>
-        </p:spPr>
-        <p:txBody>
-          <a:bodyPr wrap="none">
-            <a:spAutoFit/>
-          </a:bodyPr>
-          <a:lstStyle/>
-          <a:p/>
+            <a:off x="1365250" y="6492875"/>
+            <a:ext cx="444500" cy="228600"/>
+          </a:xfrm>
+          <a:prstGeom prst="rect">
+            <a:avLst/>
+          </a:prstGeom>
+          <a:noFill/>
+        </p:spPr>
+        <p:txBody>
+          <a:bodyPr wrap="none" anchor="ctr">
+            <a:spAutoFit/>
+          </a:bodyPr>
+          <a:lstStyle/>
           <a:p>
             <a:pPr>
               <a:defRPr sz="1000"/>
@@ -9658,20 +9455,19 @@
         </p:nvSpPr>
         <p:spPr>
           <a:xfrm>
-            <a:off x="1488440" y="6233160"/>
-            <a:ext cx="660400" cy="107950"/>
-          </a:xfrm>
-          <a:prstGeom prst="rect">
-            <a:avLst/>
-          </a:prstGeom>
-          <a:noFill/>
-        </p:spPr>
-        <p:txBody>
-          <a:bodyPr wrap="none">
-            <a:spAutoFit/>
-          </a:bodyPr>
-          <a:lstStyle/>
-          <a:p/>
+            <a:off x="1550458" y="6492875"/>
+            <a:ext cx="1320800" cy="215900"/>
+          </a:xfrm>
+          <a:prstGeom prst="rect">
+            <a:avLst/>
+          </a:prstGeom>
+          <a:noFill/>
+        </p:spPr>
+        <p:txBody>
+          <a:bodyPr wrap="none" anchor="ctr">
+            <a:spAutoFit/>
+          </a:bodyPr>
+          <a:lstStyle/>
           <a:p>
             <a:pPr>
               <a:defRPr sz="1000"/>
@@ -9690,20 +9486,19 @@
         </p:nvSpPr>
         <p:spPr>
           <a:xfrm>
-            <a:off x="2042160" y="6233160"/>
-            <a:ext cx="292100" cy="114300"/>
-          </a:xfrm>
-          <a:prstGeom prst="rect">
-            <a:avLst/>
-          </a:prstGeom>
-          <a:noFill/>
-        </p:spPr>
-        <p:txBody>
-          <a:bodyPr wrap="none">
-            <a:spAutoFit/>
-          </a:bodyPr>
-          <a:lstStyle/>
-          <a:p/>
+            <a:off x="2127250" y="6492875"/>
+            <a:ext cx="584200" cy="228600"/>
+          </a:xfrm>
+          <a:prstGeom prst="rect">
+            <a:avLst/>
+          </a:prstGeom>
+          <a:noFill/>
+        </p:spPr>
+        <p:txBody>
+          <a:bodyPr wrap="none" anchor="ctr">
+            <a:spAutoFit/>
+          </a:bodyPr>
+          <a:lstStyle/>
           <a:p>
             <a:pPr>
               <a:defRPr sz="1000"/>
@@ -9722,20 +9517,19 @@
         </p:nvSpPr>
         <p:spPr>
           <a:xfrm>
-            <a:off x="2286000" y="6233160"/>
-            <a:ext cx="279400" cy="114300"/>
-          </a:xfrm>
-          <a:prstGeom prst="rect">
-            <a:avLst/>
-          </a:prstGeom>
-          <a:noFill/>
-        </p:spPr>
-        <p:txBody>
-          <a:bodyPr wrap="none">
-            <a:spAutoFit/>
-          </a:bodyPr>
-          <a:lstStyle/>
-          <a:p/>
+            <a:off x="2381250" y="6492875"/>
+            <a:ext cx="558800" cy="228600"/>
+          </a:xfrm>
+          <a:prstGeom prst="rect">
+            <a:avLst/>
+          </a:prstGeom>
+          <a:noFill/>
+        </p:spPr>
+        <p:txBody>
+          <a:bodyPr wrap="none" anchor="ctr">
+            <a:spAutoFit/>
+          </a:bodyPr>
+          <a:lstStyle/>
           <a:p>
             <a:pPr>
               <a:defRPr sz="1000"/>
@@ -9754,20 +9548,19 @@
         </p:nvSpPr>
         <p:spPr>
           <a:xfrm>
-            <a:off x="2519680" y="6233160"/>
-            <a:ext cx="393700" cy="114300"/>
-          </a:xfrm>
-          <a:prstGeom prst="rect">
-            <a:avLst/>
-          </a:prstGeom>
-          <a:noFill/>
-        </p:spPr>
-        <p:txBody>
-          <a:bodyPr wrap="none">
-            <a:spAutoFit/>
-          </a:bodyPr>
-          <a:lstStyle/>
-          <a:p/>
+            <a:off x="2624666" y="6492875"/>
+            <a:ext cx="787400" cy="228600"/>
+          </a:xfrm>
+          <a:prstGeom prst="rect">
+            <a:avLst/>
+          </a:prstGeom>
+          <a:noFill/>
+        </p:spPr>
+        <p:txBody>
+          <a:bodyPr wrap="none" anchor="ctr">
+            <a:spAutoFit/>
+          </a:bodyPr>
+          <a:lstStyle/>
           <a:p>
             <a:pPr>
               <a:defRPr sz="1000"/>
@@ -9786,20 +9579,19 @@
         </p:nvSpPr>
         <p:spPr>
           <a:xfrm>
-            <a:off x="162560" y="6111240"/>
-            <a:ext cx="444500" cy="120650"/>
-          </a:xfrm>
-          <a:prstGeom prst="rect">
-            <a:avLst/>
-          </a:prstGeom>
-          <a:noFill/>
-        </p:spPr>
-        <p:txBody>
-          <a:bodyPr wrap="none">
-            <a:spAutoFit/>
-          </a:bodyPr>
-          <a:lstStyle/>
-          <a:p/>
+            <a:off x="169333" y="6365875"/>
+            <a:ext cx="889000" cy="241300"/>
+          </a:xfrm>
+          <a:prstGeom prst="rect">
+            <a:avLst/>
+          </a:prstGeom>
+          <a:noFill/>
+        </p:spPr>
+        <p:txBody>
+          <a:bodyPr wrap="none" anchor="ctr">
+            <a:spAutoFit/>
+          </a:bodyPr>
+          <a:lstStyle/>
           <a:p>
             <a:pPr>
               <a:defRPr sz="1000"/>
@@ -9818,20 +9610,19 @@
         </p:nvSpPr>
         <p:spPr>
           <a:xfrm>
-            <a:off x="609600" y="6111240"/>
-            <a:ext cx="450850" cy="120650"/>
-          </a:xfrm>
-          <a:prstGeom prst="rect">
-            <a:avLst/>
-          </a:prstGeom>
-          <a:noFill/>
-        </p:spPr>
-        <p:txBody>
-          <a:bodyPr wrap="none">
-            <a:spAutoFit/>
-          </a:bodyPr>
-          <a:lstStyle/>
-          <a:p/>
+            <a:off x="635000" y="6365875"/>
+            <a:ext cx="901700" cy="241300"/>
+          </a:xfrm>
+          <a:prstGeom prst="rect">
+            <a:avLst/>
+          </a:prstGeom>
+          <a:noFill/>
+        </p:spPr>
+        <p:txBody>
+          <a:bodyPr wrap="none" anchor="ctr">
+            <a:spAutoFit/>
+          </a:bodyPr>
+          <a:lstStyle/>
           <a:p>
             <a:pPr>
               <a:defRPr sz="1000"/>
@@ -9850,20 +9641,19 @@
         </p:nvSpPr>
         <p:spPr>
           <a:xfrm>
-            <a:off x="1082040" y="6106160"/>
-            <a:ext cx="215900" cy="146050"/>
-          </a:xfrm>
-          <a:prstGeom prst="rect">
-            <a:avLst/>
-          </a:prstGeom>
-          <a:noFill/>
-        </p:spPr>
-        <p:txBody>
-          <a:bodyPr wrap="none">
-            <a:spAutoFit/>
-          </a:bodyPr>
-          <a:lstStyle/>
-          <a:p/>
+            <a:off x="1127125" y="6360583"/>
+            <a:ext cx="431800" cy="292100"/>
+          </a:xfrm>
+          <a:prstGeom prst="rect">
+            <a:avLst/>
+          </a:prstGeom>
+          <a:noFill/>
+        </p:spPr>
+        <p:txBody>
+          <a:bodyPr wrap="none" anchor="ctr">
+            <a:spAutoFit/>
+          </a:bodyPr>
+          <a:lstStyle/>
           <a:p>
             <a:pPr>
               <a:defRPr sz="1000"/>
@@ -9882,20 +9672,19 @@
         </p:nvSpPr>
         <p:spPr>
           <a:xfrm>
-            <a:off x="1254760" y="6111240"/>
-            <a:ext cx="419100" cy="120650"/>
-          </a:xfrm>
-          <a:prstGeom prst="rect">
-            <a:avLst/>
-          </a:prstGeom>
-          <a:noFill/>
-        </p:spPr>
-        <p:txBody>
-          <a:bodyPr wrap="none">
-            <a:spAutoFit/>
-          </a:bodyPr>
-          <a:lstStyle/>
-          <a:p/>
+            <a:off x="1307041" y="6365875"/>
+            <a:ext cx="838200" cy="241300"/>
+          </a:xfrm>
+          <a:prstGeom prst="rect">
+            <a:avLst/>
+          </a:prstGeom>
+          <a:noFill/>
+        </p:spPr>
+        <p:txBody>
+          <a:bodyPr wrap="none" anchor="ctr">
+            <a:spAutoFit/>
+          </a:bodyPr>
+          <a:lstStyle/>
           <a:p>
             <a:pPr>
               <a:defRPr sz="1000"/>
@@ -9914,20 +9703,19 @@
         </p:nvSpPr>
         <p:spPr>
           <a:xfrm>
-            <a:off x="1610360" y="6111240"/>
-            <a:ext cx="361950" cy="120650"/>
-          </a:xfrm>
-          <a:prstGeom prst="rect">
-            <a:avLst/>
-          </a:prstGeom>
-          <a:noFill/>
-        </p:spPr>
-        <p:txBody>
-          <a:bodyPr wrap="none">
-            <a:spAutoFit/>
-          </a:bodyPr>
-          <a:lstStyle/>
-          <a:p/>
+            <a:off x="1677458" y="6365875"/>
+            <a:ext cx="723900" cy="241300"/>
+          </a:xfrm>
+          <a:prstGeom prst="rect">
+            <a:avLst/>
+          </a:prstGeom>
+          <a:noFill/>
+        </p:spPr>
+        <p:txBody>
+          <a:bodyPr wrap="none" anchor="ctr">
+            <a:spAutoFit/>
+          </a:bodyPr>
+          <a:lstStyle/>
           <a:p>
             <a:pPr>
               <a:defRPr sz="1000"/>
@@ -9946,20 +9734,19 @@
         </p:nvSpPr>
         <p:spPr>
           <a:xfrm>
-            <a:off x="4018279" y="6111240"/>
-            <a:ext cx="298450" cy="120650"/>
-          </a:xfrm>
-          <a:prstGeom prst="rect">
-            <a:avLst/>
-          </a:prstGeom>
-          <a:noFill/>
-        </p:spPr>
-        <p:txBody>
-          <a:bodyPr wrap="none">
-            <a:spAutoFit/>
-          </a:bodyPr>
-          <a:lstStyle/>
-          <a:p/>
+            <a:off x="4185708" y="6365875"/>
+            <a:ext cx="596900" cy="241300"/>
+          </a:xfrm>
+          <a:prstGeom prst="rect">
+            <a:avLst/>
+          </a:prstGeom>
+          <a:noFill/>
+        </p:spPr>
+        <p:txBody>
+          <a:bodyPr wrap="none" anchor="ctr">
+            <a:spAutoFit/>
+          </a:bodyPr>
+          <a:lstStyle/>
           <a:p>
             <a:pPr>
               <a:defRPr sz="1000"/>
@@ -9978,20 +9765,19 @@
         </p:nvSpPr>
         <p:spPr>
           <a:xfrm>
-            <a:off x="4775200" y="6111240"/>
-            <a:ext cx="558800" cy="120650"/>
-          </a:xfrm>
-          <a:prstGeom prst="rect">
-            <a:avLst/>
-          </a:prstGeom>
-          <a:noFill/>
-        </p:spPr>
-        <p:txBody>
-          <a:bodyPr wrap="none">
-            <a:spAutoFit/>
-          </a:bodyPr>
-          <a:lstStyle/>
-          <a:p/>
+            <a:off x="4974166" y="6365875"/>
+            <a:ext cx="1117600" cy="241300"/>
+          </a:xfrm>
+          <a:prstGeom prst="rect">
+            <a:avLst/>
+          </a:prstGeom>
+          <a:noFill/>
+        </p:spPr>
+        <p:txBody>
+          <a:bodyPr wrap="none" anchor="ctr">
+            <a:spAutoFit/>
+          </a:bodyPr>
+          <a:lstStyle/>
           <a:p>
             <a:pPr>
               <a:defRPr sz="1000"/>
@@ -10010,20 +9796,19 @@
         </p:nvSpPr>
         <p:spPr>
           <a:xfrm>
-            <a:off x="5608320" y="6111240"/>
-            <a:ext cx="552450" cy="120650"/>
-          </a:xfrm>
-          <a:prstGeom prst="rect">
-            <a:avLst/>
-          </a:prstGeom>
-          <a:noFill/>
-        </p:spPr>
-        <p:txBody>
-          <a:bodyPr wrap="none">
-            <a:spAutoFit/>
-          </a:bodyPr>
-          <a:lstStyle/>
-          <a:p/>
+            <a:off x="5842000" y="6365875"/>
+            <a:ext cx="1104900" cy="241300"/>
+          </a:xfrm>
+          <a:prstGeom prst="rect">
+            <a:avLst/>
+          </a:prstGeom>
+          <a:noFill/>
+        </p:spPr>
+        <p:txBody>
+          <a:bodyPr wrap="none" anchor="ctr">
+            <a:spAutoFit/>
+          </a:bodyPr>
+          <a:lstStyle/>
           <a:p>
             <a:pPr>
               <a:defRPr sz="1000"/>
@@ -10042,20 +9827,19 @@
         </p:nvSpPr>
         <p:spPr>
           <a:xfrm>
-            <a:off x="3241040" y="6233160"/>
-            <a:ext cx="590550" cy="107950"/>
-          </a:xfrm>
-          <a:prstGeom prst="rect">
-            <a:avLst/>
-          </a:prstGeom>
-          <a:noFill/>
-        </p:spPr>
-        <p:txBody>
-          <a:bodyPr wrap="none">
-            <a:spAutoFit/>
-          </a:bodyPr>
-          <a:lstStyle/>
-          <a:p/>
+            <a:off x="3376083" y="6492875"/>
+            <a:ext cx="1181100" cy="215900"/>
+          </a:xfrm>
+          <a:prstGeom prst="rect">
+            <a:avLst/>
+          </a:prstGeom>
+          <a:noFill/>
+        </p:spPr>
+        <p:txBody>
+          <a:bodyPr wrap="none" anchor="ctr">
+            <a:spAutoFit/>
+          </a:bodyPr>
+          <a:lstStyle/>
           <a:p>
             <a:pPr>
               <a:defRPr sz="1000"/>
@@ -10074,20 +9858,19 @@
         </p:nvSpPr>
         <p:spPr>
           <a:xfrm>
-            <a:off x="3901440" y="6233160"/>
-            <a:ext cx="342900" cy="114300"/>
-          </a:xfrm>
-          <a:prstGeom prst="rect">
-            <a:avLst/>
-          </a:prstGeom>
-          <a:noFill/>
-        </p:spPr>
-        <p:txBody>
-          <a:bodyPr wrap="none">
-            <a:spAutoFit/>
-          </a:bodyPr>
-          <a:lstStyle/>
-          <a:p/>
+            <a:off x="4064000" y="6492875"/>
+            <a:ext cx="685800" cy="228600"/>
+          </a:xfrm>
+          <a:prstGeom prst="rect">
+            <a:avLst/>
+          </a:prstGeom>
+          <a:noFill/>
+        </p:spPr>
+        <p:txBody>
+          <a:bodyPr wrap="none" anchor="ctr">
+            <a:spAutoFit/>
+          </a:bodyPr>
+          <a:lstStyle/>
           <a:p>
             <a:pPr>
               <a:defRPr sz="1000"/>
@@ -10106,20 +9889,19 @@
         </p:nvSpPr>
         <p:spPr>
           <a:xfrm>
-            <a:off x="137160" y="7655559"/>
-            <a:ext cx="158750" cy="146050"/>
-          </a:xfrm>
-          <a:prstGeom prst="rect">
-            <a:avLst/>
-          </a:prstGeom>
-          <a:noFill/>
-        </p:spPr>
-        <p:txBody>
-          <a:bodyPr wrap="none">
-            <a:spAutoFit/>
-          </a:bodyPr>
-          <a:lstStyle/>
-          <a:p/>
+            <a:off x="142875" y="7974541"/>
+            <a:ext cx="317500" cy="292100"/>
+          </a:xfrm>
+          <a:prstGeom prst="rect">
+            <a:avLst/>
+          </a:prstGeom>
+          <a:noFill/>
+        </p:spPr>
+        <p:txBody>
+          <a:bodyPr wrap="none" anchor="ctr">
+            <a:spAutoFit/>
+          </a:bodyPr>
+          <a:lstStyle/>
           <a:p>
             <a:pPr>
               <a:defRPr sz="1000"/>
@@ -10138,20 +9920,19 @@
         </p:nvSpPr>
         <p:spPr>
           <a:xfrm>
-            <a:off x="254000" y="7660640"/>
-            <a:ext cx="247650" cy="127000"/>
-          </a:xfrm>
-          <a:prstGeom prst="rect">
-            <a:avLst/>
-          </a:prstGeom>
-          <a:noFill/>
-        </p:spPr>
-        <p:txBody>
-          <a:bodyPr wrap="none">
-            <a:spAutoFit/>
-          </a:bodyPr>
-          <a:lstStyle/>
-          <a:p/>
+            <a:off x="264583" y="7979833"/>
+            <a:ext cx="495300" cy="254000"/>
+          </a:xfrm>
+          <a:prstGeom prst="rect">
+            <a:avLst/>
+          </a:prstGeom>
+          <a:noFill/>
+        </p:spPr>
+        <p:txBody>
+          <a:bodyPr wrap="none" anchor="ctr">
+            <a:spAutoFit/>
+          </a:bodyPr>
+          <a:lstStyle/>
           <a:p>
             <a:pPr>
               <a:defRPr sz="1000"/>
@@ -10170,20 +9951,19 @@
         </p:nvSpPr>
         <p:spPr>
           <a:xfrm>
-            <a:off x="452120" y="7660640"/>
-            <a:ext cx="234950" cy="127000"/>
-          </a:xfrm>
-          <a:prstGeom prst="rect">
-            <a:avLst/>
-          </a:prstGeom>
-          <a:noFill/>
-        </p:spPr>
-        <p:txBody>
-          <a:bodyPr wrap="none">
-            <a:spAutoFit/>
-          </a:bodyPr>
-          <a:lstStyle/>
-          <a:p/>
+            <a:off x="470958" y="7979833"/>
+            <a:ext cx="469900" cy="254000"/>
+          </a:xfrm>
+          <a:prstGeom prst="rect">
+            <a:avLst/>
+          </a:prstGeom>
+          <a:noFill/>
+        </p:spPr>
+        <p:txBody>
+          <a:bodyPr wrap="none" anchor="ctr">
+            <a:spAutoFit/>
+          </a:bodyPr>
+          <a:lstStyle/>
           <a:p>
             <a:pPr>
               <a:defRPr sz="1000"/>
@@ -10202,20 +9982,19 @@
         </p:nvSpPr>
         <p:spPr>
           <a:xfrm>
-            <a:off x="640080" y="7670800"/>
-            <a:ext cx="158750" cy="127000"/>
-          </a:xfrm>
-          <a:prstGeom prst="rect">
-            <a:avLst/>
-          </a:prstGeom>
-          <a:noFill/>
-        </p:spPr>
-        <p:txBody>
-          <a:bodyPr wrap="none">
-            <a:spAutoFit/>
-          </a:bodyPr>
-          <a:lstStyle/>
-          <a:p/>
+            <a:off x="666750" y="7990416"/>
+            <a:ext cx="317500" cy="254000"/>
+          </a:xfrm>
+          <a:prstGeom prst="rect">
+            <a:avLst/>
+          </a:prstGeom>
+          <a:noFill/>
+        </p:spPr>
+        <p:txBody>
+          <a:bodyPr wrap="none" anchor="ctr">
+            <a:spAutoFit/>
+          </a:bodyPr>
+          <a:lstStyle/>
           <a:p>
             <a:pPr>
               <a:defRPr sz="1000"/>
@@ -10234,20 +10013,19 @@
         </p:nvSpPr>
         <p:spPr>
           <a:xfrm>
-            <a:off x="751840" y="7655559"/>
-            <a:ext cx="127000" cy="146050"/>
-          </a:xfrm>
-          <a:prstGeom prst="rect">
-            <a:avLst/>
-          </a:prstGeom>
-          <a:noFill/>
-        </p:spPr>
-        <p:txBody>
-          <a:bodyPr wrap="none">
-            <a:spAutoFit/>
-          </a:bodyPr>
-          <a:lstStyle/>
-          <a:p/>
+            <a:off x="783166" y="7974541"/>
+            <a:ext cx="254000" cy="292100"/>
+          </a:xfrm>
+          <a:prstGeom prst="rect">
+            <a:avLst/>
+          </a:prstGeom>
+          <a:noFill/>
+        </p:spPr>
+        <p:txBody>
+          <a:bodyPr wrap="none" anchor="ctr">
+            <a:spAutoFit/>
+          </a:bodyPr>
+          <a:lstStyle/>
           <a:p>
             <a:pPr>
               <a:defRPr sz="1000"/>
@@ -10266,20 +10044,19 @@
         </p:nvSpPr>
         <p:spPr>
           <a:xfrm>
-            <a:off x="853440" y="7670800"/>
-            <a:ext cx="558800" cy="107950"/>
-          </a:xfrm>
-          <a:prstGeom prst="rect">
-            <a:avLst/>
-          </a:prstGeom>
-          <a:noFill/>
-        </p:spPr>
-        <p:txBody>
-          <a:bodyPr wrap="none">
-            <a:spAutoFit/>
-          </a:bodyPr>
-          <a:lstStyle/>
-          <a:p/>
+            <a:off x="889000" y="7990416"/>
+            <a:ext cx="1117600" cy="215900"/>
+          </a:xfrm>
+          <a:prstGeom prst="rect">
+            <a:avLst/>
+          </a:prstGeom>
+          <a:noFill/>
+        </p:spPr>
+        <p:txBody>
+          <a:bodyPr wrap="none" anchor="ctr">
+            <a:spAutoFit/>
+          </a:bodyPr>
+          <a:lstStyle/>
           <a:p>
             <a:pPr>
               <a:defRPr sz="1000"/>
@@ -10298,20 +10075,19 @@
         </p:nvSpPr>
         <p:spPr>
           <a:xfrm>
-            <a:off x="1300480" y="7675880"/>
-            <a:ext cx="209550" cy="127000"/>
-          </a:xfrm>
-          <a:prstGeom prst="rect">
-            <a:avLst/>
-          </a:prstGeom>
-          <a:noFill/>
-        </p:spPr>
-        <p:txBody>
-          <a:bodyPr wrap="none">
-            <a:spAutoFit/>
-          </a:bodyPr>
-          <a:lstStyle/>
-          <a:p/>
+            <a:off x="1354666" y="7995708"/>
+            <a:ext cx="419100" cy="254000"/>
+          </a:xfrm>
+          <a:prstGeom prst="rect">
+            <a:avLst/>
+          </a:prstGeom>
+          <a:noFill/>
+        </p:spPr>
+        <p:txBody>
+          <a:bodyPr wrap="none" anchor="ctr">
+            <a:spAutoFit/>
+          </a:bodyPr>
+          <a:lstStyle/>
           <a:p>
             <a:pPr>
               <a:defRPr sz="1000"/>
@@ -10330,20 +10106,19 @@
         </p:nvSpPr>
         <p:spPr>
           <a:xfrm>
-            <a:off x="1468120" y="7670800"/>
-            <a:ext cx="457200" cy="107950"/>
-          </a:xfrm>
-          <a:prstGeom prst="rect">
-            <a:avLst/>
-          </a:prstGeom>
-          <a:noFill/>
-        </p:spPr>
-        <p:txBody>
-          <a:bodyPr wrap="none">
-            <a:spAutoFit/>
-          </a:bodyPr>
-          <a:lstStyle/>
-          <a:p/>
+            <a:off x="1529291" y="7990416"/>
+            <a:ext cx="914400" cy="215900"/>
+          </a:xfrm>
+          <a:prstGeom prst="rect">
+            <a:avLst/>
+          </a:prstGeom>
+          <a:noFill/>
+        </p:spPr>
+        <p:txBody>
+          <a:bodyPr wrap="none" anchor="ctr">
+            <a:spAutoFit/>
+          </a:bodyPr>
+          <a:lstStyle/>
           <a:p>
             <a:pPr>
               <a:defRPr sz="1000"/>
@@ -10362,20 +10137,19 @@
         </p:nvSpPr>
         <p:spPr>
           <a:xfrm>
-            <a:off x="1833880" y="7660640"/>
-            <a:ext cx="425450" cy="146050"/>
-          </a:xfrm>
-          <a:prstGeom prst="rect">
-            <a:avLst/>
-          </a:prstGeom>
-          <a:noFill/>
-        </p:spPr>
-        <p:txBody>
-          <a:bodyPr wrap="none">
-            <a:spAutoFit/>
-          </a:bodyPr>
-          <a:lstStyle/>
-          <a:p/>
+            <a:off x="1910291" y="7979833"/>
+            <a:ext cx="850900" cy="292100"/>
+          </a:xfrm>
+          <a:prstGeom prst="rect">
+            <a:avLst/>
+          </a:prstGeom>
+          <a:noFill/>
+        </p:spPr>
+        <p:txBody>
+          <a:bodyPr wrap="none" anchor="ctr">
+            <a:spAutoFit/>
+          </a:bodyPr>
+          <a:lstStyle/>
           <a:p>
             <a:pPr>
               <a:defRPr sz="1000"/>
@@ -10394,20 +10168,19 @@
         </p:nvSpPr>
         <p:spPr>
           <a:xfrm>
-            <a:off x="2174240" y="7660640"/>
-            <a:ext cx="158750" cy="127000"/>
-          </a:xfrm>
-          <a:prstGeom prst="rect">
-            <a:avLst/>
-          </a:prstGeom>
-          <a:noFill/>
-        </p:spPr>
-        <p:txBody>
-          <a:bodyPr wrap="none">
-            <a:spAutoFit/>
-          </a:bodyPr>
-          <a:lstStyle/>
-          <a:p/>
+            <a:off x="2264833" y="7979833"/>
+            <a:ext cx="317500" cy="254000"/>
+          </a:xfrm>
+          <a:prstGeom prst="rect">
+            <a:avLst/>
+          </a:prstGeom>
+          <a:noFill/>
+        </p:spPr>
+        <p:txBody>
+          <a:bodyPr wrap="none" anchor="ctr">
+            <a:spAutoFit/>
+          </a:bodyPr>
+          <a:lstStyle/>
           <a:p>
             <a:pPr>
               <a:defRPr sz="1000"/>
@@ -10426,20 +10199,19 @@
         </p:nvSpPr>
         <p:spPr>
           <a:xfrm>
-            <a:off x="2301240" y="7670800"/>
-            <a:ext cx="469900" cy="107950"/>
-          </a:xfrm>
-          <a:prstGeom prst="rect">
-            <a:avLst/>
-          </a:prstGeom>
-          <a:noFill/>
-        </p:spPr>
-        <p:txBody>
-          <a:bodyPr wrap="none">
-            <a:spAutoFit/>
-          </a:bodyPr>
-          <a:lstStyle/>
-          <a:p/>
+            <a:off x="2397125" y="7990416"/>
+            <a:ext cx="939800" cy="215900"/>
+          </a:xfrm>
+          <a:prstGeom prst="rect">
+            <a:avLst/>
+          </a:prstGeom>
+          <a:noFill/>
+        </p:spPr>
+        <p:txBody>
+          <a:bodyPr wrap="none" anchor="ctr">
+            <a:spAutoFit/>
+          </a:bodyPr>
+          <a:lstStyle/>
           <a:p>
             <a:pPr>
               <a:defRPr sz="1000"/>
@@ -10458,20 +10230,19 @@
         </p:nvSpPr>
         <p:spPr>
           <a:xfrm>
-            <a:off x="2677160" y="7655559"/>
-            <a:ext cx="127000" cy="146050"/>
-          </a:xfrm>
-          <a:prstGeom prst="rect">
-            <a:avLst/>
-          </a:prstGeom>
-          <a:noFill/>
-        </p:spPr>
-        <p:txBody>
-          <a:bodyPr wrap="none">
-            <a:spAutoFit/>
-          </a:bodyPr>
-          <a:lstStyle/>
-          <a:p/>
+            <a:off x="2788708" y="7974541"/>
+            <a:ext cx="254000" cy="292100"/>
+          </a:xfrm>
+          <a:prstGeom prst="rect">
+            <a:avLst/>
+          </a:prstGeom>
+          <a:noFill/>
+        </p:spPr>
+        <p:txBody>
+          <a:bodyPr wrap="none" anchor="ctr">
+            <a:spAutoFit/>
+          </a:bodyPr>
+          <a:lstStyle/>
           <a:p>
             <a:pPr>
               <a:defRPr sz="1000"/>
@@ -10490,20 +10261,19 @@
         </p:nvSpPr>
         <p:spPr>
           <a:xfrm>
-            <a:off x="2778760" y="7660640"/>
-            <a:ext cx="393700" cy="120650"/>
-          </a:xfrm>
-          <a:prstGeom prst="rect">
-            <a:avLst/>
-          </a:prstGeom>
-          <a:noFill/>
-        </p:spPr>
-        <p:txBody>
-          <a:bodyPr wrap="none">
-            <a:spAutoFit/>
-          </a:bodyPr>
-          <a:lstStyle/>
-          <a:p/>
+            <a:off x="2894541" y="7979833"/>
+            <a:ext cx="787400" cy="241300"/>
+          </a:xfrm>
+          <a:prstGeom prst="rect">
+            <a:avLst/>
+          </a:prstGeom>
+          <a:noFill/>
+        </p:spPr>
+        <p:txBody>
+          <a:bodyPr wrap="none" anchor="ctr">
+            <a:spAutoFit/>
+          </a:bodyPr>
+          <a:lstStyle/>
           <a:p>
             <a:pPr>
               <a:defRPr sz="1000"/>
@@ -10522,20 +10292,19 @@
         </p:nvSpPr>
         <p:spPr>
           <a:xfrm>
-            <a:off x="3108960" y="7670800"/>
-            <a:ext cx="431800" cy="107950"/>
-          </a:xfrm>
-          <a:prstGeom prst="rect">
-            <a:avLst/>
-          </a:prstGeom>
-          <a:noFill/>
-        </p:spPr>
-        <p:txBody>
-          <a:bodyPr wrap="none">
-            <a:spAutoFit/>
-          </a:bodyPr>
-          <a:lstStyle/>
-          <a:p/>
+            <a:off x="3238500" y="7990416"/>
+            <a:ext cx="863600" cy="215900"/>
+          </a:xfrm>
+          <a:prstGeom prst="rect">
+            <a:avLst/>
+          </a:prstGeom>
+          <a:noFill/>
+        </p:spPr>
+        <p:txBody>
+          <a:bodyPr wrap="none" anchor="ctr">
+            <a:spAutoFit/>
+          </a:bodyPr>
+          <a:lstStyle/>
           <a:p>
             <a:pPr>
               <a:defRPr sz="1000"/>
@@ -10554,20 +10323,19 @@
         </p:nvSpPr>
         <p:spPr>
           <a:xfrm>
-            <a:off x="147320" y="7777480"/>
-            <a:ext cx="292100" cy="120650"/>
-          </a:xfrm>
-          <a:prstGeom prst="rect">
-            <a:avLst/>
-          </a:prstGeom>
-          <a:noFill/>
-        </p:spPr>
-        <p:txBody>
-          <a:bodyPr wrap="none">
-            <a:spAutoFit/>
-          </a:bodyPr>
-          <a:lstStyle/>
-          <a:p/>
+            <a:off x="153458" y="8101541"/>
+            <a:ext cx="584200" cy="241300"/>
+          </a:xfrm>
+          <a:prstGeom prst="rect">
+            <a:avLst/>
+          </a:prstGeom>
+          <a:noFill/>
+        </p:spPr>
+        <p:txBody>
+          <a:bodyPr wrap="none" anchor="ctr">
+            <a:spAutoFit/>
+          </a:bodyPr>
+          <a:lstStyle/>
           <a:p>
             <a:pPr>
               <a:defRPr sz="1000"/>
@@ -10586,20 +10354,19 @@
         </p:nvSpPr>
         <p:spPr>
           <a:xfrm>
-            <a:off x="381000" y="7772400"/>
-            <a:ext cx="469900" cy="146050"/>
-          </a:xfrm>
-          <a:prstGeom prst="rect">
-            <a:avLst/>
-          </a:prstGeom>
-          <a:noFill/>
-        </p:spPr>
-        <p:txBody>
-          <a:bodyPr wrap="none">
-            <a:spAutoFit/>
-          </a:bodyPr>
-          <a:lstStyle/>
-          <a:p/>
+            <a:off x="396875" y="8096250"/>
+            <a:ext cx="939800" cy="292100"/>
+          </a:xfrm>
+          <a:prstGeom prst="rect">
+            <a:avLst/>
+          </a:prstGeom>
+          <a:noFill/>
+        </p:spPr>
+        <p:txBody>
+          <a:bodyPr wrap="none" anchor="ctr">
+            <a:spAutoFit/>
+          </a:bodyPr>
+          <a:lstStyle/>
           <a:p>
             <a:pPr>
               <a:defRPr sz="1000"/>
@@ -10618,20 +10385,19 @@
         </p:nvSpPr>
         <p:spPr>
           <a:xfrm>
-            <a:off x="751840" y="7772400"/>
-            <a:ext cx="266700" cy="158750"/>
-          </a:xfrm>
-          <a:prstGeom prst="rect">
-            <a:avLst/>
-          </a:prstGeom>
-          <a:noFill/>
-        </p:spPr>
-        <p:txBody>
-          <a:bodyPr wrap="none">
-            <a:spAutoFit/>
-          </a:bodyPr>
-          <a:lstStyle/>
-          <a:p/>
+            <a:off x="783166" y="8096250"/>
+            <a:ext cx="533400" cy="317500"/>
+          </a:xfrm>
+          <a:prstGeom prst="rect">
+            <a:avLst/>
+          </a:prstGeom>
+          <a:noFill/>
+        </p:spPr>
+        <p:txBody>
+          <a:bodyPr wrap="none" anchor="ctr">
+            <a:spAutoFit/>
+          </a:bodyPr>
+          <a:lstStyle/>
           <a:p>
             <a:pPr>
               <a:defRPr sz="1000"/>
@@ -10650,20 +10416,19 @@
         </p:nvSpPr>
         <p:spPr>
           <a:xfrm>
-            <a:off x="980440" y="7777480"/>
-            <a:ext cx="666750" cy="120650"/>
-          </a:xfrm>
-          <a:prstGeom prst="rect">
-            <a:avLst/>
-          </a:prstGeom>
-          <a:noFill/>
-        </p:spPr>
-        <p:txBody>
-          <a:bodyPr wrap="none">
-            <a:spAutoFit/>
-          </a:bodyPr>
-          <a:lstStyle/>
-          <a:p/>
+            <a:off x="1021291" y="8101541"/>
+            <a:ext cx="1333500" cy="241300"/>
+          </a:xfrm>
+          <a:prstGeom prst="rect">
+            <a:avLst/>
+          </a:prstGeom>
+          <a:noFill/>
+        </p:spPr>
+        <p:txBody>
+          <a:bodyPr wrap="none" anchor="ctr">
+            <a:spAutoFit/>
+          </a:bodyPr>
+          <a:lstStyle/>
           <a:p>
             <a:pPr>
               <a:defRPr sz="1000"/>
@@ -10682,20 +10447,19 @@
         </p:nvSpPr>
         <p:spPr>
           <a:xfrm>
-            <a:off x="1524000" y="7772400"/>
-            <a:ext cx="171450" cy="139700"/>
-          </a:xfrm>
-          <a:prstGeom prst="rect">
-            <a:avLst/>
-          </a:prstGeom>
-          <a:noFill/>
-        </p:spPr>
-        <p:txBody>
-          <a:bodyPr wrap="none">
-            <a:spAutoFit/>
-          </a:bodyPr>
-          <a:lstStyle/>
-          <a:p/>
+            <a:off x="1587500" y="8096250"/>
+            <a:ext cx="342900" cy="279400"/>
+          </a:xfrm>
+          <a:prstGeom prst="rect">
+            <a:avLst/>
+          </a:prstGeom>
+          <a:noFill/>
+        </p:spPr>
+        <p:txBody>
+          <a:bodyPr wrap="none" anchor="ctr">
+            <a:spAutoFit/>
+          </a:bodyPr>
+          <a:lstStyle/>
           <a:p>
             <a:pPr>
               <a:defRPr sz="1000"/>
@@ -10714,20 +10478,19 @@
         </p:nvSpPr>
         <p:spPr>
           <a:xfrm>
-            <a:off x="1656080" y="7772400"/>
-            <a:ext cx="400050" cy="146050"/>
-          </a:xfrm>
-          <a:prstGeom prst="rect">
-            <a:avLst/>
-          </a:prstGeom>
-          <a:noFill/>
-        </p:spPr>
-        <p:txBody>
-          <a:bodyPr wrap="none">
-            <a:spAutoFit/>
-          </a:bodyPr>
-          <a:lstStyle/>
-          <a:p/>
+            <a:off x="1725083" y="8096250"/>
+            <a:ext cx="800100" cy="292100"/>
+          </a:xfrm>
+          <a:prstGeom prst="rect">
+            <a:avLst/>
+          </a:prstGeom>
+          <a:noFill/>
+        </p:spPr>
+        <p:txBody>
+          <a:bodyPr wrap="none" anchor="ctr">
+            <a:spAutoFit/>
+          </a:bodyPr>
+          <a:lstStyle/>
           <a:p>
             <a:pPr>
               <a:defRPr sz="1000"/>
@@ -10746,20 +10509,19 @@
         </p:nvSpPr>
         <p:spPr>
           <a:xfrm>
-            <a:off x="1971039" y="7772400"/>
-            <a:ext cx="558800" cy="146050"/>
-          </a:xfrm>
-          <a:prstGeom prst="rect">
-            <a:avLst/>
-          </a:prstGeom>
-          <a:noFill/>
-        </p:spPr>
-        <p:txBody>
-          <a:bodyPr wrap="none">
-            <a:spAutoFit/>
-          </a:bodyPr>
-          <a:lstStyle/>
-          <a:p/>
+            <a:off x="2053166" y="8096250"/>
+            <a:ext cx="1117600" cy="292100"/>
+          </a:xfrm>
+          <a:prstGeom prst="rect">
+            <a:avLst/>
+          </a:prstGeom>
+          <a:noFill/>
+        </p:spPr>
+        <p:txBody>
+          <a:bodyPr wrap="none" anchor="ctr">
+            <a:spAutoFit/>
+          </a:bodyPr>
+          <a:lstStyle/>
           <a:p>
             <a:pPr>
               <a:defRPr sz="1000"/>
@@ -10778,20 +10540,19 @@
         </p:nvSpPr>
         <p:spPr>
           <a:xfrm>
-            <a:off x="2423160" y="7777480"/>
-            <a:ext cx="406400" cy="120650"/>
-          </a:xfrm>
-          <a:prstGeom prst="rect">
-            <a:avLst/>
-          </a:prstGeom>
-          <a:noFill/>
-        </p:spPr>
-        <p:txBody>
-          <a:bodyPr wrap="none">
-            <a:spAutoFit/>
-          </a:bodyPr>
-          <a:lstStyle/>
-          <a:p/>
+            <a:off x="2524125" y="8101541"/>
+            <a:ext cx="812800" cy="241300"/>
+          </a:xfrm>
+          <a:prstGeom prst="rect">
+            <a:avLst/>
+          </a:prstGeom>
+          <a:noFill/>
+        </p:spPr>
+        <p:txBody>
+          <a:bodyPr wrap="none" anchor="ctr">
+            <a:spAutoFit/>
+          </a:bodyPr>
+          <a:lstStyle/>
           <a:p>
             <a:pPr>
               <a:defRPr sz="1000"/>
@@ -10810,20 +10571,19 @@
         </p:nvSpPr>
         <p:spPr>
           <a:xfrm>
-            <a:off x="2763520" y="7777480"/>
-            <a:ext cx="647700" cy="120650"/>
-          </a:xfrm>
-          <a:prstGeom prst="rect">
-            <a:avLst/>
-          </a:prstGeom>
-          <a:noFill/>
-        </p:spPr>
-        <p:txBody>
-          <a:bodyPr wrap="none">
-            <a:spAutoFit/>
-          </a:bodyPr>
-          <a:lstStyle/>
-          <a:p/>
+            <a:off x="2878666" y="8101541"/>
+            <a:ext cx="1295400" cy="241300"/>
+          </a:xfrm>
+          <a:prstGeom prst="rect">
+            <a:avLst/>
+          </a:prstGeom>
+          <a:noFill/>
+        </p:spPr>
+        <p:txBody>
+          <a:bodyPr wrap="none" anchor="ctr">
+            <a:spAutoFit/>
+          </a:bodyPr>
+          <a:lstStyle/>
           <a:p>
             <a:pPr>
               <a:defRPr sz="1000"/>
@@ -10842,20 +10602,19 @@
         </p:nvSpPr>
         <p:spPr>
           <a:xfrm>
-            <a:off x="3291840" y="7777480"/>
-            <a:ext cx="304800" cy="120650"/>
-          </a:xfrm>
-          <a:prstGeom prst="rect">
-            <a:avLst/>
-          </a:prstGeom>
-          <a:noFill/>
-        </p:spPr>
-        <p:txBody>
-          <a:bodyPr wrap="none">
-            <a:spAutoFit/>
-          </a:bodyPr>
-          <a:lstStyle/>
-          <a:p/>
+            <a:off x="3429000" y="8101541"/>
+            <a:ext cx="609600" cy="241300"/>
+          </a:xfrm>
+          <a:prstGeom prst="rect">
+            <a:avLst/>
+          </a:prstGeom>
+          <a:noFill/>
+        </p:spPr>
+        <p:txBody>
+          <a:bodyPr wrap="none" anchor="ctr">
+            <a:spAutoFit/>
+          </a:bodyPr>
+          <a:lstStyle/>
           <a:p>
             <a:pPr>
               <a:defRPr sz="1000"/>
@@ -10874,20 +10633,19 @@
         </p:nvSpPr>
         <p:spPr>
           <a:xfrm>
-            <a:off x="3540760" y="7777480"/>
-            <a:ext cx="425450" cy="120650"/>
-          </a:xfrm>
-          <a:prstGeom prst="rect">
-            <a:avLst/>
-          </a:prstGeom>
-          <a:noFill/>
-        </p:spPr>
-        <p:txBody>
-          <a:bodyPr wrap="none">
-            <a:spAutoFit/>
-          </a:bodyPr>
-          <a:lstStyle/>
-          <a:p/>
+            <a:off x="3688291" y="8101541"/>
+            <a:ext cx="850900" cy="241300"/>
+          </a:xfrm>
+          <a:prstGeom prst="rect">
+            <a:avLst/>
+          </a:prstGeom>
+          <a:noFill/>
+        </p:spPr>
+        <p:txBody>
+          <a:bodyPr wrap="none" anchor="ctr">
+            <a:spAutoFit/>
+          </a:bodyPr>
+          <a:lstStyle/>
           <a:p>
             <a:pPr>
               <a:defRPr sz="1000"/>
@@ -10906,20 +10664,19 @@
         </p:nvSpPr>
         <p:spPr>
           <a:xfrm>
-            <a:off x="137160" y="7874000"/>
-            <a:ext cx="177800" cy="120650"/>
-          </a:xfrm>
-          <a:prstGeom prst="rect">
-            <a:avLst/>
-          </a:prstGeom>
-          <a:noFill/>
-        </p:spPr>
-        <p:txBody>
-          <a:bodyPr wrap="none">
-            <a:spAutoFit/>
-          </a:bodyPr>
-          <a:lstStyle/>
-          <a:p/>
+            <a:off x="142875" y="8202083"/>
+            <a:ext cx="355600" cy="241300"/>
+          </a:xfrm>
+          <a:prstGeom prst="rect">
+            <a:avLst/>
+          </a:prstGeom>
+          <a:noFill/>
+        </p:spPr>
+        <p:txBody>
+          <a:bodyPr wrap="none" anchor="ctr">
+            <a:spAutoFit/>
+          </a:bodyPr>
+          <a:lstStyle/>
           <a:p>
             <a:pPr>
               <a:defRPr sz="1000"/>
@@ -10938,20 +10695,19 @@
         </p:nvSpPr>
         <p:spPr>
           <a:xfrm>
-            <a:off x="264160" y="7874000"/>
-            <a:ext cx="285750" cy="120650"/>
-          </a:xfrm>
-          <a:prstGeom prst="rect">
-            <a:avLst/>
-          </a:prstGeom>
-          <a:noFill/>
-        </p:spPr>
-        <p:txBody>
-          <a:bodyPr wrap="none">
-            <a:spAutoFit/>
-          </a:bodyPr>
-          <a:lstStyle/>
-          <a:p/>
+            <a:off x="275166" y="8202083"/>
+            <a:ext cx="571500" cy="241300"/>
+          </a:xfrm>
+          <a:prstGeom prst="rect">
+            <a:avLst/>
+          </a:prstGeom>
+          <a:noFill/>
+        </p:spPr>
+        <p:txBody>
+          <a:bodyPr wrap="none" anchor="ctr">
+            <a:spAutoFit/>
+          </a:bodyPr>
+          <a:lstStyle/>
           <a:p>
             <a:pPr>
               <a:defRPr sz="1000"/>
@@ -10970,20 +10726,19 @@
         </p:nvSpPr>
         <p:spPr>
           <a:xfrm>
-            <a:off x="477520" y="7863840"/>
-            <a:ext cx="146050" cy="133350"/>
-          </a:xfrm>
-          <a:prstGeom prst="rect">
-            <a:avLst/>
-          </a:prstGeom>
-          <a:noFill/>
-        </p:spPr>
-        <p:txBody>
-          <a:bodyPr wrap="none">
-            <a:spAutoFit/>
-          </a:bodyPr>
-          <a:lstStyle/>
-          <a:p/>
+            <a:off x="497416" y="8191500"/>
+            <a:ext cx="292100" cy="266700"/>
+          </a:xfrm>
+          <a:prstGeom prst="rect">
+            <a:avLst/>
+          </a:prstGeom>
+          <a:noFill/>
+        </p:spPr>
+        <p:txBody>
+          <a:bodyPr wrap="none" anchor="ctr">
+            <a:spAutoFit/>
+          </a:bodyPr>
+          <a:lstStyle/>
           <a:p>
             <a:pPr>
               <a:defRPr sz="1000"/>
@@ -11002,20 +10757,19 @@
         </p:nvSpPr>
         <p:spPr>
           <a:xfrm>
-            <a:off x="579120" y="7874000"/>
-            <a:ext cx="107950" cy="120650"/>
-          </a:xfrm>
-          <a:prstGeom prst="rect">
-            <a:avLst/>
-          </a:prstGeom>
-          <a:noFill/>
-        </p:spPr>
-        <p:txBody>
-          <a:bodyPr wrap="none">
-            <a:spAutoFit/>
-          </a:bodyPr>
-          <a:lstStyle/>
-          <a:p/>
+            <a:off x="603250" y="8202083"/>
+            <a:ext cx="215900" cy="241300"/>
+          </a:xfrm>
+          <a:prstGeom prst="rect">
+            <a:avLst/>
+          </a:prstGeom>
+          <a:noFill/>
+        </p:spPr>
+        <p:txBody>
+          <a:bodyPr wrap="none" anchor="ctr">
+            <a:spAutoFit/>
+          </a:bodyPr>
+          <a:lstStyle/>
           <a:p>
             <a:pPr>
               <a:defRPr sz="1000"/>
@@ -11034,20 +10788,19 @@
         </p:nvSpPr>
         <p:spPr>
           <a:xfrm>
-            <a:off x="665480" y="7863840"/>
-            <a:ext cx="381000" cy="120650"/>
-          </a:xfrm>
-          <a:prstGeom prst="rect">
-            <a:avLst/>
-          </a:prstGeom>
-          <a:noFill/>
-        </p:spPr>
-        <p:txBody>
-          <a:bodyPr wrap="none">
-            <a:spAutoFit/>
-          </a:bodyPr>
-          <a:lstStyle/>
-          <a:p/>
+            <a:off x="693208" y="8191500"/>
+            <a:ext cx="762000" cy="241300"/>
+          </a:xfrm>
+          <a:prstGeom prst="rect">
+            <a:avLst/>
+          </a:prstGeom>
+          <a:noFill/>
+        </p:spPr>
+        <p:txBody>
+          <a:bodyPr wrap="none" anchor="ctr">
+            <a:spAutoFit/>
+          </a:bodyPr>
+          <a:lstStyle/>
           <a:p>
             <a:pPr>
               <a:defRPr sz="1000"/>
@@ -11066,20 +10819,19 @@
         </p:nvSpPr>
         <p:spPr>
           <a:xfrm>
-            <a:off x="965200" y="7874000"/>
-            <a:ext cx="215900" cy="120650"/>
-          </a:xfrm>
-          <a:prstGeom prst="rect">
-            <a:avLst/>
-          </a:prstGeom>
-          <a:noFill/>
-        </p:spPr>
-        <p:txBody>
-          <a:bodyPr wrap="none">
-            <a:spAutoFit/>
-          </a:bodyPr>
-          <a:lstStyle/>
-          <a:p/>
+            <a:off x="1005416" y="8202083"/>
+            <a:ext cx="431800" cy="241300"/>
+          </a:xfrm>
+          <a:prstGeom prst="rect">
+            <a:avLst/>
+          </a:prstGeom>
+          <a:noFill/>
+        </p:spPr>
+        <p:txBody>
+          <a:bodyPr wrap="none" anchor="ctr">
+            <a:spAutoFit/>
+          </a:bodyPr>
+          <a:lstStyle/>
           <a:p>
             <a:pPr>
               <a:defRPr sz="1000"/>
@@ -11098,20 +10850,19 @@
         </p:nvSpPr>
         <p:spPr>
           <a:xfrm>
-            <a:off x="1112520" y="7874000"/>
-            <a:ext cx="215900" cy="120650"/>
-          </a:xfrm>
-          <a:prstGeom prst="rect">
-            <a:avLst/>
-          </a:prstGeom>
-          <a:noFill/>
-        </p:spPr>
-        <p:txBody>
-          <a:bodyPr wrap="none">
-            <a:spAutoFit/>
-          </a:bodyPr>
-          <a:lstStyle/>
-          <a:p/>
+            <a:off x="1158875" y="8202083"/>
+            <a:ext cx="431800" cy="241300"/>
+          </a:xfrm>
+          <a:prstGeom prst="rect">
+            <a:avLst/>
+          </a:prstGeom>
+          <a:noFill/>
+        </p:spPr>
+        <p:txBody>
+          <a:bodyPr wrap="none" anchor="ctr">
+            <a:spAutoFit/>
+          </a:bodyPr>
+          <a:lstStyle/>
           <a:p>
             <a:pPr>
               <a:defRPr sz="1000"/>
@@ -11130,20 +10881,19 @@
         </p:nvSpPr>
         <p:spPr>
           <a:xfrm>
-            <a:off x="1270000" y="7874000"/>
-            <a:ext cx="323850" cy="120650"/>
-          </a:xfrm>
-          <a:prstGeom prst="rect">
-            <a:avLst/>
-          </a:prstGeom>
-          <a:noFill/>
-        </p:spPr>
-        <p:txBody>
-          <a:bodyPr wrap="none">
-            <a:spAutoFit/>
-          </a:bodyPr>
-          <a:lstStyle/>
-          <a:p/>
+            <a:off x="1322916" y="8202083"/>
+            <a:ext cx="647700" cy="241300"/>
+          </a:xfrm>
+          <a:prstGeom prst="rect">
+            <a:avLst/>
+          </a:prstGeom>
+          <a:noFill/>
+        </p:spPr>
+        <p:txBody>
+          <a:bodyPr wrap="none" anchor="ctr">
+            <a:spAutoFit/>
+          </a:bodyPr>
+          <a:lstStyle/>
           <a:p>
             <a:pPr>
               <a:defRPr sz="1000"/>
@@ -11162,20 +10912,19 @@
         </p:nvSpPr>
         <p:spPr>
           <a:xfrm>
-            <a:off x="1513840" y="7874000"/>
-            <a:ext cx="374650" cy="107950"/>
-          </a:xfrm>
-          <a:prstGeom prst="rect">
-            <a:avLst/>
-          </a:prstGeom>
-          <a:noFill/>
-        </p:spPr>
-        <p:txBody>
-          <a:bodyPr wrap="none">
-            <a:spAutoFit/>
-          </a:bodyPr>
-          <a:lstStyle/>
-          <a:p/>
+            <a:off x="1576916" y="8202083"/>
+            <a:ext cx="749300" cy="215900"/>
+          </a:xfrm>
+          <a:prstGeom prst="rect">
+            <a:avLst/>
+          </a:prstGeom>
+          <a:noFill/>
+        </p:spPr>
+        <p:txBody>
+          <a:bodyPr wrap="none" anchor="ctr">
+            <a:spAutoFit/>
+          </a:bodyPr>
+          <a:lstStyle/>
           <a:p>
             <a:pPr>
               <a:defRPr sz="1000"/>
@@ -11194,20 +10943,19 @@
         </p:nvSpPr>
         <p:spPr>
           <a:xfrm>
-            <a:off x="1803400" y="7874000"/>
-            <a:ext cx="603250" cy="120650"/>
-          </a:xfrm>
-          <a:prstGeom prst="rect">
-            <a:avLst/>
-          </a:prstGeom>
-          <a:noFill/>
-        </p:spPr>
-        <p:txBody>
-          <a:bodyPr wrap="none">
-            <a:spAutoFit/>
-          </a:bodyPr>
-          <a:lstStyle/>
-          <a:p/>
+            <a:off x="1878541" y="8202083"/>
+            <a:ext cx="1206500" cy="241300"/>
+          </a:xfrm>
+          <a:prstGeom prst="rect">
+            <a:avLst/>
+          </a:prstGeom>
+          <a:noFill/>
+        </p:spPr>
+        <p:txBody>
+          <a:bodyPr wrap="none" anchor="ctr">
+            <a:spAutoFit/>
+          </a:bodyPr>
+          <a:lstStyle/>
           <a:p>
             <a:pPr>
               <a:defRPr sz="1000"/>
@@ -11226,20 +10974,19 @@
         </p:nvSpPr>
         <p:spPr>
           <a:xfrm>
-            <a:off x="2275840" y="7863840"/>
-            <a:ext cx="184150" cy="120650"/>
-          </a:xfrm>
-          <a:prstGeom prst="rect">
-            <a:avLst/>
-          </a:prstGeom>
-          <a:noFill/>
-        </p:spPr>
-        <p:txBody>
-          <a:bodyPr wrap="none">
-            <a:spAutoFit/>
-          </a:bodyPr>
-          <a:lstStyle/>
-          <a:p/>
+            <a:off x="2370666" y="8191500"/>
+            <a:ext cx="368300" cy="241300"/>
+          </a:xfrm>
+          <a:prstGeom prst="rect">
+            <a:avLst/>
+          </a:prstGeom>
+          <a:noFill/>
+        </p:spPr>
+        <p:txBody>
+          <a:bodyPr wrap="none" anchor="ctr">
+            <a:spAutoFit/>
+          </a:bodyPr>
+          <a:lstStyle/>
           <a:p>
             <a:pPr>
               <a:defRPr sz="1000"/>
@@ -11258,20 +11005,19 @@
         </p:nvSpPr>
         <p:spPr>
           <a:xfrm>
-            <a:off x="2407920" y="7874000"/>
-            <a:ext cx="317500" cy="120650"/>
-          </a:xfrm>
-          <a:prstGeom prst="rect">
-            <a:avLst/>
-          </a:prstGeom>
-          <a:noFill/>
-        </p:spPr>
-        <p:txBody>
-          <a:bodyPr wrap="none">
-            <a:spAutoFit/>
-          </a:bodyPr>
-          <a:lstStyle/>
-          <a:p/>
+            <a:off x="2508250" y="8202083"/>
+            <a:ext cx="635000" cy="241300"/>
+          </a:xfrm>
+          <a:prstGeom prst="rect">
+            <a:avLst/>
+          </a:prstGeom>
+          <a:noFill/>
+        </p:spPr>
+        <p:txBody>
+          <a:bodyPr wrap="none" anchor="ctr">
+            <a:spAutoFit/>
+          </a:bodyPr>
+          <a:lstStyle/>
           <a:p>
             <a:pPr>
               <a:defRPr sz="1000"/>
@@ -11290,20 +11036,19 @@
         </p:nvSpPr>
         <p:spPr>
           <a:xfrm>
-            <a:off x="2651760" y="7874000"/>
-            <a:ext cx="336550" cy="107950"/>
-          </a:xfrm>
-          <a:prstGeom prst="rect">
-            <a:avLst/>
-          </a:prstGeom>
-          <a:noFill/>
-        </p:spPr>
-        <p:txBody>
-          <a:bodyPr wrap="none">
-            <a:spAutoFit/>
-          </a:bodyPr>
-          <a:lstStyle/>
-          <a:p/>
+            <a:off x="2762250" y="8202083"/>
+            <a:ext cx="673100" cy="215900"/>
+          </a:xfrm>
+          <a:prstGeom prst="rect">
+            <a:avLst/>
+          </a:prstGeom>
+          <a:noFill/>
+        </p:spPr>
+        <p:txBody>
+          <a:bodyPr wrap="none" anchor="ctr">
+            <a:spAutoFit/>
+          </a:bodyPr>
+          <a:lstStyle/>
           <a:p>
             <a:pPr>
               <a:defRPr sz="1000"/>
@@ -11322,20 +11067,19 @@
         </p:nvSpPr>
         <p:spPr>
           <a:xfrm>
-            <a:off x="2921000" y="7884159"/>
-            <a:ext cx="127000" cy="95250"/>
-          </a:xfrm>
-          <a:prstGeom prst="rect">
-            <a:avLst/>
-          </a:prstGeom>
-          <a:noFill/>
-        </p:spPr>
-        <p:txBody>
-          <a:bodyPr wrap="none">
-            <a:spAutoFit/>
-          </a:bodyPr>
-          <a:lstStyle/>
-          <a:p/>
+            <a:off x="3042708" y="8212666"/>
+            <a:ext cx="254000" cy="190500"/>
+          </a:xfrm>
+          <a:prstGeom prst="rect">
+            <a:avLst/>
+          </a:prstGeom>
+          <a:noFill/>
+        </p:spPr>
+        <p:txBody>
+          <a:bodyPr wrap="none" anchor="ctr">
+            <a:spAutoFit/>
+          </a:bodyPr>
+          <a:lstStyle/>
           <a:p>
             <a:pPr>
               <a:defRPr sz="1000"/>
@@ -11354,20 +11098,19 @@
         </p:nvSpPr>
         <p:spPr>
           <a:xfrm>
-            <a:off x="3022600" y="7874000"/>
-            <a:ext cx="355600" cy="120650"/>
-          </a:xfrm>
-          <a:prstGeom prst="rect">
-            <a:avLst/>
-          </a:prstGeom>
-          <a:noFill/>
-        </p:spPr>
-        <p:txBody>
-          <a:bodyPr wrap="none">
-            <a:spAutoFit/>
-          </a:bodyPr>
-          <a:lstStyle/>
-          <a:p/>
+            <a:off x="3148541" y="8202083"/>
+            <a:ext cx="711200" cy="241300"/>
+          </a:xfrm>
+          <a:prstGeom prst="rect">
+            <a:avLst/>
+          </a:prstGeom>
+          <a:noFill/>
+        </p:spPr>
+        <p:txBody>
+          <a:bodyPr wrap="none" anchor="ctr">
+            <a:spAutoFit/>
+          </a:bodyPr>
+          <a:lstStyle/>
           <a:p>
             <a:pPr>
               <a:defRPr sz="1000"/>
@@ -11386,20 +11129,19 @@
         </p:nvSpPr>
         <p:spPr>
           <a:xfrm>
-            <a:off x="3296920" y="7874000"/>
-            <a:ext cx="342900" cy="107950"/>
-          </a:xfrm>
-          <a:prstGeom prst="rect">
-            <a:avLst/>
-          </a:prstGeom>
-          <a:noFill/>
-        </p:spPr>
-        <p:txBody>
-          <a:bodyPr wrap="none">
-            <a:spAutoFit/>
-          </a:bodyPr>
-          <a:lstStyle/>
-          <a:p/>
+            <a:off x="3434291" y="8202083"/>
+            <a:ext cx="685800" cy="215900"/>
+          </a:xfrm>
+          <a:prstGeom prst="rect">
+            <a:avLst/>
+          </a:prstGeom>
+          <a:noFill/>
+        </p:spPr>
+        <p:txBody>
+          <a:bodyPr wrap="none" anchor="ctr">
+            <a:spAutoFit/>
+          </a:bodyPr>
+          <a:lstStyle/>
           <a:p>
             <a:pPr>
               <a:defRPr sz="1000"/>
@@ -11418,20 +11160,19 @@
         </p:nvSpPr>
         <p:spPr>
           <a:xfrm>
-            <a:off x="3556000" y="7874000"/>
-            <a:ext cx="254000" cy="120650"/>
-          </a:xfrm>
-          <a:prstGeom prst="rect">
-            <a:avLst/>
-          </a:prstGeom>
-          <a:noFill/>
-        </p:spPr>
-        <p:txBody>
-          <a:bodyPr wrap="none">
-            <a:spAutoFit/>
-          </a:bodyPr>
-          <a:lstStyle/>
-          <a:p/>
+            <a:off x="3704166" y="8202083"/>
+            <a:ext cx="508000" cy="241300"/>
+          </a:xfrm>
+          <a:prstGeom prst="rect">
+            <a:avLst/>
+          </a:prstGeom>
+          <a:noFill/>
+        </p:spPr>
+        <p:txBody>
+          <a:bodyPr wrap="none" anchor="ctr">
+            <a:spAutoFit/>
+          </a:bodyPr>
+          <a:lstStyle/>
           <a:p>
             <a:pPr>
               <a:defRPr sz="1000"/>
@@ -11450,20 +11191,19 @@
         </p:nvSpPr>
         <p:spPr>
           <a:xfrm>
-            <a:off x="3759200" y="7874000"/>
-            <a:ext cx="641350" cy="107950"/>
-          </a:xfrm>
-          <a:prstGeom prst="rect">
-            <a:avLst/>
-          </a:prstGeom>
-          <a:noFill/>
-        </p:spPr>
-        <p:txBody>
-          <a:bodyPr wrap="none">
-            <a:spAutoFit/>
-          </a:bodyPr>
-          <a:lstStyle/>
-          <a:p/>
+            <a:off x="3915833" y="8202083"/>
+            <a:ext cx="1282700" cy="215900"/>
+          </a:xfrm>
+          <a:prstGeom prst="rect">
+            <a:avLst/>
+          </a:prstGeom>
+          <a:noFill/>
+        </p:spPr>
+        <p:txBody>
+          <a:bodyPr wrap="none" anchor="ctr">
+            <a:spAutoFit/>
+          </a:bodyPr>
+          <a:lstStyle/>
           <a:p>
             <a:pPr>
               <a:defRPr sz="1000"/>
